--- a/papers/2017-JSS-RELPL/images/reverse-engineering-overview.pptx
+++ b/papers/2017-JSS-RELPL/images/reverse-engineering-overview.pptx
@@ -4,9 +4,13 @@
   <p:sldMasterIdLst>
     <p:sldMasterId id="2147483648" r:id="rId1"/>
   </p:sldMasterIdLst>
+  <p:notesMasterIdLst>
+    <p:notesMasterId r:id="rId5"/>
+  </p:notesMasterIdLst>
   <p:sldIdLst>
     <p:sldId id="256" r:id="rId2"/>
     <p:sldId id="257" r:id="rId3"/>
+    <p:sldId id="258" r:id="rId4"/>
   </p:sldIdLst>
   <p:sldSz cx="9144000" cy="6858000" type="screen4x3"/>
   <p:notesSz cx="6858000" cy="9144000"/>
@@ -105,7 +109,373 @@
       </a:defRPr>
     </a:lvl9pPr>
   </p:defaultTextStyle>
+  <p:extLst>
+    <p:ext uri="{EFAFB233-063F-42B5-8137-9DF3F51BA10A}">
+      <p15:sldGuideLst xmlns:p15="http://schemas.microsoft.com/office/powerpoint/2012/main">
+        <p15:guide id="1" orient="horz" pos="2160">
+          <p15:clr>
+            <a:srgbClr val="A4A3A4"/>
+          </p15:clr>
+        </p15:guide>
+        <p15:guide id="2" pos="2880">
+          <p15:clr>
+            <a:srgbClr val="A4A3A4"/>
+          </p15:clr>
+        </p15:guide>
+      </p15:sldGuideLst>
+    </p:ext>
+  </p:extLst>
 </p:presentation>
+</file>
+
+<file path=ppt/notesMasters/notesMaster1.xml><?xml version="1.0" encoding="utf-8"?>
+<p:notesMaster xmlns:a="http://schemas.openxmlformats.org/drawingml/2006/main" xmlns:r="http://schemas.openxmlformats.org/officeDocument/2006/relationships" xmlns:p="http://schemas.openxmlformats.org/presentationml/2006/main">
+  <p:cSld>
+    <p:bg>
+      <p:bgRef idx="1001">
+        <a:schemeClr val="bg1"/>
+      </p:bgRef>
+    </p:bg>
+    <p:spTree>
+      <p:nvGrpSpPr>
+        <p:cNvPr id="1" name=""/>
+        <p:cNvGrpSpPr/>
+        <p:nvPr/>
+      </p:nvGrpSpPr>
+      <p:grpSpPr>
+        <a:xfrm>
+          <a:off x="0" y="0"/>
+          <a:ext cx="0" cy="0"/>
+          <a:chOff x="0" y="0"/>
+          <a:chExt cx="0" cy="0"/>
+        </a:xfrm>
+      </p:grpSpPr>
+      <p:sp>
+        <p:nvSpPr>
+          <p:cNvPr id="2" name="Espace réservé de l’en-tête 1"/>
+          <p:cNvSpPr>
+            <a:spLocks noGrp="1"/>
+          </p:cNvSpPr>
+          <p:nvPr>
+            <p:ph type="hdr" sz="quarter"/>
+          </p:nvPr>
+        </p:nvSpPr>
+        <p:spPr>
+          <a:xfrm>
+            <a:off x="0" y="0"/>
+            <a:ext cx="2971800" cy="458788"/>
+          </a:xfrm>
+          <a:prstGeom prst="rect">
+            <a:avLst/>
+          </a:prstGeom>
+        </p:spPr>
+        <p:txBody>
+          <a:bodyPr vert="horz" lIns="91440" tIns="45720" rIns="91440" bIns="45720" rtlCol="0"/>
+          <a:lstStyle>
+            <a:lvl1pPr algn="l">
+              <a:defRPr sz="1200"/>
+            </a:lvl1pPr>
+          </a:lstStyle>
+          <a:p>
+            <a:endParaRPr lang="fr-FR"/>
+          </a:p>
+        </p:txBody>
+      </p:sp>
+      <p:sp>
+        <p:nvSpPr>
+          <p:cNvPr id="3" name="Espace réservé de la date 2"/>
+          <p:cNvSpPr>
+            <a:spLocks noGrp="1"/>
+          </p:cNvSpPr>
+          <p:nvPr>
+            <p:ph type="dt" idx="1"/>
+          </p:nvPr>
+        </p:nvSpPr>
+        <p:spPr>
+          <a:xfrm>
+            <a:off x="3884613" y="0"/>
+            <a:ext cx="2971800" cy="458788"/>
+          </a:xfrm>
+          <a:prstGeom prst="rect">
+            <a:avLst/>
+          </a:prstGeom>
+        </p:spPr>
+        <p:txBody>
+          <a:bodyPr vert="horz" lIns="91440" tIns="45720" rIns="91440" bIns="45720" rtlCol="0"/>
+          <a:lstStyle>
+            <a:lvl1pPr algn="r">
+              <a:defRPr sz="1200"/>
+            </a:lvl1pPr>
+          </a:lstStyle>
+          <a:p>
+            <a:fld id="{0C015B18-3AED-0E46-8459-F975C7509EE8}" type="datetimeFigureOut">
+              <a:rPr lang="fr-FR" smtClean="0"/>
+              <a:t>21/03/2017</a:t>
+            </a:fld>
+            <a:endParaRPr lang="fr-FR"/>
+          </a:p>
+        </p:txBody>
+      </p:sp>
+      <p:sp>
+        <p:nvSpPr>
+          <p:cNvPr id="4" name="Espace réservé de l’image des diapositives 3"/>
+          <p:cNvSpPr>
+            <a:spLocks noGrp="1" noRot="1" noChangeAspect="1"/>
+          </p:cNvSpPr>
+          <p:nvPr>
+            <p:ph type="sldImg" idx="2"/>
+          </p:nvPr>
+        </p:nvSpPr>
+        <p:spPr>
+          <a:xfrm>
+            <a:off x="1371600" y="1143000"/>
+            <a:ext cx="4114800" cy="3086100"/>
+          </a:xfrm>
+          <a:prstGeom prst="rect">
+            <a:avLst/>
+          </a:prstGeom>
+          <a:noFill/>
+          <a:ln w="12700">
+            <a:solidFill>
+              <a:prstClr val="black"/>
+            </a:solidFill>
+          </a:ln>
+        </p:spPr>
+        <p:txBody>
+          <a:bodyPr vert="horz" lIns="91440" tIns="45720" rIns="91440" bIns="45720" rtlCol="0" anchor="ctr"/>
+          <a:lstStyle/>
+          <a:p>
+            <a:endParaRPr lang="fr-FR"/>
+          </a:p>
+        </p:txBody>
+      </p:sp>
+      <p:sp>
+        <p:nvSpPr>
+          <p:cNvPr id="5" name="Espace réservé des commentaires 4"/>
+          <p:cNvSpPr>
+            <a:spLocks noGrp="1"/>
+          </p:cNvSpPr>
+          <p:nvPr>
+            <p:ph type="body" sz="quarter" idx="3"/>
+          </p:nvPr>
+        </p:nvSpPr>
+        <p:spPr>
+          <a:xfrm>
+            <a:off x="685800" y="4400550"/>
+            <a:ext cx="5486400" cy="3600450"/>
+          </a:xfrm>
+          <a:prstGeom prst="rect">
+            <a:avLst/>
+          </a:prstGeom>
+        </p:spPr>
+        <p:txBody>
+          <a:bodyPr vert="horz" lIns="91440" tIns="45720" rIns="91440" bIns="45720" rtlCol="0"/>
+          <a:lstStyle/>
+          <a:p>
+            <a:pPr lvl="0"/>
+            <a:r>
+              <a:rPr lang="fr-FR" smtClean="0"/>
+              <a:t>Cliquez pour modifier les styles du texte du masque</a:t>
+            </a:r>
+          </a:p>
+          <a:p>
+            <a:pPr lvl="1"/>
+            <a:r>
+              <a:rPr lang="fr-FR" smtClean="0"/>
+              <a:t>Deuxième niveau</a:t>
+            </a:r>
+          </a:p>
+          <a:p>
+            <a:pPr lvl="2"/>
+            <a:r>
+              <a:rPr lang="fr-FR" smtClean="0"/>
+              <a:t>Troisième niveau</a:t>
+            </a:r>
+          </a:p>
+          <a:p>
+            <a:pPr lvl="3"/>
+            <a:r>
+              <a:rPr lang="fr-FR" smtClean="0"/>
+              <a:t>Quatrième niveau</a:t>
+            </a:r>
+          </a:p>
+          <a:p>
+            <a:pPr lvl="4"/>
+            <a:r>
+              <a:rPr lang="fr-FR" smtClean="0"/>
+              <a:t>Cinquième niveau</a:t>
+            </a:r>
+            <a:endParaRPr lang="fr-FR"/>
+          </a:p>
+        </p:txBody>
+      </p:sp>
+      <p:sp>
+        <p:nvSpPr>
+          <p:cNvPr id="6" name="Espace réservé du pied de page 5"/>
+          <p:cNvSpPr>
+            <a:spLocks noGrp="1"/>
+          </p:cNvSpPr>
+          <p:nvPr>
+            <p:ph type="ftr" sz="quarter" idx="4"/>
+          </p:nvPr>
+        </p:nvSpPr>
+        <p:spPr>
+          <a:xfrm>
+            <a:off x="0" y="8685213"/>
+            <a:ext cx="2971800" cy="458787"/>
+          </a:xfrm>
+          <a:prstGeom prst="rect">
+            <a:avLst/>
+          </a:prstGeom>
+        </p:spPr>
+        <p:txBody>
+          <a:bodyPr vert="horz" lIns="91440" tIns="45720" rIns="91440" bIns="45720" rtlCol="0" anchor="b"/>
+          <a:lstStyle>
+            <a:lvl1pPr algn="l">
+              <a:defRPr sz="1200"/>
+            </a:lvl1pPr>
+          </a:lstStyle>
+          <a:p>
+            <a:endParaRPr lang="fr-FR"/>
+          </a:p>
+        </p:txBody>
+      </p:sp>
+      <p:sp>
+        <p:nvSpPr>
+          <p:cNvPr id="7" name="Espace réservé du numéro de diapositive 6"/>
+          <p:cNvSpPr>
+            <a:spLocks noGrp="1"/>
+          </p:cNvSpPr>
+          <p:nvPr>
+            <p:ph type="sldNum" sz="quarter" idx="5"/>
+          </p:nvPr>
+        </p:nvSpPr>
+        <p:spPr>
+          <a:xfrm>
+            <a:off x="3884613" y="8685213"/>
+            <a:ext cx="2971800" cy="458787"/>
+          </a:xfrm>
+          <a:prstGeom prst="rect">
+            <a:avLst/>
+          </a:prstGeom>
+        </p:spPr>
+        <p:txBody>
+          <a:bodyPr vert="horz" lIns="91440" tIns="45720" rIns="91440" bIns="45720" rtlCol="0" anchor="b"/>
+          <a:lstStyle>
+            <a:lvl1pPr algn="r">
+              <a:defRPr sz="1200"/>
+            </a:lvl1pPr>
+          </a:lstStyle>
+          <a:p>
+            <a:fld id="{6713F350-E655-5C42-8703-37C3E5B6CB48}" type="slidenum">
+              <a:rPr lang="fr-FR" smtClean="0"/>
+              <a:t>‹#›</a:t>
+            </a:fld>
+            <a:endParaRPr lang="fr-FR"/>
+          </a:p>
+        </p:txBody>
+      </p:sp>
+    </p:spTree>
+    <p:extLst>
+      <p:ext uri="{BB962C8B-B14F-4D97-AF65-F5344CB8AC3E}">
+        <p14:creationId xmlns:p14="http://schemas.microsoft.com/office/powerpoint/2010/main" val="2058937215"/>
+      </p:ext>
+    </p:extLst>
+  </p:cSld>
+  <p:clrMap bg1="lt1" tx1="dk1" bg2="lt2" tx2="dk2" accent1="accent1" accent2="accent2" accent3="accent3" accent4="accent4" accent5="accent5" accent6="accent6" hlink="hlink" folHlink="folHlink"/>
+  <p:notesStyle>
+    <a:lvl1pPr marL="0" algn="l" defTabSz="914400" rtl="0" eaLnBrk="1" latinLnBrk="0" hangingPunct="1">
+      <a:defRPr sz="1200" kern="1200">
+        <a:solidFill>
+          <a:schemeClr val="tx1"/>
+        </a:solidFill>
+        <a:latin typeface="+mn-lt"/>
+        <a:ea typeface="+mn-ea"/>
+        <a:cs typeface="+mn-cs"/>
+      </a:defRPr>
+    </a:lvl1pPr>
+    <a:lvl2pPr marL="457200" algn="l" defTabSz="914400" rtl="0" eaLnBrk="1" latinLnBrk="0" hangingPunct="1">
+      <a:defRPr sz="1200" kern="1200">
+        <a:solidFill>
+          <a:schemeClr val="tx1"/>
+        </a:solidFill>
+        <a:latin typeface="+mn-lt"/>
+        <a:ea typeface="+mn-ea"/>
+        <a:cs typeface="+mn-cs"/>
+      </a:defRPr>
+    </a:lvl2pPr>
+    <a:lvl3pPr marL="914400" algn="l" defTabSz="914400" rtl="0" eaLnBrk="1" latinLnBrk="0" hangingPunct="1">
+      <a:defRPr sz="1200" kern="1200">
+        <a:solidFill>
+          <a:schemeClr val="tx1"/>
+        </a:solidFill>
+        <a:latin typeface="+mn-lt"/>
+        <a:ea typeface="+mn-ea"/>
+        <a:cs typeface="+mn-cs"/>
+      </a:defRPr>
+    </a:lvl3pPr>
+    <a:lvl4pPr marL="1371600" algn="l" defTabSz="914400" rtl="0" eaLnBrk="1" latinLnBrk="0" hangingPunct="1">
+      <a:defRPr sz="1200" kern="1200">
+        <a:solidFill>
+          <a:schemeClr val="tx1"/>
+        </a:solidFill>
+        <a:latin typeface="+mn-lt"/>
+        <a:ea typeface="+mn-ea"/>
+        <a:cs typeface="+mn-cs"/>
+      </a:defRPr>
+    </a:lvl4pPr>
+    <a:lvl5pPr marL="1828800" algn="l" defTabSz="914400" rtl="0" eaLnBrk="1" latinLnBrk="0" hangingPunct="1">
+      <a:defRPr sz="1200" kern="1200">
+        <a:solidFill>
+          <a:schemeClr val="tx1"/>
+        </a:solidFill>
+        <a:latin typeface="+mn-lt"/>
+        <a:ea typeface="+mn-ea"/>
+        <a:cs typeface="+mn-cs"/>
+      </a:defRPr>
+    </a:lvl5pPr>
+    <a:lvl6pPr marL="2286000" algn="l" defTabSz="914400" rtl="0" eaLnBrk="1" latinLnBrk="0" hangingPunct="1">
+      <a:defRPr sz="1200" kern="1200">
+        <a:solidFill>
+          <a:schemeClr val="tx1"/>
+        </a:solidFill>
+        <a:latin typeface="+mn-lt"/>
+        <a:ea typeface="+mn-ea"/>
+        <a:cs typeface="+mn-cs"/>
+      </a:defRPr>
+    </a:lvl6pPr>
+    <a:lvl7pPr marL="2743200" algn="l" defTabSz="914400" rtl="0" eaLnBrk="1" latinLnBrk="0" hangingPunct="1">
+      <a:defRPr sz="1200" kern="1200">
+        <a:solidFill>
+          <a:schemeClr val="tx1"/>
+        </a:solidFill>
+        <a:latin typeface="+mn-lt"/>
+        <a:ea typeface="+mn-ea"/>
+        <a:cs typeface="+mn-cs"/>
+      </a:defRPr>
+    </a:lvl7pPr>
+    <a:lvl8pPr marL="3200400" algn="l" defTabSz="914400" rtl="0" eaLnBrk="1" latinLnBrk="0" hangingPunct="1">
+      <a:defRPr sz="1200" kern="1200">
+        <a:solidFill>
+          <a:schemeClr val="tx1"/>
+        </a:solidFill>
+        <a:latin typeface="+mn-lt"/>
+        <a:ea typeface="+mn-ea"/>
+        <a:cs typeface="+mn-cs"/>
+      </a:defRPr>
+    </a:lvl8pPr>
+    <a:lvl9pPr marL="3657600" algn="l" defTabSz="914400" rtl="0" eaLnBrk="1" latinLnBrk="0" hangingPunct="1">
+      <a:defRPr sz="1200" kern="1200">
+        <a:solidFill>
+          <a:schemeClr val="tx1"/>
+        </a:solidFill>
+        <a:latin typeface="+mn-lt"/>
+        <a:ea typeface="+mn-ea"/>
+        <a:cs typeface="+mn-cs"/>
+      </a:defRPr>
+    </a:lvl9pPr>
+  </p:notesStyle>
+</p:notesMaster>
 </file>
 
 <file path=ppt/slideLayouts/slideLayout1.xml><?xml version="1.0" encoding="utf-8"?>
@@ -289,7 +659,7 @@
           <a:p>
             <a:fld id="{938E4E14-DE02-2D4C-AF00-DACBB606C8D4}" type="datetimeFigureOut">
               <a:rPr lang="fr-FR" smtClean="0"/>
-              <a:t>30/09/2016</a:t>
+              <a:t>21/03/2017</a:t>
             </a:fld>
             <a:endParaRPr lang="fr-FR"/>
           </a:p>
@@ -459,7 +829,7 @@
           <a:p>
             <a:fld id="{938E4E14-DE02-2D4C-AF00-DACBB606C8D4}" type="datetimeFigureOut">
               <a:rPr lang="fr-FR" smtClean="0"/>
-              <a:t>30/09/2016</a:t>
+              <a:t>21/03/2017</a:t>
             </a:fld>
             <a:endParaRPr lang="fr-FR"/>
           </a:p>
@@ -639,7 +1009,7 @@
           <a:p>
             <a:fld id="{938E4E14-DE02-2D4C-AF00-DACBB606C8D4}" type="datetimeFigureOut">
               <a:rPr lang="fr-FR" smtClean="0"/>
-              <a:t>30/09/2016</a:t>
+              <a:t>21/03/2017</a:t>
             </a:fld>
             <a:endParaRPr lang="fr-FR"/>
           </a:p>
@@ -809,7 +1179,7 @@
           <a:p>
             <a:fld id="{938E4E14-DE02-2D4C-AF00-DACBB606C8D4}" type="datetimeFigureOut">
               <a:rPr lang="fr-FR" smtClean="0"/>
-              <a:t>30/09/2016</a:t>
+              <a:t>21/03/2017</a:t>
             </a:fld>
             <a:endParaRPr lang="fr-FR"/>
           </a:p>
@@ -1055,7 +1425,7 @@
           <a:p>
             <a:fld id="{938E4E14-DE02-2D4C-AF00-DACBB606C8D4}" type="datetimeFigureOut">
               <a:rPr lang="fr-FR" smtClean="0"/>
-              <a:t>30/09/2016</a:t>
+              <a:t>21/03/2017</a:t>
             </a:fld>
             <a:endParaRPr lang="fr-FR"/>
           </a:p>
@@ -1343,7 +1713,7 @@
           <a:p>
             <a:fld id="{938E4E14-DE02-2D4C-AF00-DACBB606C8D4}" type="datetimeFigureOut">
               <a:rPr lang="fr-FR" smtClean="0"/>
-              <a:t>30/09/2016</a:t>
+              <a:t>21/03/2017</a:t>
             </a:fld>
             <a:endParaRPr lang="fr-FR"/>
           </a:p>
@@ -1765,7 +2135,7 @@
           <a:p>
             <a:fld id="{938E4E14-DE02-2D4C-AF00-DACBB606C8D4}" type="datetimeFigureOut">
               <a:rPr lang="fr-FR" smtClean="0"/>
-              <a:t>30/09/2016</a:t>
+              <a:t>21/03/2017</a:t>
             </a:fld>
             <a:endParaRPr lang="fr-FR"/>
           </a:p>
@@ -1883,7 +2253,7 @@
           <a:p>
             <a:fld id="{938E4E14-DE02-2D4C-AF00-DACBB606C8D4}" type="datetimeFigureOut">
               <a:rPr lang="fr-FR" smtClean="0"/>
-              <a:t>30/09/2016</a:t>
+              <a:t>21/03/2017</a:t>
             </a:fld>
             <a:endParaRPr lang="fr-FR"/>
           </a:p>
@@ -1978,7 +2348,7 @@
           <a:p>
             <a:fld id="{938E4E14-DE02-2D4C-AF00-DACBB606C8D4}" type="datetimeFigureOut">
               <a:rPr lang="fr-FR" smtClean="0"/>
-              <a:t>30/09/2016</a:t>
+              <a:t>21/03/2017</a:t>
             </a:fld>
             <a:endParaRPr lang="fr-FR"/>
           </a:p>
@@ -2255,7 +2625,7 @@
           <a:p>
             <a:fld id="{938E4E14-DE02-2D4C-AF00-DACBB606C8D4}" type="datetimeFigureOut">
               <a:rPr lang="fr-FR" smtClean="0"/>
-              <a:t>30/09/2016</a:t>
+              <a:t>21/03/2017</a:t>
             </a:fld>
             <a:endParaRPr lang="fr-FR"/>
           </a:p>
@@ -2508,7 +2878,7 @@
           <a:p>
             <a:fld id="{938E4E14-DE02-2D4C-AF00-DACBB606C8D4}" type="datetimeFigureOut">
               <a:rPr lang="fr-FR" smtClean="0"/>
-              <a:t>30/09/2016</a:t>
+              <a:t>21/03/2017</a:t>
             </a:fld>
             <a:endParaRPr lang="fr-FR"/>
           </a:p>
@@ -2721,7 +3091,7 @@
           <a:p>
             <a:fld id="{938E4E14-DE02-2D4C-AF00-DACBB606C8D4}" type="datetimeFigureOut">
               <a:rPr lang="fr-FR" smtClean="0"/>
-              <a:t>30/09/2016</a:t>
+              <a:t>21/03/2017</a:t>
             </a:fld>
             <a:endParaRPr lang="fr-FR"/>
           </a:p>
@@ -13504,6 +13874,6429 @@
 </p:sld>
 </file>
 
+<file path=ppt/slides/slide3.xml><?xml version="1.0" encoding="utf-8"?>
+<p:sld xmlns:a="http://schemas.openxmlformats.org/drawingml/2006/main" xmlns:r="http://schemas.openxmlformats.org/officeDocument/2006/relationships" xmlns:p="http://schemas.openxmlformats.org/presentationml/2006/main">
+  <p:cSld>
+    <p:spTree>
+      <p:nvGrpSpPr>
+        <p:cNvPr id="1" name=""/>
+        <p:cNvGrpSpPr/>
+        <p:nvPr/>
+      </p:nvGrpSpPr>
+      <p:grpSpPr>
+        <a:xfrm>
+          <a:off x="0" y="0"/>
+          <a:ext cx="0" cy="0"/>
+          <a:chOff x="0" y="0"/>
+          <a:chExt cx="0" cy="0"/>
+        </a:xfrm>
+      </p:grpSpPr>
+      <p:sp>
+        <p:nvSpPr>
+          <p:cNvPr id="2" name="Rectangle à coins arrondis 1"/>
+          <p:cNvSpPr/>
+          <p:nvPr/>
+        </p:nvSpPr>
+        <p:spPr>
+          <a:xfrm>
+            <a:off x="288164" y="783478"/>
+            <a:ext cx="8571479" cy="3248986"/>
+          </a:xfrm>
+          <a:prstGeom prst="roundRect">
+            <a:avLst>
+              <a:gd name="adj" fmla="val 0"/>
+            </a:avLst>
+          </a:prstGeom>
+          <a:solidFill>
+            <a:schemeClr val="bg1">
+              <a:lumMod val="95000"/>
+            </a:schemeClr>
+          </a:solidFill>
+          <a:ln>
+            <a:solidFill>
+              <a:schemeClr val="bg1">
+                <a:lumMod val="65000"/>
+              </a:schemeClr>
+            </a:solidFill>
+          </a:ln>
+          <a:effectLst/>
+        </p:spPr>
+        <p:style>
+          <a:lnRef idx="1">
+            <a:schemeClr val="accent1"/>
+          </a:lnRef>
+          <a:fillRef idx="3">
+            <a:schemeClr val="accent1"/>
+          </a:fillRef>
+          <a:effectRef idx="2">
+            <a:schemeClr val="accent1"/>
+          </a:effectRef>
+          <a:fontRef idx="minor">
+            <a:schemeClr val="lt1"/>
+          </a:fontRef>
+        </p:style>
+        <p:txBody>
+          <a:bodyPr rtlCol="0" anchor="ctr"/>
+          <a:lstStyle/>
+          <a:p>
+            <a:pPr algn="ctr"/>
+            <a:endParaRPr lang="fr-FR">
+              <a:ln>
+                <a:solidFill>
+                  <a:srgbClr val="000000"/>
+                </a:solidFill>
+              </a:ln>
+            </a:endParaRPr>
+          </a:p>
+        </p:txBody>
+      </p:sp>
+      <p:sp>
+        <p:nvSpPr>
+          <p:cNvPr id="193" name="Rectangle à coins arrondis 192"/>
+          <p:cNvSpPr/>
+          <p:nvPr/>
+        </p:nvSpPr>
+        <p:spPr>
+          <a:xfrm>
+            <a:off x="1328083" y="2831728"/>
+            <a:ext cx="1552364" cy="935829"/>
+          </a:xfrm>
+          <a:prstGeom prst="roundRect">
+            <a:avLst>
+              <a:gd name="adj" fmla="val 8476"/>
+            </a:avLst>
+          </a:prstGeom>
+          <a:solidFill>
+            <a:schemeClr val="bg1">
+              <a:lumMod val="85000"/>
+            </a:schemeClr>
+          </a:solidFill>
+          <a:ln>
+            <a:noFill/>
+          </a:ln>
+        </p:spPr>
+        <p:style>
+          <a:lnRef idx="1">
+            <a:schemeClr val="accent1"/>
+          </a:lnRef>
+          <a:fillRef idx="3">
+            <a:schemeClr val="accent1"/>
+          </a:fillRef>
+          <a:effectRef idx="2">
+            <a:schemeClr val="accent1"/>
+          </a:effectRef>
+          <a:fontRef idx="minor">
+            <a:schemeClr val="lt1"/>
+          </a:fontRef>
+        </p:style>
+        <p:txBody>
+          <a:bodyPr rtlCol="0" anchor="ctr"/>
+          <a:lstStyle/>
+          <a:p>
+            <a:pPr algn="ctr"/>
+            <a:endParaRPr lang="fr-FR"/>
+          </a:p>
+        </p:txBody>
+      </p:sp>
+      <p:sp>
+        <p:nvSpPr>
+          <p:cNvPr id="192" name="Rectangle à coins arrondis 191"/>
+          <p:cNvSpPr/>
+          <p:nvPr/>
+        </p:nvSpPr>
+        <p:spPr>
+          <a:xfrm>
+            <a:off x="5647249" y="2831728"/>
+            <a:ext cx="1552364" cy="935829"/>
+          </a:xfrm>
+          <a:prstGeom prst="roundRect">
+            <a:avLst>
+              <a:gd name="adj" fmla="val 8476"/>
+            </a:avLst>
+          </a:prstGeom>
+          <a:solidFill>
+            <a:schemeClr val="bg1">
+              <a:lumMod val="85000"/>
+            </a:schemeClr>
+          </a:solidFill>
+          <a:ln>
+            <a:noFill/>
+          </a:ln>
+        </p:spPr>
+        <p:style>
+          <a:lnRef idx="1">
+            <a:schemeClr val="accent1"/>
+          </a:lnRef>
+          <a:fillRef idx="3">
+            <a:schemeClr val="accent1"/>
+          </a:fillRef>
+          <a:effectRef idx="2">
+            <a:schemeClr val="accent1"/>
+          </a:effectRef>
+          <a:fontRef idx="minor">
+            <a:schemeClr val="lt1"/>
+          </a:fontRef>
+        </p:style>
+        <p:txBody>
+          <a:bodyPr rtlCol="0" anchor="ctr"/>
+          <a:lstStyle/>
+          <a:p>
+            <a:pPr algn="ctr"/>
+            <a:endParaRPr lang="fr-FR"/>
+          </a:p>
+        </p:txBody>
+      </p:sp>
+      <p:sp>
+        <p:nvSpPr>
+          <p:cNvPr id="191" name="Rectangle à coins arrondis 190"/>
+          <p:cNvSpPr/>
+          <p:nvPr/>
+        </p:nvSpPr>
+        <p:spPr>
+          <a:xfrm>
+            <a:off x="5644122" y="1208341"/>
+            <a:ext cx="1552364" cy="841111"/>
+          </a:xfrm>
+          <a:prstGeom prst="roundRect">
+            <a:avLst>
+              <a:gd name="adj" fmla="val 8476"/>
+            </a:avLst>
+          </a:prstGeom>
+          <a:solidFill>
+            <a:schemeClr val="bg1">
+              <a:lumMod val="85000"/>
+            </a:schemeClr>
+          </a:solidFill>
+          <a:ln>
+            <a:noFill/>
+          </a:ln>
+        </p:spPr>
+        <p:style>
+          <a:lnRef idx="1">
+            <a:schemeClr val="accent1"/>
+          </a:lnRef>
+          <a:fillRef idx="3">
+            <a:schemeClr val="accent1"/>
+          </a:fillRef>
+          <a:effectRef idx="2">
+            <a:schemeClr val="accent1"/>
+          </a:effectRef>
+          <a:fontRef idx="minor">
+            <a:schemeClr val="lt1"/>
+          </a:fontRef>
+        </p:style>
+        <p:txBody>
+          <a:bodyPr rtlCol="0" anchor="ctr"/>
+          <a:lstStyle/>
+          <a:p>
+            <a:pPr algn="ctr"/>
+            <a:endParaRPr lang="fr-FR"/>
+          </a:p>
+        </p:txBody>
+      </p:sp>
+      <p:sp>
+        <p:nvSpPr>
+          <p:cNvPr id="3" name="Rectangle à coins arrondis 2"/>
+          <p:cNvSpPr/>
+          <p:nvPr/>
+        </p:nvSpPr>
+        <p:spPr>
+          <a:xfrm>
+            <a:off x="1332954" y="1238560"/>
+            <a:ext cx="1552364" cy="841111"/>
+          </a:xfrm>
+          <a:prstGeom prst="roundRect">
+            <a:avLst>
+              <a:gd name="adj" fmla="val 8476"/>
+            </a:avLst>
+          </a:prstGeom>
+          <a:solidFill>
+            <a:schemeClr val="bg1">
+              <a:lumMod val="85000"/>
+            </a:schemeClr>
+          </a:solidFill>
+          <a:ln>
+            <a:noFill/>
+          </a:ln>
+        </p:spPr>
+        <p:style>
+          <a:lnRef idx="1">
+            <a:schemeClr val="accent1"/>
+          </a:lnRef>
+          <a:fillRef idx="3">
+            <a:schemeClr val="accent1"/>
+          </a:fillRef>
+          <a:effectRef idx="2">
+            <a:schemeClr val="accent1"/>
+          </a:effectRef>
+          <a:fontRef idx="minor">
+            <a:schemeClr val="lt1"/>
+          </a:fontRef>
+        </p:style>
+        <p:txBody>
+          <a:bodyPr rtlCol="0" anchor="ctr"/>
+          <a:lstStyle/>
+          <a:p>
+            <a:pPr algn="ctr"/>
+            <a:endParaRPr lang="fr-FR" dirty="0"/>
+          </a:p>
+        </p:txBody>
+      </p:sp>
+      <p:sp>
+        <p:nvSpPr>
+          <p:cNvPr id="80" name="ZoneTexte 79"/>
+          <p:cNvSpPr txBox="1"/>
+          <p:nvPr/>
+        </p:nvSpPr>
+        <p:spPr>
+          <a:xfrm>
+            <a:off x="3376778" y="1068536"/>
+            <a:ext cx="2028673" cy="400110"/>
+          </a:xfrm>
+          <a:prstGeom prst="rect">
+            <a:avLst/>
+          </a:prstGeom>
+          <a:noFill/>
+        </p:spPr>
+        <p:txBody>
+          <a:bodyPr wrap="square" rtlCol="0">
+            <a:spAutoFit/>
+          </a:bodyPr>
+          <a:lstStyle/>
+          <a:p>
+            <a:pPr algn="ctr"/>
+            <a:r>
+              <a:rPr lang="en-US" sz="1000" dirty="0" smtClean="0">
+                <a:latin typeface="Seravek"/>
+                <a:cs typeface="Seravek"/>
+              </a:rPr>
+              <a:t>Synthesis of</a:t>
+            </a:r>
+          </a:p>
+          <a:p>
+            <a:pPr algn="ctr"/>
+            <a:r>
+              <a:rPr lang="en-US" sz="1000" dirty="0" smtClean="0">
+                <a:latin typeface="Seravek Light"/>
+                <a:cs typeface="Seravek Light"/>
+              </a:rPr>
+              <a:t>Language Variability Models</a:t>
+            </a:r>
+            <a:endParaRPr lang="en-US" sz="1000" dirty="0">
+              <a:latin typeface="Seravek Light"/>
+              <a:cs typeface="Seravek Light"/>
+            </a:endParaRPr>
+          </a:p>
+        </p:txBody>
+      </p:sp>
+      <p:sp>
+        <p:nvSpPr>
+          <p:cNvPr id="86" name="ZoneTexte 85"/>
+          <p:cNvSpPr txBox="1"/>
+          <p:nvPr/>
+        </p:nvSpPr>
+        <p:spPr>
+          <a:xfrm>
+            <a:off x="208154" y="2288837"/>
+            <a:ext cx="2028673" cy="400110"/>
+          </a:xfrm>
+          <a:prstGeom prst="rect">
+            <a:avLst/>
+          </a:prstGeom>
+          <a:noFill/>
+        </p:spPr>
+        <p:txBody>
+          <a:bodyPr wrap="square" rtlCol="0">
+            <a:spAutoFit/>
+          </a:bodyPr>
+          <a:lstStyle/>
+          <a:p>
+            <a:pPr algn="ctr"/>
+            <a:r>
+              <a:rPr lang="en-US" sz="1000" dirty="0" smtClean="0">
+                <a:latin typeface="Seravek"/>
+                <a:cs typeface="Seravek"/>
+              </a:rPr>
+              <a:t>Recover a</a:t>
+            </a:r>
+          </a:p>
+          <a:p>
+            <a:pPr algn="ctr"/>
+            <a:r>
+              <a:rPr lang="en-US" sz="1000" dirty="0" smtClean="0">
+                <a:latin typeface="Seravek Light"/>
+                <a:cs typeface="Seravek Light"/>
+              </a:rPr>
+              <a:t>Language Modular Design</a:t>
+            </a:r>
+            <a:endParaRPr lang="en-US" sz="1000" dirty="0">
+              <a:latin typeface="Seravek Light"/>
+              <a:cs typeface="Seravek Light"/>
+            </a:endParaRPr>
+          </a:p>
+        </p:txBody>
+      </p:sp>
+      <p:sp>
+        <p:nvSpPr>
+          <p:cNvPr id="87" name="ZoneTexte 86"/>
+          <p:cNvSpPr txBox="1"/>
+          <p:nvPr/>
+        </p:nvSpPr>
+        <p:spPr>
+          <a:xfrm>
+            <a:off x="6460655" y="2318298"/>
+            <a:ext cx="2028673" cy="400110"/>
+          </a:xfrm>
+          <a:prstGeom prst="rect">
+            <a:avLst/>
+          </a:prstGeom>
+          <a:noFill/>
+        </p:spPr>
+        <p:txBody>
+          <a:bodyPr wrap="square" rtlCol="0">
+            <a:spAutoFit/>
+          </a:bodyPr>
+          <a:lstStyle/>
+          <a:p>
+            <a:pPr algn="ctr"/>
+            <a:r>
+              <a:rPr lang="fr-FR" sz="1000" dirty="0" smtClean="0">
+                <a:latin typeface="Seravek"/>
+                <a:cs typeface="Seravek"/>
+              </a:rPr>
+              <a:t>Composition of</a:t>
+            </a:r>
+            <a:endParaRPr lang="fr-FR" sz="1000" dirty="0" smtClean="0">
+              <a:latin typeface="Seravek Light"/>
+              <a:cs typeface="Seravek Light"/>
+            </a:endParaRPr>
+          </a:p>
+          <a:p>
+            <a:pPr algn="ctr"/>
+            <a:r>
+              <a:rPr lang="fr-FR" sz="1000" dirty="0" smtClean="0">
+                <a:latin typeface="Seravek Light"/>
+                <a:cs typeface="Seravek Light"/>
+              </a:rPr>
+              <a:t>Language Modules</a:t>
+            </a:r>
+          </a:p>
+        </p:txBody>
+      </p:sp>
+      <p:sp>
+        <p:nvSpPr>
+          <p:cNvPr id="89" name="ZoneTexte 88"/>
+          <p:cNvSpPr txBox="1"/>
+          <p:nvPr/>
+        </p:nvSpPr>
+        <p:spPr>
+          <a:xfrm>
+            <a:off x="7679469" y="1416892"/>
+            <a:ext cx="1186912" cy="400110"/>
+          </a:xfrm>
+          <a:prstGeom prst="rect">
+            <a:avLst/>
+          </a:prstGeom>
+          <a:noFill/>
+        </p:spPr>
+        <p:txBody>
+          <a:bodyPr wrap="square" rtlCol="0">
+            <a:spAutoFit/>
+          </a:bodyPr>
+          <a:lstStyle/>
+          <a:p>
+            <a:pPr algn="ctr"/>
+            <a:r>
+              <a:rPr lang="en-US" sz="1000" dirty="0" smtClean="0">
+                <a:latin typeface="Seravek"/>
+                <a:cs typeface="Seravek"/>
+              </a:rPr>
+              <a:t>Configuration of</a:t>
+            </a:r>
+          </a:p>
+          <a:p>
+            <a:pPr algn="ctr"/>
+            <a:r>
+              <a:rPr lang="en-US" sz="1000" dirty="0" smtClean="0">
+                <a:latin typeface="Seravek Light"/>
+                <a:cs typeface="Seravek Light"/>
+              </a:rPr>
+              <a:t>DSL Variants</a:t>
+            </a:r>
+            <a:endParaRPr lang="en-US" sz="1000" dirty="0" smtClean="0">
+              <a:latin typeface="Seravek"/>
+              <a:cs typeface="Seravek"/>
+            </a:endParaRPr>
+          </a:p>
+        </p:txBody>
+      </p:sp>
+      <p:pic>
+        <p:nvPicPr>
+          <p:cNvPr id="91" name="Image 90"/>
+          <p:cNvPicPr>
+            <a:picLocks noChangeAspect="1"/>
+          </p:cNvPicPr>
+          <p:nvPr/>
+        </p:nvPicPr>
+        <p:blipFill>
+          <a:blip r:embed="rId2"/>
+          <a:stretch>
+            <a:fillRect/>
+          </a:stretch>
+        </p:blipFill>
+        <p:spPr>
+          <a:xfrm>
+            <a:off x="612524" y="2045381"/>
+            <a:ext cx="435822" cy="434971"/>
+          </a:xfrm>
+          <a:prstGeom prst="rect">
+            <a:avLst/>
+          </a:prstGeom>
+        </p:spPr>
+      </p:pic>
+      <p:pic>
+        <p:nvPicPr>
+          <p:cNvPr id="92" name="Image 91"/>
+          <p:cNvPicPr>
+            <a:picLocks noChangeAspect="1"/>
+          </p:cNvPicPr>
+          <p:nvPr/>
+        </p:nvPicPr>
+        <p:blipFill>
+          <a:blip r:embed="rId2"/>
+          <a:stretch>
+            <a:fillRect/>
+          </a:stretch>
+        </p:blipFill>
+        <p:spPr>
+          <a:xfrm>
+            <a:off x="3683585" y="844007"/>
+            <a:ext cx="435822" cy="434971"/>
+          </a:xfrm>
+          <a:prstGeom prst="rect">
+            <a:avLst/>
+          </a:prstGeom>
+        </p:spPr>
+      </p:pic>
+      <p:pic>
+        <p:nvPicPr>
+          <p:cNvPr id="93" name="Image 92"/>
+          <p:cNvPicPr>
+            <a:picLocks noChangeAspect="1"/>
+          </p:cNvPicPr>
+          <p:nvPr/>
+        </p:nvPicPr>
+        <p:blipFill>
+          <a:blip r:embed="rId2"/>
+          <a:stretch>
+            <a:fillRect/>
+          </a:stretch>
+        </p:blipFill>
+        <p:spPr>
+          <a:xfrm>
+            <a:off x="6664220" y="2165308"/>
+            <a:ext cx="435822" cy="434971"/>
+          </a:xfrm>
+          <a:prstGeom prst="rect">
+            <a:avLst/>
+          </a:prstGeom>
+        </p:spPr>
+      </p:pic>
+      <p:pic>
+        <p:nvPicPr>
+          <p:cNvPr id="94" name="Image 93"/>
+          <p:cNvPicPr>
+            <a:picLocks noChangeAspect="1"/>
+          </p:cNvPicPr>
+          <p:nvPr/>
+        </p:nvPicPr>
+        <p:blipFill>
+          <a:blip r:embed="rId3"/>
+          <a:stretch>
+            <a:fillRect/>
+          </a:stretch>
+        </p:blipFill>
+        <p:spPr>
+          <a:xfrm>
+            <a:off x="7455327" y="1624960"/>
+            <a:ext cx="465913" cy="465913"/>
+          </a:xfrm>
+          <a:prstGeom prst="rect">
+            <a:avLst/>
+          </a:prstGeom>
+        </p:spPr>
+      </p:pic>
+      <p:sp>
+        <p:nvSpPr>
+          <p:cNvPr id="96" name="ZoneTexte 95"/>
+          <p:cNvSpPr txBox="1"/>
+          <p:nvPr/>
+        </p:nvSpPr>
+        <p:spPr>
+          <a:xfrm>
+            <a:off x="1275804" y="3774813"/>
+            <a:ext cx="1583082" cy="246221"/>
+          </a:xfrm>
+          <a:prstGeom prst="rect">
+            <a:avLst/>
+          </a:prstGeom>
+          <a:noFill/>
+        </p:spPr>
+        <p:txBody>
+          <a:bodyPr wrap="square" rtlCol="0">
+            <a:spAutoFit/>
+          </a:bodyPr>
+          <a:lstStyle/>
+          <a:p>
+            <a:pPr algn="ctr"/>
+            <a:r>
+              <a:rPr lang="fr-FR" sz="1000" dirty="0" err="1" smtClean="0">
+                <a:latin typeface="Seravek Light"/>
+                <a:cs typeface="Seravek Light"/>
+              </a:rPr>
+              <a:t>Existing</a:t>
+            </a:r>
+            <a:r>
+              <a:rPr lang="fr-FR" sz="1000" dirty="0" smtClean="0">
+                <a:latin typeface="Seravek Light"/>
+                <a:cs typeface="Seravek Light"/>
+              </a:rPr>
+              <a:t> </a:t>
+            </a:r>
+            <a:r>
+              <a:rPr lang="fr-FR" sz="1000" dirty="0" smtClean="0">
+                <a:latin typeface="Seravek"/>
+                <a:cs typeface="Seravek"/>
+              </a:rPr>
+              <a:t>DSL </a:t>
+            </a:r>
+            <a:r>
+              <a:rPr lang="fr-FR" sz="1000" dirty="0" err="1" smtClean="0">
+                <a:latin typeface="Seravek"/>
+                <a:cs typeface="Seravek"/>
+              </a:rPr>
+              <a:t>Variants</a:t>
+            </a:r>
+            <a:endParaRPr lang="fr-FR" sz="1000" dirty="0" smtClean="0">
+              <a:latin typeface="Seravek"/>
+              <a:cs typeface="Seravek"/>
+            </a:endParaRPr>
+          </a:p>
+        </p:txBody>
+      </p:sp>
+      <p:grpSp>
+        <p:nvGrpSpPr>
+          <p:cNvPr id="127" name="Grouper 126"/>
+          <p:cNvGrpSpPr/>
+          <p:nvPr/>
+        </p:nvGrpSpPr>
+        <p:grpSpPr>
+          <a:xfrm>
+            <a:off x="1984393" y="1456812"/>
+            <a:ext cx="225492" cy="125696"/>
+            <a:chOff x="1984393" y="1456812"/>
+            <a:chExt cx="225492" cy="125696"/>
+          </a:xfrm>
+        </p:grpSpPr>
+        <p:sp>
+          <p:nvSpPr>
+            <p:cNvPr id="7" name="Rectangle 6"/>
+            <p:cNvSpPr/>
+            <p:nvPr/>
+          </p:nvSpPr>
+          <p:spPr>
+            <a:xfrm rot="21088048">
+              <a:off x="1984393" y="1456812"/>
+              <a:ext cx="166581" cy="125696"/>
+            </a:xfrm>
+            <a:prstGeom prst="rect">
+              <a:avLst/>
+            </a:prstGeom>
+            <a:solidFill>
+              <a:srgbClr val="FFFFFF"/>
+            </a:solidFill>
+            <a:ln w="9525" cmpd="sng">
+              <a:solidFill>
+                <a:srgbClr val="000000"/>
+              </a:solidFill>
+            </a:ln>
+          </p:spPr>
+          <p:style>
+            <a:lnRef idx="1">
+              <a:schemeClr val="accent1"/>
+            </a:lnRef>
+            <a:fillRef idx="3">
+              <a:schemeClr val="accent1"/>
+            </a:fillRef>
+            <a:effectRef idx="2">
+              <a:schemeClr val="accent1"/>
+            </a:effectRef>
+            <a:fontRef idx="minor">
+              <a:schemeClr val="lt1"/>
+            </a:fontRef>
+          </p:style>
+          <p:txBody>
+            <a:bodyPr rtlCol="0" anchor="ctr"/>
+            <a:lstStyle/>
+            <a:p>
+              <a:pPr algn="ctr"/>
+              <a:endParaRPr lang="fr-FR"/>
+            </a:p>
+          </p:txBody>
+        </p:sp>
+        <p:cxnSp>
+          <p:nvCxnSpPr>
+            <p:cNvPr id="14" name="Connecteur droit 13"/>
+            <p:cNvCxnSpPr/>
+            <p:nvPr/>
+          </p:nvCxnSpPr>
+          <p:spPr>
+            <a:xfrm flipV="1">
+              <a:off x="2104265" y="1480859"/>
+              <a:ext cx="101018" cy="15736"/>
+            </a:xfrm>
+            <a:prstGeom prst="line">
+              <a:avLst/>
+            </a:prstGeom>
+            <a:ln w="9525" cmpd="sng">
+              <a:solidFill>
+                <a:srgbClr val="000000"/>
+              </a:solidFill>
+            </a:ln>
+          </p:spPr>
+          <p:style>
+            <a:lnRef idx="2">
+              <a:schemeClr val="accent1"/>
+            </a:lnRef>
+            <a:fillRef idx="0">
+              <a:schemeClr val="accent1"/>
+            </a:fillRef>
+            <a:effectRef idx="1">
+              <a:schemeClr val="accent1"/>
+            </a:effectRef>
+            <a:fontRef idx="minor">
+              <a:schemeClr val="tx1"/>
+            </a:fontRef>
+          </p:style>
+        </p:cxnSp>
+        <p:cxnSp>
+          <p:nvCxnSpPr>
+            <p:cNvPr id="15" name="Connecteur droit 14"/>
+            <p:cNvCxnSpPr/>
+            <p:nvPr/>
+          </p:nvCxnSpPr>
+          <p:spPr>
+            <a:xfrm flipV="1">
+              <a:off x="2108867" y="1501883"/>
+              <a:ext cx="101018" cy="15736"/>
+            </a:xfrm>
+            <a:prstGeom prst="line">
+              <a:avLst/>
+            </a:prstGeom>
+            <a:ln w="9525" cmpd="sng">
+              <a:solidFill>
+                <a:srgbClr val="000000"/>
+              </a:solidFill>
+            </a:ln>
+          </p:spPr>
+          <p:style>
+            <a:lnRef idx="2">
+              <a:schemeClr val="accent1"/>
+            </a:lnRef>
+            <a:fillRef idx="0">
+              <a:schemeClr val="accent1"/>
+            </a:fillRef>
+            <a:effectRef idx="1">
+              <a:schemeClr val="accent1"/>
+            </a:effectRef>
+            <a:fontRef idx="minor">
+              <a:schemeClr val="tx1"/>
+            </a:fontRef>
+          </p:style>
+        </p:cxnSp>
+      </p:grpSp>
+      <p:grpSp>
+        <p:nvGrpSpPr>
+          <p:cNvPr id="74" name="Grouper 73"/>
+          <p:cNvGrpSpPr/>
+          <p:nvPr/>
+        </p:nvGrpSpPr>
+        <p:grpSpPr>
+          <a:xfrm>
+            <a:off x="1657451" y="1460193"/>
+            <a:ext cx="225493" cy="125696"/>
+            <a:chOff x="1684187" y="1460193"/>
+            <a:chExt cx="225493" cy="125696"/>
+          </a:xfrm>
+        </p:grpSpPr>
+        <p:sp>
+          <p:nvSpPr>
+            <p:cNvPr id="9" name="Rectangle 8"/>
+            <p:cNvSpPr/>
+            <p:nvPr/>
+          </p:nvSpPr>
+          <p:spPr>
+            <a:xfrm rot="21088048">
+              <a:off x="1684187" y="1460193"/>
+              <a:ext cx="166581" cy="125696"/>
+            </a:xfrm>
+            <a:prstGeom prst="rect">
+              <a:avLst/>
+            </a:prstGeom>
+            <a:solidFill>
+              <a:srgbClr val="FFFFFF"/>
+            </a:solidFill>
+            <a:ln w="9525" cmpd="sng">
+              <a:solidFill>
+                <a:srgbClr val="000000"/>
+              </a:solidFill>
+            </a:ln>
+          </p:spPr>
+          <p:style>
+            <a:lnRef idx="1">
+              <a:schemeClr val="accent1"/>
+            </a:lnRef>
+            <a:fillRef idx="3">
+              <a:schemeClr val="accent1"/>
+            </a:fillRef>
+            <a:effectRef idx="2">
+              <a:schemeClr val="accent1"/>
+            </a:effectRef>
+            <a:fontRef idx="minor">
+              <a:schemeClr val="lt1"/>
+            </a:fontRef>
+          </p:style>
+          <p:txBody>
+            <a:bodyPr rtlCol="0" anchor="ctr"/>
+            <a:lstStyle/>
+            <a:p>
+              <a:pPr algn="ctr"/>
+              <a:endParaRPr lang="fr-FR"/>
+            </a:p>
+          </p:txBody>
+        </p:sp>
+        <p:cxnSp>
+          <p:nvCxnSpPr>
+            <p:cNvPr id="16" name="Connecteur droit 15"/>
+            <p:cNvCxnSpPr/>
+            <p:nvPr/>
+          </p:nvCxnSpPr>
+          <p:spPr>
+            <a:xfrm flipV="1">
+              <a:off x="1804060" y="1480020"/>
+              <a:ext cx="101018" cy="15736"/>
+            </a:xfrm>
+            <a:prstGeom prst="line">
+              <a:avLst/>
+            </a:prstGeom>
+            <a:ln w="9525" cmpd="sng">
+              <a:solidFill>
+                <a:srgbClr val="000000"/>
+              </a:solidFill>
+            </a:ln>
+          </p:spPr>
+          <p:style>
+            <a:lnRef idx="2">
+              <a:schemeClr val="accent1"/>
+            </a:lnRef>
+            <a:fillRef idx="0">
+              <a:schemeClr val="accent1"/>
+            </a:fillRef>
+            <a:effectRef idx="1">
+              <a:schemeClr val="accent1"/>
+            </a:effectRef>
+            <a:fontRef idx="minor">
+              <a:schemeClr val="tx1"/>
+            </a:fontRef>
+          </p:style>
+        </p:cxnSp>
+        <p:cxnSp>
+          <p:nvCxnSpPr>
+            <p:cNvPr id="17" name="Connecteur droit 16"/>
+            <p:cNvCxnSpPr/>
+            <p:nvPr/>
+          </p:nvCxnSpPr>
+          <p:spPr>
+            <a:xfrm flipV="1">
+              <a:off x="1808662" y="1501044"/>
+              <a:ext cx="101018" cy="15736"/>
+            </a:xfrm>
+            <a:prstGeom prst="line">
+              <a:avLst/>
+            </a:prstGeom>
+            <a:ln w="9525" cmpd="sng">
+              <a:solidFill>
+                <a:srgbClr val="000000"/>
+              </a:solidFill>
+            </a:ln>
+          </p:spPr>
+          <p:style>
+            <a:lnRef idx="2">
+              <a:schemeClr val="accent1"/>
+            </a:lnRef>
+            <a:fillRef idx="0">
+              <a:schemeClr val="accent1"/>
+            </a:fillRef>
+            <a:effectRef idx="1">
+              <a:schemeClr val="accent1"/>
+            </a:effectRef>
+            <a:fontRef idx="minor">
+              <a:schemeClr val="tx1"/>
+            </a:fontRef>
+          </p:style>
+        </p:cxnSp>
+      </p:grpSp>
+      <p:sp>
+        <p:nvSpPr>
+          <p:cNvPr id="51" name="Rectangle 50"/>
+          <p:cNvSpPr/>
+          <p:nvPr/>
+        </p:nvSpPr>
+        <p:spPr>
+          <a:xfrm rot="21088048">
+            <a:off x="1676297" y="1784043"/>
+            <a:ext cx="166581" cy="125696"/>
+          </a:xfrm>
+          <a:prstGeom prst="rect">
+            <a:avLst/>
+          </a:prstGeom>
+          <a:solidFill>
+            <a:srgbClr val="FFFFFF"/>
+          </a:solidFill>
+          <a:ln w="9525" cmpd="sng">
+            <a:solidFill>
+              <a:srgbClr val="000000"/>
+            </a:solidFill>
+          </a:ln>
+        </p:spPr>
+        <p:style>
+          <a:lnRef idx="1">
+            <a:schemeClr val="accent1"/>
+          </a:lnRef>
+          <a:fillRef idx="3">
+            <a:schemeClr val="accent1"/>
+          </a:fillRef>
+          <a:effectRef idx="2">
+            <a:schemeClr val="accent1"/>
+          </a:effectRef>
+          <a:fontRef idx="minor">
+            <a:schemeClr val="lt1"/>
+          </a:fontRef>
+        </p:style>
+        <p:txBody>
+          <a:bodyPr rtlCol="0" anchor="ctr"/>
+          <a:lstStyle/>
+          <a:p>
+            <a:pPr algn="ctr"/>
+            <a:endParaRPr lang="fr-FR"/>
+          </a:p>
+        </p:txBody>
+      </p:sp>
+      <p:grpSp>
+        <p:nvGrpSpPr>
+          <p:cNvPr id="132" name="Grouper 131"/>
+          <p:cNvGrpSpPr/>
+          <p:nvPr/>
+        </p:nvGrpSpPr>
+        <p:grpSpPr>
+          <a:xfrm>
+            <a:off x="2342039" y="1784041"/>
+            <a:ext cx="222506" cy="125696"/>
+            <a:chOff x="2321879" y="1784041"/>
+            <a:chExt cx="222506" cy="125696"/>
+          </a:xfrm>
+        </p:grpSpPr>
+        <p:sp>
+          <p:nvSpPr>
+            <p:cNvPr id="50" name="Rectangle 49"/>
+            <p:cNvSpPr/>
+            <p:nvPr/>
+          </p:nvSpPr>
+          <p:spPr>
+            <a:xfrm rot="21088048">
+              <a:off x="2321879" y="1784041"/>
+              <a:ext cx="166581" cy="125696"/>
+            </a:xfrm>
+            <a:prstGeom prst="rect">
+              <a:avLst/>
+            </a:prstGeom>
+            <a:solidFill>
+              <a:srgbClr val="FFFFFF"/>
+            </a:solidFill>
+            <a:ln w="9525" cmpd="sng">
+              <a:solidFill>
+                <a:srgbClr val="000000"/>
+              </a:solidFill>
+            </a:ln>
+          </p:spPr>
+          <p:style>
+            <a:lnRef idx="1">
+              <a:schemeClr val="accent1"/>
+            </a:lnRef>
+            <a:fillRef idx="3">
+              <a:schemeClr val="accent1"/>
+            </a:fillRef>
+            <a:effectRef idx="2">
+              <a:schemeClr val="accent1"/>
+            </a:effectRef>
+            <a:fontRef idx="minor">
+              <a:schemeClr val="lt1"/>
+            </a:fontRef>
+          </p:style>
+          <p:txBody>
+            <a:bodyPr rtlCol="0" anchor="ctr"/>
+            <a:lstStyle/>
+            <a:p>
+              <a:pPr algn="ctr"/>
+              <a:endParaRPr lang="fr-FR"/>
+            </a:p>
+          </p:txBody>
+        </p:sp>
+        <p:cxnSp>
+          <p:nvCxnSpPr>
+            <p:cNvPr id="52" name="Connecteur droit 51"/>
+            <p:cNvCxnSpPr/>
+            <p:nvPr/>
+          </p:nvCxnSpPr>
+          <p:spPr>
+            <a:xfrm flipV="1">
+              <a:off x="2438765" y="1804861"/>
+              <a:ext cx="101018" cy="15736"/>
+            </a:xfrm>
+            <a:prstGeom prst="line">
+              <a:avLst/>
+            </a:prstGeom>
+            <a:ln w="9525" cmpd="sng">
+              <a:solidFill>
+                <a:srgbClr val="000000"/>
+              </a:solidFill>
+            </a:ln>
+          </p:spPr>
+          <p:style>
+            <a:lnRef idx="2">
+              <a:schemeClr val="accent1"/>
+            </a:lnRef>
+            <a:fillRef idx="0">
+              <a:schemeClr val="accent1"/>
+            </a:fillRef>
+            <a:effectRef idx="1">
+              <a:schemeClr val="accent1"/>
+            </a:effectRef>
+            <a:fontRef idx="minor">
+              <a:schemeClr val="tx1"/>
+            </a:fontRef>
+          </p:style>
+        </p:cxnSp>
+        <p:cxnSp>
+          <p:nvCxnSpPr>
+            <p:cNvPr id="53" name="Connecteur droit 52"/>
+            <p:cNvCxnSpPr/>
+            <p:nvPr/>
+          </p:nvCxnSpPr>
+          <p:spPr>
+            <a:xfrm flipV="1">
+              <a:off x="2443367" y="1825885"/>
+              <a:ext cx="101018" cy="15736"/>
+            </a:xfrm>
+            <a:prstGeom prst="line">
+              <a:avLst/>
+            </a:prstGeom>
+            <a:ln w="9525" cmpd="sng">
+              <a:solidFill>
+                <a:srgbClr val="000000"/>
+              </a:solidFill>
+            </a:ln>
+          </p:spPr>
+          <p:style>
+            <a:lnRef idx="2">
+              <a:schemeClr val="accent1"/>
+            </a:lnRef>
+            <a:fillRef idx="0">
+              <a:schemeClr val="accent1"/>
+            </a:fillRef>
+            <a:effectRef idx="1">
+              <a:schemeClr val="accent1"/>
+            </a:effectRef>
+            <a:fontRef idx="minor">
+              <a:schemeClr val="tx1"/>
+            </a:fontRef>
+          </p:style>
+        </p:cxnSp>
+      </p:grpSp>
+      <p:grpSp>
+        <p:nvGrpSpPr>
+          <p:cNvPr id="131" name="Grouper 130"/>
+          <p:cNvGrpSpPr/>
+          <p:nvPr/>
+        </p:nvGrpSpPr>
+        <p:grpSpPr>
+          <a:xfrm>
+            <a:off x="2003383" y="1777302"/>
+            <a:ext cx="225492" cy="125696"/>
+            <a:chOff x="1976503" y="1780662"/>
+            <a:chExt cx="225492" cy="125696"/>
+          </a:xfrm>
+        </p:grpSpPr>
+        <p:sp>
+          <p:nvSpPr>
+            <p:cNvPr id="49" name="Rectangle 48"/>
+            <p:cNvSpPr/>
+            <p:nvPr/>
+          </p:nvSpPr>
+          <p:spPr>
+            <a:xfrm rot="21088048">
+              <a:off x="1976503" y="1780662"/>
+              <a:ext cx="166581" cy="125696"/>
+            </a:xfrm>
+            <a:prstGeom prst="rect">
+              <a:avLst/>
+            </a:prstGeom>
+            <a:solidFill>
+              <a:srgbClr val="FFFFFF"/>
+            </a:solidFill>
+            <a:ln w="9525" cmpd="sng">
+              <a:solidFill>
+                <a:srgbClr val="000000"/>
+              </a:solidFill>
+            </a:ln>
+          </p:spPr>
+          <p:style>
+            <a:lnRef idx="1">
+              <a:schemeClr val="accent1"/>
+            </a:lnRef>
+            <a:fillRef idx="3">
+              <a:schemeClr val="accent1"/>
+            </a:fillRef>
+            <a:effectRef idx="2">
+              <a:schemeClr val="accent1"/>
+            </a:effectRef>
+            <a:fontRef idx="minor">
+              <a:schemeClr val="lt1"/>
+            </a:fontRef>
+          </p:style>
+          <p:txBody>
+            <a:bodyPr rtlCol="0" anchor="ctr"/>
+            <a:lstStyle/>
+            <a:p>
+              <a:pPr algn="ctr"/>
+              <a:endParaRPr lang="fr-FR"/>
+            </a:p>
+          </p:txBody>
+        </p:sp>
+        <p:cxnSp>
+          <p:nvCxnSpPr>
+            <p:cNvPr id="54" name="Connecteur droit 53"/>
+            <p:cNvCxnSpPr/>
+            <p:nvPr/>
+          </p:nvCxnSpPr>
+          <p:spPr>
+            <a:xfrm flipV="1">
+              <a:off x="2096375" y="1804709"/>
+              <a:ext cx="101018" cy="15736"/>
+            </a:xfrm>
+            <a:prstGeom prst="line">
+              <a:avLst/>
+            </a:prstGeom>
+            <a:ln w="9525" cmpd="sng">
+              <a:solidFill>
+                <a:srgbClr val="000000"/>
+              </a:solidFill>
+            </a:ln>
+          </p:spPr>
+          <p:style>
+            <a:lnRef idx="2">
+              <a:schemeClr val="accent1"/>
+            </a:lnRef>
+            <a:fillRef idx="0">
+              <a:schemeClr val="accent1"/>
+            </a:fillRef>
+            <a:effectRef idx="1">
+              <a:schemeClr val="accent1"/>
+            </a:effectRef>
+            <a:fontRef idx="minor">
+              <a:schemeClr val="tx1"/>
+            </a:fontRef>
+          </p:style>
+        </p:cxnSp>
+        <p:cxnSp>
+          <p:nvCxnSpPr>
+            <p:cNvPr id="55" name="Connecteur droit 54"/>
+            <p:cNvCxnSpPr/>
+            <p:nvPr/>
+          </p:nvCxnSpPr>
+          <p:spPr>
+            <a:xfrm flipV="1">
+              <a:off x="2100977" y="1825733"/>
+              <a:ext cx="101018" cy="15736"/>
+            </a:xfrm>
+            <a:prstGeom prst="line">
+              <a:avLst/>
+            </a:prstGeom>
+            <a:ln w="9525" cmpd="sng">
+              <a:solidFill>
+                <a:srgbClr val="000000"/>
+              </a:solidFill>
+            </a:ln>
+          </p:spPr>
+          <p:style>
+            <a:lnRef idx="2">
+              <a:schemeClr val="accent1"/>
+            </a:lnRef>
+            <a:fillRef idx="0">
+              <a:schemeClr val="accent1"/>
+            </a:fillRef>
+            <a:effectRef idx="1">
+              <a:schemeClr val="accent1"/>
+            </a:effectRef>
+            <a:fontRef idx="minor">
+              <a:schemeClr val="tx1"/>
+            </a:fontRef>
+          </p:style>
+        </p:cxnSp>
+      </p:grpSp>
+      <p:cxnSp>
+        <p:nvCxnSpPr>
+          <p:cNvPr id="56" name="Connecteur droit 55"/>
+          <p:cNvCxnSpPr/>
+          <p:nvPr/>
+        </p:nvCxnSpPr>
+        <p:spPr>
+          <a:xfrm flipV="1">
+            <a:off x="1796170" y="1803870"/>
+            <a:ext cx="101018" cy="15736"/>
+          </a:xfrm>
+          <a:prstGeom prst="line">
+            <a:avLst/>
+          </a:prstGeom>
+          <a:ln w="9525" cmpd="sng">
+            <a:solidFill>
+              <a:srgbClr val="000000"/>
+            </a:solidFill>
+          </a:ln>
+        </p:spPr>
+        <p:style>
+          <a:lnRef idx="2">
+            <a:schemeClr val="accent1"/>
+          </a:lnRef>
+          <a:fillRef idx="0">
+            <a:schemeClr val="accent1"/>
+          </a:fillRef>
+          <a:effectRef idx="1">
+            <a:schemeClr val="accent1"/>
+          </a:effectRef>
+          <a:fontRef idx="minor">
+            <a:schemeClr val="tx1"/>
+          </a:fontRef>
+        </p:style>
+      </p:cxnSp>
+      <p:cxnSp>
+        <p:nvCxnSpPr>
+          <p:cNvPr id="57" name="Connecteur droit 56"/>
+          <p:cNvCxnSpPr/>
+          <p:nvPr/>
+        </p:nvCxnSpPr>
+        <p:spPr>
+          <a:xfrm flipV="1">
+            <a:off x="1800772" y="1824894"/>
+            <a:ext cx="101018" cy="15736"/>
+          </a:xfrm>
+          <a:prstGeom prst="line">
+            <a:avLst/>
+          </a:prstGeom>
+          <a:ln w="9525" cmpd="sng">
+            <a:solidFill>
+              <a:srgbClr val="000000"/>
+            </a:solidFill>
+          </a:ln>
+        </p:spPr>
+        <p:style>
+          <a:lnRef idx="2">
+            <a:schemeClr val="accent1"/>
+          </a:lnRef>
+          <a:fillRef idx="0">
+            <a:schemeClr val="accent1"/>
+          </a:fillRef>
+          <a:effectRef idx="1">
+            <a:schemeClr val="accent1"/>
+          </a:effectRef>
+          <a:fontRef idx="minor">
+            <a:schemeClr val="tx1"/>
+          </a:fontRef>
+        </p:style>
+      </p:cxnSp>
+      <p:grpSp>
+        <p:nvGrpSpPr>
+          <p:cNvPr id="59" name="Grouper 58"/>
+          <p:cNvGrpSpPr/>
+          <p:nvPr/>
+        </p:nvGrpSpPr>
+        <p:grpSpPr>
+          <a:xfrm>
+            <a:off x="5847333" y="1352052"/>
+            <a:ext cx="1272941" cy="454322"/>
+            <a:chOff x="3483241" y="1285815"/>
+            <a:chExt cx="1272941" cy="454322"/>
+          </a:xfrm>
+        </p:grpSpPr>
+        <p:sp>
+          <p:nvSpPr>
+            <p:cNvPr id="22" name="ZoneTexte 21"/>
+            <p:cNvSpPr txBox="1"/>
+            <p:nvPr/>
+          </p:nvSpPr>
+          <p:spPr>
+            <a:xfrm>
+              <a:off x="4387644" y="1307410"/>
+              <a:ext cx="287258" cy="230832"/>
+            </a:xfrm>
+            <a:prstGeom prst="rect">
+              <a:avLst/>
+            </a:prstGeom>
+            <a:noFill/>
+          </p:spPr>
+          <p:txBody>
+            <a:bodyPr wrap="none" rtlCol="0">
+              <a:spAutoFit/>
+            </a:bodyPr>
+            <a:lstStyle/>
+            <a:p>
+              <a:r>
+                <a:rPr lang="fr-FR" sz="900" dirty="0" smtClean="0">
+                  <a:latin typeface="Zapf Dingbats"/>
+                  <a:ea typeface="Zapf Dingbats"/>
+                  <a:cs typeface="Zapf Dingbats"/>
+                  <a:sym typeface="Zapf Dingbats"/>
+                </a:rPr>
+                <a:t>✔</a:t>
+              </a:r>
+              <a:endParaRPr lang="fr-FR" sz="900" dirty="0"/>
+            </a:p>
+          </p:txBody>
+        </p:sp>
+        <p:sp>
+          <p:nvSpPr>
+            <p:cNvPr id="23" name="ZoneTexte 22"/>
+            <p:cNvSpPr txBox="1"/>
+            <p:nvPr/>
+          </p:nvSpPr>
+          <p:spPr>
+            <a:xfrm>
+              <a:off x="4468924" y="1500450"/>
+              <a:ext cx="287258" cy="230832"/>
+            </a:xfrm>
+            <a:prstGeom prst="rect">
+              <a:avLst/>
+            </a:prstGeom>
+            <a:noFill/>
+          </p:spPr>
+          <p:txBody>
+            <a:bodyPr wrap="none" rtlCol="0">
+              <a:spAutoFit/>
+            </a:bodyPr>
+            <a:lstStyle/>
+            <a:p>
+              <a:r>
+                <a:rPr lang="fr-FR" sz="900" dirty="0" smtClean="0">
+                  <a:latin typeface="Zapf Dingbats"/>
+                  <a:ea typeface="Zapf Dingbats"/>
+                  <a:cs typeface="Zapf Dingbats"/>
+                  <a:sym typeface="Zapf Dingbats"/>
+                </a:rPr>
+                <a:t>✔</a:t>
+              </a:r>
+              <a:endParaRPr lang="fr-FR" sz="900" dirty="0"/>
+            </a:p>
+          </p:txBody>
+        </p:sp>
+        <p:sp>
+          <p:nvSpPr>
+            <p:cNvPr id="24" name="ZoneTexte 23"/>
+            <p:cNvSpPr txBox="1"/>
+            <p:nvPr/>
+          </p:nvSpPr>
+          <p:spPr>
+            <a:xfrm>
+              <a:off x="3726779" y="1285815"/>
+              <a:ext cx="287258" cy="230832"/>
+            </a:xfrm>
+            <a:prstGeom prst="rect">
+              <a:avLst/>
+            </a:prstGeom>
+            <a:noFill/>
+          </p:spPr>
+          <p:txBody>
+            <a:bodyPr wrap="none" rtlCol="0">
+              <a:spAutoFit/>
+            </a:bodyPr>
+            <a:lstStyle/>
+            <a:p>
+              <a:r>
+                <a:rPr lang="fr-FR" sz="900" dirty="0" smtClean="0">
+                  <a:latin typeface="Zapf Dingbats"/>
+                  <a:ea typeface="Zapf Dingbats"/>
+                  <a:cs typeface="Zapf Dingbats"/>
+                  <a:sym typeface="Zapf Dingbats"/>
+                </a:rPr>
+                <a:t>✔</a:t>
+              </a:r>
+              <a:endParaRPr lang="fr-FR" sz="900" dirty="0"/>
+            </a:p>
+          </p:txBody>
+        </p:sp>
+        <p:sp>
+          <p:nvSpPr>
+            <p:cNvPr id="25" name="ZoneTexte 24"/>
+            <p:cNvSpPr txBox="1"/>
+            <p:nvPr/>
+          </p:nvSpPr>
+          <p:spPr>
+            <a:xfrm>
+              <a:off x="3838539" y="1499175"/>
+              <a:ext cx="287258" cy="230832"/>
+            </a:xfrm>
+            <a:prstGeom prst="rect">
+              <a:avLst/>
+            </a:prstGeom>
+            <a:noFill/>
+          </p:spPr>
+          <p:txBody>
+            <a:bodyPr wrap="none" rtlCol="0">
+              <a:spAutoFit/>
+            </a:bodyPr>
+            <a:lstStyle/>
+            <a:p>
+              <a:r>
+                <a:rPr lang="fr-FR" sz="900" dirty="0" smtClean="0">
+                  <a:latin typeface="Zapf Dingbats"/>
+                  <a:ea typeface="Zapf Dingbats"/>
+                  <a:cs typeface="Zapf Dingbats"/>
+                  <a:sym typeface="Zapf Dingbats"/>
+                </a:rPr>
+                <a:t>✔</a:t>
+              </a:r>
+              <a:endParaRPr lang="fr-FR" sz="900" dirty="0"/>
+            </a:p>
+          </p:txBody>
+        </p:sp>
+        <p:sp>
+          <p:nvSpPr>
+            <p:cNvPr id="26" name="ZoneTexte 25"/>
+            <p:cNvSpPr txBox="1"/>
+            <p:nvPr/>
+          </p:nvSpPr>
+          <p:spPr>
+            <a:xfrm>
+              <a:off x="4001099" y="1489015"/>
+              <a:ext cx="287258" cy="230832"/>
+            </a:xfrm>
+            <a:prstGeom prst="rect">
+              <a:avLst/>
+            </a:prstGeom>
+            <a:noFill/>
+          </p:spPr>
+          <p:txBody>
+            <a:bodyPr wrap="none" rtlCol="0">
+              <a:spAutoFit/>
+            </a:bodyPr>
+            <a:lstStyle/>
+            <a:p>
+              <a:r>
+                <a:rPr lang="fr-FR" sz="900" dirty="0" smtClean="0">
+                  <a:latin typeface="Zapf Dingbats"/>
+                  <a:ea typeface="Zapf Dingbats"/>
+                  <a:cs typeface="Zapf Dingbats"/>
+                  <a:sym typeface="Zapf Dingbats"/>
+                </a:rPr>
+                <a:t>✔</a:t>
+              </a:r>
+              <a:endParaRPr lang="fr-FR" sz="900" dirty="0"/>
+            </a:p>
+          </p:txBody>
+        </p:sp>
+        <p:grpSp>
+          <p:nvGrpSpPr>
+            <p:cNvPr id="27" name="Grouper 26"/>
+            <p:cNvGrpSpPr/>
+            <p:nvPr/>
+          </p:nvGrpSpPr>
+          <p:grpSpPr>
+            <a:xfrm>
+              <a:off x="3483241" y="1301294"/>
+              <a:ext cx="1093261" cy="438843"/>
+              <a:chOff x="5940711" y="2251813"/>
+              <a:chExt cx="1093261" cy="438843"/>
+            </a:xfrm>
+          </p:grpSpPr>
+          <p:sp>
+            <p:nvSpPr>
+              <p:cNvPr id="28" name="Rectangle à coins arrondis 27"/>
+              <p:cNvSpPr/>
+              <p:nvPr/>
+            </p:nvSpPr>
+            <p:spPr>
+              <a:xfrm rot="21266134">
+                <a:off x="6503688" y="2251813"/>
+                <a:ext cx="112690" cy="61701"/>
+              </a:xfrm>
+              <a:prstGeom prst="roundRect">
+                <a:avLst/>
+              </a:prstGeom>
+              <a:solidFill>
+                <a:schemeClr val="bg1"/>
+              </a:solidFill>
+              <a:ln>
+                <a:solidFill>
+                  <a:srgbClr val="000000"/>
+                </a:solidFill>
+              </a:ln>
+            </p:spPr>
+            <p:style>
+              <a:lnRef idx="1">
+                <a:schemeClr val="accent1"/>
+              </a:lnRef>
+              <a:fillRef idx="3">
+                <a:schemeClr val="accent1"/>
+              </a:fillRef>
+              <a:effectRef idx="2">
+                <a:schemeClr val="accent1"/>
+              </a:effectRef>
+              <a:fontRef idx="minor">
+                <a:schemeClr val="lt1"/>
+              </a:fontRef>
+            </p:style>
+            <p:txBody>
+              <a:bodyPr rtlCol="0" anchor="ctr"/>
+              <a:lstStyle/>
+              <a:p>
+                <a:pPr algn="ctr"/>
+                <a:endParaRPr lang="fr-FR"/>
+              </a:p>
+            </p:txBody>
+          </p:sp>
+          <p:sp>
+            <p:nvSpPr>
+              <p:cNvPr id="29" name="Rectangle à coins arrondis 28"/>
+              <p:cNvSpPr/>
+              <p:nvPr/>
+            </p:nvSpPr>
+            <p:spPr>
+              <a:xfrm rot="21266134">
+                <a:off x="6190802" y="2440385"/>
+                <a:ext cx="112690" cy="61701"/>
+              </a:xfrm>
+              <a:prstGeom prst="roundRect">
+                <a:avLst/>
+              </a:prstGeom>
+              <a:solidFill>
+                <a:schemeClr val="bg1"/>
+              </a:solidFill>
+              <a:ln>
+                <a:solidFill>
+                  <a:schemeClr val="tx1"/>
+                </a:solidFill>
+              </a:ln>
+            </p:spPr>
+            <p:style>
+              <a:lnRef idx="1">
+                <a:schemeClr val="accent1"/>
+              </a:lnRef>
+              <a:fillRef idx="3">
+                <a:schemeClr val="accent1"/>
+              </a:fillRef>
+              <a:effectRef idx="2">
+                <a:schemeClr val="accent1"/>
+              </a:effectRef>
+              <a:fontRef idx="minor">
+                <a:schemeClr val="lt1"/>
+              </a:fontRef>
+            </p:style>
+            <p:txBody>
+              <a:bodyPr rtlCol="0" anchor="ctr"/>
+              <a:lstStyle/>
+              <a:p>
+                <a:pPr algn="ctr"/>
+                <a:endParaRPr lang="fr-FR"/>
+              </a:p>
+            </p:txBody>
+          </p:sp>
+          <p:sp>
+            <p:nvSpPr>
+              <p:cNvPr id="30" name="Rectangle à coins arrondis 29"/>
+              <p:cNvSpPr/>
+              <p:nvPr/>
+            </p:nvSpPr>
+            <p:spPr>
+              <a:xfrm rot="21266134">
+                <a:off x="6831750" y="2440387"/>
+                <a:ext cx="112690" cy="61701"/>
+              </a:xfrm>
+              <a:prstGeom prst="roundRect">
+                <a:avLst/>
+              </a:prstGeom>
+              <a:solidFill>
+                <a:schemeClr val="bg1"/>
+              </a:solidFill>
+              <a:ln>
+                <a:solidFill>
+                  <a:schemeClr val="tx1"/>
+                </a:solidFill>
+              </a:ln>
+            </p:spPr>
+            <p:style>
+              <a:lnRef idx="1">
+                <a:schemeClr val="accent1"/>
+              </a:lnRef>
+              <a:fillRef idx="3">
+                <a:schemeClr val="accent1"/>
+              </a:fillRef>
+              <a:effectRef idx="2">
+                <a:schemeClr val="accent1"/>
+              </a:effectRef>
+              <a:fontRef idx="minor">
+                <a:schemeClr val="lt1"/>
+              </a:fontRef>
+            </p:style>
+            <p:txBody>
+              <a:bodyPr rtlCol="0" anchor="ctr"/>
+              <a:lstStyle/>
+              <a:p>
+                <a:pPr algn="ctr"/>
+                <a:endParaRPr lang="fr-FR"/>
+              </a:p>
+            </p:txBody>
+          </p:sp>
+          <p:cxnSp>
+            <p:nvCxnSpPr>
+              <p:cNvPr id="31" name="Connecteur droit 30"/>
+              <p:cNvCxnSpPr>
+                <a:stCxn id="29" idx="0"/>
+                <a:endCxn id="28" idx="2"/>
+              </p:cNvCxnSpPr>
+              <p:nvPr/>
+            </p:nvCxnSpPr>
+            <p:spPr>
+              <a:xfrm flipV="1">
+                <a:off x="6244156" y="2313369"/>
+                <a:ext cx="318868" cy="127161"/>
+              </a:xfrm>
+              <a:prstGeom prst="line">
+                <a:avLst/>
+              </a:prstGeom>
+              <a:ln w="9525" cmpd="sng">
+                <a:solidFill>
+                  <a:schemeClr val="tx1"/>
+                </a:solidFill>
+              </a:ln>
+            </p:spPr>
+            <p:style>
+              <a:lnRef idx="2">
+                <a:schemeClr val="accent1"/>
+              </a:lnRef>
+              <a:fillRef idx="0">
+                <a:schemeClr val="accent1"/>
+              </a:fillRef>
+              <a:effectRef idx="1">
+                <a:schemeClr val="accent1"/>
+              </a:effectRef>
+              <a:fontRef idx="minor">
+                <a:schemeClr val="tx1"/>
+              </a:fontRef>
+            </p:style>
+          </p:cxnSp>
+          <p:cxnSp>
+            <p:nvCxnSpPr>
+              <p:cNvPr id="32" name="Connecteur droit 31"/>
+              <p:cNvCxnSpPr>
+                <a:stCxn id="30" idx="0"/>
+                <a:endCxn id="28" idx="2"/>
+              </p:cNvCxnSpPr>
+              <p:nvPr/>
+            </p:nvCxnSpPr>
+            <p:spPr>
+              <a:xfrm flipH="1" flipV="1">
+                <a:off x="6563024" y="2313369"/>
+                <a:ext cx="322080" cy="127163"/>
+              </a:xfrm>
+              <a:prstGeom prst="line">
+                <a:avLst/>
+              </a:prstGeom>
+              <a:ln w="9525" cmpd="sng">
+                <a:solidFill>
+                  <a:schemeClr val="tx1"/>
+                </a:solidFill>
+              </a:ln>
+            </p:spPr>
+            <p:style>
+              <a:lnRef idx="2">
+                <a:schemeClr val="accent1"/>
+              </a:lnRef>
+              <a:fillRef idx="0">
+                <a:schemeClr val="accent1"/>
+              </a:fillRef>
+              <a:effectRef idx="1">
+                <a:schemeClr val="accent1"/>
+              </a:effectRef>
+              <a:fontRef idx="minor">
+                <a:schemeClr val="tx1"/>
+              </a:fontRef>
+            </p:style>
+          </p:cxnSp>
+          <p:sp>
+            <p:nvSpPr>
+              <p:cNvPr id="33" name="Rectangle à coins arrondis 32"/>
+              <p:cNvSpPr/>
+              <p:nvPr/>
+            </p:nvSpPr>
+            <p:spPr>
+              <a:xfrm rot="21266134">
+                <a:off x="5940711" y="2628954"/>
+                <a:ext cx="112690" cy="61701"/>
+              </a:xfrm>
+              <a:prstGeom prst="roundRect">
+                <a:avLst/>
+              </a:prstGeom>
+              <a:solidFill>
+                <a:schemeClr val="bg1"/>
+              </a:solidFill>
+              <a:ln>
+                <a:solidFill>
+                  <a:schemeClr val="tx1"/>
+                </a:solidFill>
+              </a:ln>
+            </p:spPr>
+            <p:style>
+              <a:lnRef idx="1">
+                <a:schemeClr val="accent1"/>
+              </a:lnRef>
+              <a:fillRef idx="3">
+                <a:schemeClr val="accent1"/>
+              </a:fillRef>
+              <a:effectRef idx="2">
+                <a:schemeClr val="accent1"/>
+              </a:effectRef>
+              <a:fontRef idx="minor">
+                <a:schemeClr val="lt1"/>
+              </a:fontRef>
+            </p:style>
+            <p:txBody>
+              <a:bodyPr rtlCol="0" anchor="ctr"/>
+              <a:lstStyle/>
+              <a:p>
+                <a:pPr algn="ctr"/>
+                <a:endParaRPr lang="fr-FR"/>
+              </a:p>
+            </p:txBody>
+          </p:sp>
+          <p:sp>
+            <p:nvSpPr>
+              <p:cNvPr id="34" name="Rectangle à coins arrondis 33"/>
+              <p:cNvSpPr/>
+              <p:nvPr/>
+            </p:nvSpPr>
+            <p:spPr>
+              <a:xfrm rot="21266134">
+                <a:off x="6128741" y="2628955"/>
+                <a:ext cx="112690" cy="61701"/>
+              </a:xfrm>
+              <a:prstGeom prst="roundRect">
+                <a:avLst/>
+              </a:prstGeom>
+              <a:solidFill>
+                <a:schemeClr val="bg1"/>
+              </a:solidFill>
+              <a:ln>
+                <a:solidFill>
+                  <a:schemeClr val="tx1"/>
+                </a:solidFill>
+              </a:ln>
+            </p:spPr>
+            <p:style>
+              <a:lnRef idx="1">
+                <a:schemeClr val="accent1"/>
+              </a:lnRef>
+              <a:fillRef idx="3">
+                <a:schemeClr val="accent1"/>
+              </a:fillRef>
+              <a:effectRef idx="2">
+                <a:schemeClr val="accent1"/>
+              </a:effectRef>
+              <a:fontRef idx="minor">
+                <a:schemeClr val="lt1"/>
+              </a:fontRef>
+            </p:style>
+            <p:txBody>
+              <a:bodyPr rtlCol="0" anchor="ctr"/>
+              <a:lstStyle/>
+              <a:p>
+                <a:pPr algn="ctr"/>
+                <a:endParaRPr lang="fr-FR"/>
+              </a:p>
+            </p:txBody>
+          </p:sp>
+          <p:sp>
+            <p:nvSpPr>
+              <p:cNvPr id="35" name="Rectangle à coins arrondis 34"/>
+              <p:cNvSpPr/>
+              <p:nvPr/>
+            </p:nvSpPr>
+            <p:spPr>
+              <a:xfrm rot="21266134">
+                <a:off x="6308943" y="2628953"/>
+                <a:ext cx="112690" cy="61701"/>
+              </a:xfrm>
+              <a:prstGeom prst="roundRect">
+                <a:avLst/>
+              </a:prstGeom>
+              <a:solidFill>
+                <a:schemeClr val="bg1"/>
+              </a:solidFill>
+              <a:ln>
+                <a:solidFill>
+                  <a:schemeClr val="tx1"/>
+                </a:solidFill>
+              </a:ln>
+            </p:spPr>
+            <p:style>
+              <a:lnRef idx="1">
+                <a:schemeClr val="accent1"/>
+              </a:lnRef>
+              <a:fillRef idx="3">
+                <a:schemeClr val="accent1"/>
+              </a:fillRef>
+              <a:effectRef idx="2">
+                <a:schemeClr val="accent1"/>
+              </a:effectRef>
+              <a:fontRef idx="minor">
+                <a:schemeClr val="lt1"/>
+              </a:fontRef>
+            </p:style>
+            <p:txBody>
+              <a:bodyPr rtlCol="0" anchor="ctr"/>
+              <a:lstStyle/>
+              <a:p>
+                <a:pPr algn="ctr"/>
+                <a:endParaRPr lang="fr-FR"/>
+              </a:p>
+            </p:txBody>
+          </p:sp>
+          <p:sp>
+            <p:nvSpPr>
+              <p:cNvPr id="36" name="Rectangle à coins arrondis 35"/>
+              <p:cNvSpPr/>
+              <p:nvPr/>
+            </p:nvSpPr>
+            <p:spPr>
+              <a:xfrm rot="21266134">
+                <a:off x="6479841" y="2628953"/>
+                <a:ext cx="112690" cy="61701"/>
+              </a:xfrm>
+              <a:prstGeom prst="roundRect">
+                <a:avLst/>
+              </a:prstGeom>
+              <a:solidFill>
+                <a:schemeClr val="bg1"/>
+              </a:solidFill>
+              <a:ln>
+                <a:solidFill>
+                  <a:schemeClr val="tx1"/>
+                </a:solidFill>
+              </a:ln>
+            </p:spPr>
+            <p:style>
+              <a:lnRef idx="1">
+                <a:schemeClr val="accent1"/>
+              </a:lnRef>
+              <a:fillRef idx="3">
+                <a:schemeClr val="accent1"/>
+              </a:fillRef>
+              <a:effectRef idx="2">
+                <a:schemeClr val="accent1"/>
+              </a:effectRef>
+              <a:fontRef idx="minor">
+                <a:schemeClr val="lt1"/>
+              </a:fontRef>
+            </p:style>
+            <p:txBody>
+              <a:bodyPr rtlCol="0" anchor="ctr"/>
+              <a:lstStyle/>
+              <a:p>
+                <a:pPr algn="ctr"/>
+                <a:endParaRPr lang="fr-FR"/>
+              </a:p>
+            </p:txBody>
+          </p:sp>
+          <p:cxnSp>
+            <p:nvCxnSpPr>
+              <p:cNvPr id="37" name="Connecteur droit 36"/>
+              <p:cNvCxnSpPr>
+                <a:stCxn id="29" idx="2"/>
+                <a:endCxn id="33" idx="0"/>
+              </p:cNvCxnSpPr>
+              <p:nvPr/>
+            </p:nvCxnSpPr>
+            <p:spPr>
+              <a:xfrm flipH="1">
+                <a:off x="5994065" y="2501941"/>
+                <a:ext cx="256073" cy="127158"/>
+              </a:xfrm>
+              <a:prstGeom prst="line">
+                <a:avLst/>
+              </a:prstGeom>
+              <a:ln w="9525" cmpd="sng">
+                <a:solidFill>
+                  <a:schemeClr val="tx1"/>
+                </a:solidFill>
+              </a:ln>
+            </p:spPr>
+            <p:style>
+              <a:lnRef idx="2">
+                <a:schemeClr val="accent1"/>
+              </a:lnRef>
+              <a:fillRef idx="0">
+                <a:schemeClr val="accent1"/>
+              </a:fillRef>
+              <a:effectRef idx="1">
+                <a:schemeClr val="accent1"/>
+              </a:effectRef>
+              <a:fontRef idx="minor">
+                <a:schemeClr val="tx1"/>
+              </a:fontRef>
+            </p:style>
+          </p:cxnSp>
+          <p:cxnSp>
+            <p:nvCxnSpPr>
+              <p:cNvPr id="38" name="Connecteur droit 37"/>
+              <p:cNvCxnSpPr>
+                <a:stCxn id="29" idx="2"/>
+                <a:endCxn id="34" idx="0"/>
+              </p:cNvCxnSpPr>
+              <p:nvPr/>
+            </p:nvCxnSpPr>
+            <p:spPr>
+              <a:xfrm flipH="1">
+                <a:off x="6182095" y="2501941"/>
+                <a:ext cx="68043" cy="127159"/>
+              </a:xfrm>
+              <a:prstGeom prst="line">
+                <a:avLst/>
+              </a:prstGeom>
+              <a:ln w="9525" cmpd="sng">
+                <a:solidFill>
+                  <a:schemeClr val="tx1"/>
+                </a:solidFill>
+              </a:ln>
+            </p:spPr>
+            <p:style>
+              <a:lnRef idx="2">
+                <a:schemeClr val="accent1"/>
+              </a:lnRef>
+              <a:fillRef idx="0">
+                <a:schemeClr val="accent1"/>
+              </a:fillRef>
+              <a:effectRef idx="1">
+                <a:schemeClr val="accent1"/>
+              </a:effectRef>
+              <a:fontRef idx="minor">
+                <a:schemeClr val="tx1"/>
+              </a:fontRef>
+            </p:style>
+          </p:cxnSp>
+          <p:cxnSp>
+            <p:nvCxnSpPr>
+              <p:cNvPr id="39" name="Connecteur droit 38"/>
+              <p:cNvCxnSpPr>
+                <a:stCxn id="29" idx="2"/>
+                <a:endCxn id="35" idx="0"/>
+              </p:cNvCxnSpPr>
+              <p:nvPr/>
+            </p:nvCxnSpPr>
+            <p:spPr>
+              <a:xfrm>
+                <a:off x="6250138" y="2501941"/>
+                <a:ext cx="112159" cy="127157"/>
+              </a:xfrm>
+              <a:prstGeom prst="line">
+                <a:avLst/>
+              </a:prstGeom>
+              <a:ln w="9525" cmpd="sng">
+                <a:solidFill>
+                  <a:schemeClr val="tx1"/>
+                </a:solidFill>
+              </a:ln>
+            </p:spPr>
+            <p:style>
+              <a:lnRef idx="2">
+                <a:schemeClr val="accent1"/>
+              </a:lnRef>
+              <a:fillRef idx="0">
+                <a:schemeClr val="accent1"/>
+              </a:fillRef>
+              <a:effectRef idx="1">
+                <a:schemeClr val="accent1"/>
+              </a:effectRef>
+              <a:fontRef idx="minor">
+                <a:schemeClr val="tx1"/>
+              </a:fontRef>
+            </p:style>
+          </p:cxnSp>
+          <p:cxnSp>
+            <p:nvCxnSpPr>
+              <p:cNvPr id="40" name="Connecteur droit 39"/>
+              <p:cNvCxnSpPr>
+                <a:stCxn id="29" idx="2"/>
+                <a:endCxn id="36" idx="0"/>
+              </p:cNvCxnSpPr>
+              <p:nvPr/>
+            </p:nvCxnSpPr>
+            <p:spPr>
+              <a:xfrm>
+                <a:off x="6250138" y="2501941"/>
+                <a:ext cx="283057" cy="127157"/>
+              </a:xfrm>
+              <a:prstGeom prst="line">
+                <a:avLst/>
+              </a:prstGeom>
+              <a:ln w="9525" cmpd="sng">
+                <a:solidFill>
+                  <a:schemeClr val="tx1"/>
+                </a:solidFill>
+              </a:ln>
+            </p:spPr>
+            <p:style>
+              <a:lnRef idx="2">
+                <a:schemeClr val="accent1"/>
+              </a:lnRef>
+              <a:fillRef idx="0">
+                <a:schemeClr val="accent1"/>
+              </a:fillRef>
+              <a:effectRef idx="1">
+                <a:schemeClr val="accent1"/>
+              </a:effectRef>
+              <a:fontRef idx="minor">
+                <a:schemeClr val="tx1"/>
+              </a:fontRef>
+            </p:style>
+          </p:cxnSp>
+          <p:sp>
+            <p:nvSpPr>
+              <p:cNvPr id="41" name="Rectangle à coins arrondis 40"/>
+              <p:cNvSpPr/>
+              <p:nvPr/>
+            </p:nvSpPr>
+            <p:spPr>
+              <a:xfrm rot="21266134">
+                <a:off x="6750384" y="2628954"/>
+                <a:ext cx="112690" cy="61701"/>
+              </a:xfrm>
+              <a:prstGeom prst="roundRect">
+                <a:avLst/>
+              </a:prstGeom>
+              <a:solidFill>
+                <a:schemeClr val="bg1"/>
+              </a:solidFill>
+              <a:ln>
+                <a:solidFill>
+                  <a:schemeClr val="tx1"/>
+                </a:solidFill>
+              </a:ln>
+            </p:spPr>
+            <p:style>
+              <a:lnRef idx="1">
+                <a:schemeClr val="accent1"/>
+              </a:lnRef>
+              <a:fillRef idx="3">
+                <a:schemeClr val="accent1"/>
+              </a:fillRef>
+              <a:effectRef idx="2">
+                <a:schemeClr val="accent1"/>
+              </a:effectRef>
+              <a:fontRef idx="minor">
+                <a:schemeClr val="lt1"/>
+              </a:fontRef>
+            </p:style>
+            <p:txBody>
+              <a:bodyPr rtlCol="0" anchor="ctr"/>
+              <a:lstStyle/>
+              <a:p>
+                <a:pPr algn="ctr"/>
+                <a:endParaRPr lang="fr-FR"/>
+              </a:p>
+            </p:txBody>
+          </p:sp>
+          <p:sp>
+            <p:nvSpPr>
+              <p:cNvPr id="42" name="Rectangle à coins arrondis 41"/>
+              <p:cNvSpPr/>
+              <p:nvPr/>
+            </p:nvSpPr>
+            <p:spPr>
+              <a:xfrm rot="21266134">
+                <a:off x="6921282" y="2628954"/>
+                <a:ext cx="112690" cy="61701"/>
+              </a:xfrm>
+              <a:prstGeom prst="roundRect">
+                <a:avLst/>
+              </a:prstGeom>
+              <a:solidFill>
+                <a:schemeClr val="bg1"/>
+              </a:solidFill>
+              <a:ln>
+                <a:solidFill>
+                  <a:schemeClr val="tx1"/>
+                </a:solidFill>
+              </a:ln>
+            </p:spPr>
+            <p:style>
+              <a:lnRef idx="1">
+                <a:schemeClr val="accent1"/>
+              </a:lnRef>
+              <a:fillRef idx="3">
+                <a:schemeClr val="accent1"/>
+              </a:fillRef>
+              <a:effectRef idx="2">
+                <a:schemeClr val="accent1"/>
+              </a:effectRef>
+              <a:fontRef idx="minor">
+                <a:schemeClr val="lt1"/>
+              </a:fontRef>
+            </p:style>
+            <p:txBody>
+              <a:bodyPr rtlCol="0" anchor="ctr"/>
+              <a:lstStyle/>
+              <a:p>
+                <a:pPr algn="ctr"/>
+                <a:endParaRPr lang="fr-FR"/>
+              </a:p>
+            </p:txBody>
+          </p:sp>
+          <p:cxnSp>
+            <p:nvCxnSpPr>
+              <p:cNvPr id="43" name="Connecteur droit 42"/>
+              <p:cNvCxnSpPr>
+                <a:stCxn id="42" idx="0"/>
+                <a:endCxn id="30" idx="2"/>
+              </p:cNvCxnSpPr>
+              <p:nvPr/>
+            </p:nvCxnSpPr>
+            <p:spPr>
+              <a:xfrm flipH="1" flipV="1">
+                <a:off x="6891086" y="2501943"/>
+                <a:ext cx="83550" cy="127156"/>
+              </a:xfrm>
+              <a:prstGeom prst="line">
+                <a:avLst/>
+              </a:prstGeom>
+              <a:ln w="9525" cmpd="sng">
+                <a:solidFill>
+                  <a:schemeClr val="tx1"/>
+                </a:solidFill>
+              </a:ln>
+            </p:spPr>
+            <p:style>
+              <a:lnRef idx="2">
+                <a:schemeClr val="accent1"/>
+              </a:lnRef>
+              <a:fillRef idx="0">
+                <a:schemeClr val="accent1"/>
+              </a:fillRef>
+              <a:effectRef idx="1">
+                <a:schemeClr val="accent1"/>
+              </a:effectRef>
+              <a:fontRef idx="minor">
+                <a:schemeClr val="tx1"/>
+              </a:fontRef>
+            </p:style>
+          </p:cxnSp>
+          <p:cxnSp>
+            <p:nvCxnSpPr>
+              <p:cNvPr id="44" name="Connecteur droit 43"/>
+              <p:cNvCxnSpPr>
+                <a:stCxn id="41" idx="0"/>
+                <a:endCxn id="30" idx="2"/>
+              </p:cNvCxnSpPr>
+              <p:nvPr/>
+            </p:nvCxnSpPr>
+            <p:spPr>
+              <a:xfrm flipV="1">
+                <a:off x="6803738" y="2501943"/>
+                <a:ext cx="87348" cy="127156"/>
+              </a:xfrm>
+              <a:prstGeom prst="line">
+                <a:avLst/>
+              </a:prstGeom>
+              <a:ln w="9525" cmpd="sng">
+                <a:solidFill>
+                  <a:schemeClr val="tx1"/>
+                </a:solidFill>
+              </a:ln>
+            </p:spPr>
+            <p:style>
+              <a:lnRef idx="2">
+                <a:schemeClr val="accent1"/>
+              </a:lnRef>
+              <a:fillRef idx="0">
+                <a:schemeClr val="accent1"/>
+              </a:fillRef>
+              <a:effectRef idx="1">
+                <a:schemeClr val="accent1"/>
+              </a:effectRef>
+              <a:fontRef idx="minor">
+                <a:schemeClr val="tx1"/>
+              </a:fontRef>
+            </p:style>
+          </p:cxnSp>
+          <p:sp>
+            <p:nvSpPr>
+              <p:cNvPr id="45" name="Forme libre 44"/>
+              <p:cNvSpPr/>
+              <p:nvPr/>
+            </p:nvSpPr>
+            <p:spPr>
+              <a:xfrm>
+                <a:off x="6172200" y="2509597"/>
+                <a:ext cx="139700" cy="57150"/>
+              </a:xfrm>
+              <a:custGeom>
+                <a:avLst/>
+                <a:gdLst>
+                  <a:gd name="connsiteX0" fmla="*/ 79375 w 139700"/>
+                  <a:gd name="connsiteY0" fmla="*/ 0 h 57150"/>
+                  <a:gd name="connsiteX1" fmla="*/ 0 w 139700"/>
+                  <a:gd name="connsiteY1" fmla="*/ 31750 h 57150"/>
+                  <a:gd name="connsiteX2" fmla="*/ 53975 w 139700"/>
+                  <a:gd name="connsiteY2" fmla="*/ 57150 h 57150"/>
+                  <a:gd name="connsiteX3" fmla="*/ 104775 w 139700"/>
+                  <a:gd name="connsiteY3" fmla="*/ 50800 h 57150"/>
+                  <a:gd name="connsiteX4" fmla="*/ 139700 w 139700"/>
+                  <a:gd name="connsiteY4" fmla="*/ 22225 h 57150"/>
+                  <a:gd name="connsiteX5" fmla="*/ 79375 w 139700"/>
+                  <a:gd name="connsiteY5" fmla="*/ 0 h 57150"/>
+                </a:gdLst>
+                <a:ahLst/>
+                <a:cxnLst>
+                  <a:cxn ang="0">
+                    <a:pos x="connsiteX0" y="connsiteY0"/>
+                  </a:cxn>
+                  <a:cxn ang="0">
+                    <a:pos x="connsiteX1" y="connsiteY1"/>
+                  </a:cxn>
+                  <a:cxn ang="0">
+                    <a:pos x="connsiteX2" y="connsiteY2"/>
+                  </a:cxn>
+                  <a:cxn ang="0">
+                    <a:pos x="connsiteX3" y="connsiteY3"/>
+                  </a:cxn>
+                  <a:cxn ang="0">
+                    <a:pos x="connsiteX4" y="connsiteY4"/>
+                  </a:cxn>
+                  <a:cxn ang="0">
+                    <a:pos x="connsiteX5" y="connsiteY5"/>
+                  </a:cxn>
+                </a:cxnLst>
+                <a:rect l="l" t="t" r="r" b="b"/>
+                <a:pathLst>
+                  <a:path w="139700" h="57150">
+                    <a:moveTo>
+                      <a:pt x="79375" y="0"/>
+                    </a:moveTo>
+                    <a:lnTo>
+                      <a:pt x="0" y="31750"/>
+                    </a:lnTo>
+                    <a:lnTo>
+                      <a:pt x="53975" y="57150"/>
+                    </a:lnTo>
+                    <a:lnTo>
+                      <a:pt x="104775" y="50800"/>
+                    </a:lnTo>
+                    <a:lnTo>
+                      <a:pt x="139700" y="22225"/>
+                    </a:lnTo>
+                    <a:lnTo>
+                      <a:pt x="79375" y="0"/>
+                    </a:lnTo>
+                    <a:close/>
+                  </a:path>
+                </a:pathLst>
+              </a:custGeom>
+              <a:solidFill>
+                <a:schemeClr val="tx1"/>
+              </a:solidFill>
+              <a:ln w="3175" cmpd="sng">
+                <a:noFill/>
+              </a:ln>
+            </p:spPr>
+            <p:style>
+              <a:lnRef idx="1">
+                <a:schemeClr val="accent1"/>
+              </a:lnRef>
+              <a:fillRef idx="3">
+                <a:schemeClr val="accent1"/>
+              </a:fillRef>
+              <a:effectRef idx="2">
+                <a:schemeClr val="accent1"/>
+              </a:effectRef>
+              <a:fontRef idx="minor">
+                <a:schemeClr val="lt1"/>
+              </a:fontRef>
+            </p:style>
+            <p:txBody>
+              <a:bodyPr rtlCol="0" anchor="ctr"/>
+              <a:lstStyle/>
+              <a:p>
+                <a:pPr algn="ctr"/>
+                <a:endParaRPr lang="fr-FR"/>
+              </a:p>
+            </p:txBody>
+          </p:sp>
+          <p:sp>
+            <p:nvSpPr>
+              <p:cNvPr id="46" name="Ellipse 45"/>
+              <p:cNvSpPr/>
+              <p:nvPr/>
+            </p:nvSpPr>
+            <p:spPr>
+              <a:xfrm>
+                <a:off x="6869662" y="2419350"/>
+                <a:ext cx="36000" cy="36000"/>
+              </a:xfrm>
+              <a:prstGeom prst="ellipse">
+                <a:avLst/>
+              </a:prstGeom>
+              <a:solidFill>
+                <a:schemeClr val="tx1"/>
+              </a:solidFill>
+              <a:ln w="9525" cmpd="sng">
+                <a:solidFill>
+                  <a:schemeClr val="tx1"/>
+                </a:solidFill>
+              </a:ln>
+            </p:spPr>
+            <p:style>
+              <a:lnRef idx="1">
+                <a:schemeClr val="accent1"/>
+              </a:lnRef>
+              <a:fillRef idx="3">
+                <a:schemeClr val="accent1"/>
+              </a:fillRef>
+              <a:effectRef idx="2">
+                <a:schemeClr val="accent1"/>
+              </a:effectRef>
+              <a:fontRef idx="minor">
+                <a:schemeClr val="lt1"/>
+              </a:fontRef>
+            </p:style>
+            <p:txBody>
+              <a:bodyPr rtlCol="0" anchor="ctr"/>
+              <a:lstStyle/>
+              <a:p>
+                <a:pPr algn="ctr"/>
+                <a:endParaRPr lang="fr-FR"/>
+              </a:p>
+            </p:txBody>
+          </p:sp>
+          <p:sp>
+            <p:nvSpPr>
+              <p:cNvPr id="47" name="Ellipse 46"/>
+              <p:cNvSpPr/>
+              <p:nvPr/>
+            </p:nvSpPr>
+            <p:spPr>
+              <a:xfrm>
+                <a:off x="6228312" y="2428875"/>
+                <a:ext cx="36000" cy="36000"/>
+              </a:xfrm>
+              <a:prstGeom prst="ellipse">
+                <a:avLst/>
+              </a:prstGeom>
+              <a:solidFill>
+                <a:schemeClr val="bg1"/>
+              </a:solidFill>
+              <a:ln w="9525" cmpd="sng">
+                <a:solidFill>
+                  <a:schemeClr val="tx1"/>
+                </a:solidFill>
+              </a:ln>
+            </p:spPr>
+            <p:style>
+              <a:lnRef idx="1">
+                <a:schemeClr val="accent1"/>
+              </a:lnRef>
+              <a:fillRef idx="3">
+                <a:schemeClr val="accent1"/>
+              </a:fillRef>
+              <a:effectRef idx="2">
+                <a:schemeClr val="accent1"/>
+              </a:effectRef>
+              <a:fontRef idx="minor">
+                <a:schemeClr val="lt1"/>
+              </a:fontRef>
+            </p:style>
+            <p:txBody>
+              <a:bodyPr rtlCol="0" anchor="ctr"/>
+              <a:lstStyle/>
+              <a:p>
+                <a:pPr algn="ctr"/>
+                <a:endParaRPr lang="fr-FR"/>
+              </a:p>
+            </p:txBody>
+          </p:sp>
+          <p:sp>
+            <p:nvSpPr>
+              <p:cNvPr id="48" name="Forme libre 47"/>
+              <p:cNvSpPr/>
+              <p:nvPr/>
+            </p:nvSpPr>
+            <p:spPr>
+              <a:xfrm>
+                <a:off x="6858000" y="2501900"/>
+                <a:ext cx="66675" cy="60325"/>
+              </a:xfrm>
+              <a:custGeom>
+                <a:avLst/>
+                <a:gdLst>
+                  <a:gd name="connsiteX0" fmla="*/ 41275 w 66675"/>
+                  <a:gd name="connsiteY0" fmla="*/ 0 h 60325"/>
+                  <a:gd name="connsiteX1" fmla="*/ 0 w 66675"/>
+                  <a:gd name="connsiteY1" fmla="*/ 44450 h 60325"/>
+                  <a:gd name="connsiteX2" fmla="*/ 34925 w 66675"/>
+                  <a:gd name="connsiteY2" fmla="*/ 60325 h 60325"/>
+                  <a:gd name="connsiteX3" fmla="*/ 66675 w 66675"/>
+                  <a:gd name="connsiteY3" fmla="*/ 47625 h 60325"/>
+                  <a:gd name="connsiteX4" fmla="*/ 41275 w 66675"/>
+                  <a:gd name="connsiteY4" fmla="*/ 0 h 60325"/>
+                </a:gdLst>
+                <a:ahLst/>
+                <a:cxnLst>
+                  <a:cxn ang="0">
+                    <a:pos x="connsiteX0" y="connsiteY0"/>
+                  </a:cxn>
+                  <a:cxn ang="0">
+                    <a:pos x="connsiteX1" y="connsiteY1"/>
+                  </a:cxn>
+                  <a:cxn ang="0">
+                    <a:pos x="connsiteX2" y="connsiteY2"/>
+                  </a:cxn>
+                  <a:cxn ang="0">
+                    <a:pos x="connsiteX3" y="connsiteY3"/>
+                  </a:cxn>
+                  <a:cxn ang="0">
+                    <a:pos x="connsiteX4" y="connsiteY4"/>
+                  </a:cxn>
+                </a:cxnLst>
+                <a:rect l="l" t="t" r="r" b="b"/>
+                <a:pathLst>
+                  <a:path w="66675" h="60325">
+                    <a:moveTo>
+                      <a:pt x="41275" y="0"/>
+                    </a:moveTo>
+                    <a:lnTo>
+                      <a:pt x="0" y="44450"/>
+                    </a:lnTo>
+                    <a:lnTo>
+                      <a:pt x="34925" y="60325"/>
+                    </a:lnTo>
+                    <a:lnTo>
+                      <a:pt x="66675" y="47625"/>
+                    </a:lnTo>
+                    <a:lnTo>
+                      <a:pt x="41275" y="0"/>
+                    </a:lnTo>
+                    <a:close/>
+                  </a:path>
+                </a:pathLst>
+              </a:custGeom>
+              <a:solidFill>
+                <a:schemeClr val="bg1"/>
+              </a:solidFill>
+              <a:ln>
+                <a:solidFill>
+                  <a:srgbClr val="000000"/>
+                </a:solidFill>
+              </a:ln>
+            </p:spPr>
+            <p:style>
+              <a:lnRef idx="1">
+                <a:schemeClr val="accent1"/>
+              </a:lnRef>
+              <a:fillRef idx="3">
+                <a:schemeClr val="accent1"/>
+              </a:fillRef>
+              <a:effectRef idx="2">
+                <a:schemeClr val="accent1"/>
+              </a:effectRef>
+              <a:fontRef idx="minor">
+                <a:schemeClr val="lt1"/>
+              </a:fontRef>
+            </p:style>
+            <p:txBody>
+              <a:bodyPr rtlCol="0" anchor="ctr"/>
+              <a:lstStyle/>
+              <a:p>
+                <a:pPr algn="ctr"/>
+                <a:endParaRPr lang="fr-FR"/>
+              </a:p>
+            </p:txBody>
+          </p:sp>
+        </p:grpSp>
+      </p:grpSp>
+      <p:sp>
+        <p:nvSpPr>
+          <p:cNvPr id="63" name="Forme libre 62"/>
+          <p:cNvSpPr/>
+          <p:nvPr/>
+        </p:nvSpPr>
+        <p:spPr>
+          <a:xfrm>
+            <a:off x="2828168" y="1487728"/>
+            <a:ext cx="2871343" cy="115355"/>
+          </a:xfrm>
+          <a:custGeom>
+            <a:avLst/>
+            <a:gdLst>
+              <a:gd name="connsiteX0" fmla="*/ 0 w 2569882"/>
+              <a:gd name="connsiteY0" fmla="*/ 149444 h 149444"/>
+              <a:gd name="connsiteX1" fmla="*/ 1344705 w 2569882"/>
+              <a:gd name="connsiteY1" fmla="*/ 33 h 149444"/>
+              <a:gd name="connsiteX2" fmla="*/ 2569882 w 2569882"/>
+              <a:gd name="connsiteY2" fmla="*/ 134503 h 149444"/>
+              <a:gd name="connsiteX0" fmla="*/ 0 w 2569882"/>
+              <a:gd name="connsiteY0" fmla="*/ 134507 h 134507"/>
+              <a:gd name="connsiteX1" fmla="*/ 1270000 w 2569882"/>
+              <a:gd name="connsiteY1" fmla="*/ 38 h 134507"/>
+              <a:gd name="connsiteX2" fmla="*/ 2569882 w 2569882"/>
+              <a:gd name="connsiteY2" fmla="*/ 119566 h 134507"/>
+              <a:gd name="connsiteX0" fmla="*/ 0 w 2569882"/>
+              <a:gd name="connsiteY0" fmla="*/ 141071 h 141071"/>
+              <a:gd name="connsiteX1" fmla="*/ 1340732 w 2569882"/>
+              <a:gd name="connsiteY1" fmla="*/ 35 h 141071"/>
+              <a:gd name="connsiteX2" fmla="*/ 2569882 w 2569882"/>
+              <a:gd name="connsiteY2" fmla="*/ 126130 h 141071"/>
+              <a:gd name="connsiteX0" fmla="*/ 0 w 2569882"/>
+              <a:gd name="connsiteY0" fmla="*/ 141202 h 141202"/>
+              <a:gd name="connsiteX1" fmla="*/ 1340732 w 2569882"/>
+              <a:gd name="connsiteY1" fmla="*/ 166 h 141202"/>
+              <a:gd name="connsiteX2" fmla="*/ 2569882 w 2569882"/>
+              <a:gd name="connsiteY2" fmla="*/ 126261 h 141202"/>
+            </a:gdLst>
+            <a:ahLst/>
+            <a:cxnLst>
+              <a:cxn ang="0">
+                <a:pos x="connsiteX0" y="connsiteY0"/>
+              </a:cxn>
+              <a:cxn ang="0">
+                <a:pos x="connsiteX1" y="connsiteY1"/>
+              </a:cxn>
+              <a:cxn ang="0">
+                <a:pos x="connsiteX2" y="connsiteY2"/>
+              </a:cxn>
+            </a:cxnLst>
+            <a:rect l="l" t="t" r="r" b="b"/>
+            <a:pathLst>
+              <a:path w="2569882" h="141202">
+                <a:moveTo>
+                  <a:pt x="0" y="141202"/>
+                </a:moveTo>
+                <a:cubicBezTo>
+                  <a:pt x="458195" y="67741"/>
+                  <a:pt x="912418" y="-3911"/>
+                  <a:pt x="1340732" y="166"/>
+                </a:cubicBezTo>
+                <a:cubicBezTo>
+                  <a:pt x="1769046" y="4243"/>
+                  <a:pt x="2569882" y="126261"/>
+                  <a:pt x="2569882" y="126261"/>
+                </a:cubicBezTo>
+              </a:path>
+            </a:pathLst>
+          </a:custGeom>
+          <a:ln w="19050" cmpd="sng">
+            <a:solidFill>
+              <a:schemeClr val="tx1"/>
+            </a:solidFill>
+            <a:headEnd type="oval"/>
+            <a:tailEnd type="stealth" w="lg" len="lg"/>
+          </a:ln>
+        </p:spPr>
+        <p:style>
+          <a:lnRef idx="2">
+            <a:schemeClr val="accent1"/>
+          </a:lnRef>
+          <a:fillRef idx="0">
+            <a:schemeClr val="accent1"/>
+          </a:fillRef>
+          <a:effectRef idx="1">
+            <a:schemeClr val="accent1"/>
+          </a:effectRef>
+          <a:fontRef idx="minor">
+            <a:schemeClr val="tx1"/>
+          </a:fontRef>
+        </p:style>
+        <p:txBody>
+          <a:bodyPr rtlCol="0" anchor="ctr"/>
+          <a:lstStyle/>
+          <a:p>
+            <a:pPr algn="ctr"/>
+            <a:endParaRPr lang="fr-FR"/>
+          </a:p>
+        </p:txBody>
+      </p:sp>
+      <p:sp>
+        <p:nvSpPr>
+          <p:cNvPr id="83" name="Forme libre 82"/>
+          <p:cNvSpPr/>
+          <p:nvPr/>
+        </p:nvSpPr>
+        <p:spPr>
+          <a:xfrm rot="16200000">
+            <a:off x="1596762" y="2481677"/>
+            <a:ext cx="888380" cy="56427"/>
+          </a:xfrm>
+          <a:custGeom>
+            <a:avLst/>
+            <a:gdLst>
+              <a:gd name="connsiteX0" fmla="*/ 0 w 2569882"/>
+              <a:gd name="connsiteY0" fmla="*/ 149444 h 149444"/>
+              <a:gd name="connsiteX1" fmla="*/ 1344705 w 2569882"/>
+              <a:gd name="connsiteY1" fmla="*/ 33 h 149444"/>
+              <a:gd name="connsiteX2" fmla="*/ 2569882 w 2569882"/>
+              <a:gd name="connsiteY2" fmla="*/ 134503 h 149444"/>
+              <a:gd name="connsiteX0" fmla="*/ 0 w 2569882"/>
+              <a:gd name="connsiteY0" fmla="*/ 134507 h 134507"/>
+              <a:gd name="connsiteX1" fmla="*/ 1270000 w 2569882"/>
+              <a:gd name="connsiteY1" fmla="*/ 38 h 134507"/>
+              <a:gd name="connsiteX2" fmla="*/ 2569882 w 2569882"/>
+              <a:gd name="connsiteY2" fmla="*/ 119566 h 134507"/>
+              <a:gd name="connsiteX0" fmla="*/ 0 w 2569882"/>
+              <a:gd name="connsiteY0" fmla="*/ 141071 h 141071"/>
+              <a:gd name="connsiteX1" fmla="*/ 1340732 w 2569882"/>
+              <a:gd name="connsiteY1" fmla="*/ 35 h 141071"/>
+              <a:gd name="connsiteX2" fmla="*/ 2569882 w 2569882"/>
+              <a:gd name="connsiteY2" fmla="*/ 126130 h 141071"/>
+              <a:gd name="connsiteX0" fmla="*/ 0 w 2569882"/>
+              <a:gd name="connsiteY0" fmla="*/ 141202 h 141202"/>
+              <a:gd name="connsiteX1" fmla="*/ 1340732 w 2569882"/>
+              <a:gd name="connsiteY1" fmla="*/ 166 h 141202"/>
+              <a:gd name="connsiteX2" fmla="*/ 2569882 w 2569882"/>
+              <a:gd name="connsiteY2" fmla="*/ 126261 h 141202"/>
+            </a:gdLst>
+            <a:ahLst/>
+            <a:cxnLst>
+              <a:cxn ang="0">
+                <a:pos x="connsiteX0" y="connsiteY0"/>
+              </a:cxn>
+              <a:cxn ang="0">
+                <a:pos x="connsiteX1" y="connsiteY1"/>
+              </a:cxn>
+              <a:cxn ang="0">
+                <a:pos x="connsiteX2" y="connsiteY2"/>
+              </a:cxn>
+            </a:cxnLst>
+            <a:rect l="l" t="t" r="r" b="b"/>
+            <a:pathLst>
+              <a:path w="2569882" h="141202">
+                <a:moveTo>
+                  <a:pt x="0" y="141202"/>
+                </a:moveTo>
+                <a:cubicBezTo>
+                  <a:pt x="458195" y="67741"/>
+                  <a:pt x="912418" y="-3911"/>
+                  <a:pt x="1340732" y="166"/>
+                </a:cubicBezTo>
+                <a:cubicBezTo>
+                  <a:pt x="1769046" y="4243"/>
+                  <a:pt x="2569882" y="126261"/>
+                  <a:pt x="2569882" y="126261"/>
+                </a:cubicBezTo>
+              </a:path>
+            </a:pathLst>
+          </a:custGeom>
+          <a:ln w="19050" cmpd="sng">
+            <a:solidFill>
+              <a:schemeClr val="tx1"/>
+            </a:solidFill>
+            <a:headEnd type="oval"/>
+            <a:tailEnd type="stealth" w="lg" len="lg"/>
+          </a:ln>
+        </p:spPr>
+        <p:style>
+          <a:lnRef idx="2">
+            <a:schemeClr val="accent1"/>
+          </a:lnRef>
+          <a:fillRef idx="0">
+            <a:schemeClr val="accent1"/>
+          </a:fillRef>
+          <a:effectRef idx="1">
+            <a:schemeClr val="accent1"/>
+          </a:effectRef>
+          <a:fontRef idx="minor">
+            <a:schemeClr val="tx1"/>
+          </a:fontRef>
+        </p:style>
+        <p:txBody>
+          <a:bodyPr rtlCol="0" anchor="ctr"/>
+          <a:lstStyle/>
+          <a:p>
+            <a:pPr algn="ctr"/>
+            <a:endParaRPr lang="fr-FR"/>
+          </a:p>
+        </p:txBody>
+      </p:sp>
+      <p:grpSp>
+        <p:nvGrpSpPr>
+          <p:cNvPr id="142" name="Grouper 141"/>
+          <p:cNvGrpSpPr/>
+          <p:nvPr/>
+        </p:nvGrpSpPr>
+        <p:grpSpPr>
+          <a:xfrm>
+            <a:off x="1789283" y="3083244"/>
+            <a:ext cx="262435" cy="337291"/>
+            <a:chOff x="1789283" y="3117534"/>
+            <a:chExt cx="262435" cy="337291"/>
+          </a:xfrm>
+        </p:grpSpPr>
+        <p:sp>
+          <p:nvSpPr>
+            <p:cNvPr id="61" name="Rogner un rectangle à un seul coin 60"/>
+            <p:cNvSpPr/>
+            <p:nvPr/>
+          </p:nvSpPr>
+          <p:spPr>
+            <a:xfrm>
+              <a:off x="1789283" y="3117534"/>
+              <a:ext cx="262435" cy="337291"/>
+            </a:xfrm>
+            <a:prstGeom prst="snip1Rect">
+              <a:avLst/>
+            </a:prstGeom>
+            <a:solidFill>
+              <a:schemeClr val="accent6">
+                <a:lumMod val="60000"/>
+                <a:lumOff val="40000"/>
+              </a:schemeClr>
+            </a:solidFill>
+            <a:ln w="6350" cmpd="sng">
+              <a:solidFill>
+                <a:schemeClr val="tx1"/>
+              </a:solidFill>
+            </a:ln>
+          </p:spPr>
+          <p:style>
+            <a:lnRef idx="1">
+              <a:schemeClr val="accent1"/>
+            </a:lnRef>
+            <a:fillRef idx="3">
+              <a:schemeClr val="accent1"/>
+            </a:fillRef>
+            <a:effectRef idx="2">
+              <a:schemeClr val="accent1"/>
+            </a:effectRef>
+            <a:fontRef idx="minor">
+              <a:schemeClr val="lt1"/>
+            </a:fontRef>
+          </p:style>
+          <p:txBody>
+            <a:bodyPr rtlCol="0" anchor="ctr"/>
+            <a:lstStyle/>
+            <a:p>
+              <a:pPr algn="ctr"/>
+              <a:endParaRPr lang="fr-FR"/>
+            </a:p>
+          </p:txBody>
+        </p:sp>
+        <p:cxnSp>
+          <p:nvCxnSpPr>
+            <p:cNvPr id="65" name="Connecteur droit 64"/>
+            <p:cNvCxnSpPr/>
+            <p:nvPr/>
+          </p:nvCxnSpPr>
+          <p:spPr>
+            <a:xfrm>
+              <a:off x="1818542" y="3208765"/>
+              <a:ext cx="196646" cy="0"/>
+            </a:xfrm>
+            <a:prstGeom prst="line">
+              <a:avLst/>
+            </a:prstGeom>
+            <a:ln w="12700" cmpd="sng">
+              <a:solidFill>
+                <a:srgbClr val="000000"/>
+              </a:solidFill>
+            </a:ln>
+            <a:effectLst/>
+          </p:spPr>
+          <p:style>
+            <a:lnRef idx="2">
+              <a:schemeClr val="accent1"/>
+            </a:lnRef>
+            <a:fillRef idx="0">
+              <a:schemeClr val="accent1"/>
+            </a:fillRef>
+            <a:effectRef idx="1">
+              <a:schemeClr val="accent1"/>
+            </a:effectRef>
+            <a:fontRef idx="minor">
+              <a:schemeClr val="tx1"/>
+            </a:fontRef>
+          </p:style>
+        </p:cxnSp>
+        <p:cxnSp>
+          <p:nvCxnSpPr>
+            <p:cNvPr id="101" name="Connecteur droit 100"/>
+            <p:cNvCxnSpPr/>
+            <p:nvPr/>
+          </p:nvCxnSpPr>
+          <p:spPr>
+            <a:xfrm>
+              <a:off x="1818542" y="3246349"/>
+              <a:ext cx="196646" cy="0"/>
+            </a:xfrm>
+            <a:prstGeom prst="line">
+              <a:avLst/>
+            </a:prstGeom>
+            <a:ln w="12700" cmpd="sng">
+              <a:solidFill>
+                <a:srgbClr val="000000"/>
+              </a:solidFill>
+            </a:ln>
+            <a:effectLst/>
+          </p:spPr>
+          <p:style>
+            <a:lnRef idx="2">
+              <a:schemeClr val="accent1"/>
+            </a:lnRef>
+            <a:fillRef idx="0">
+              <a:schemeClr val="accent1"/>
+            </a:fillRef>
+            <a:effectRef idx="1">
+              <a:schemeClr val="accent1"/>
+            </a:effectRef>
+            <a:fontRef idx="minor">
+              <a:schemeClr val="tx1"/>
+            </a:fontRef>
+          </p:style>
+        </p:cxnSp>
+        <p:cxnSp>
+          <p:nvCxnSpPr>
+            <p:cNvPr id="104" name="Connecteur droit 103"/>
+            <p:cNvCxnSpPr/>
+            <p:nvPr/>
+          </p:nvCxnSpPr>
+          <p:spPr>
+            <a:xfrm>
+              <a:off x="1821717" y="3284449"/>
+              <a:ext cx="196646" cy="0"/>
+            </a:xfrm>
+            <a:prstGeom prst="line">
+              <a:avLst/>
+            </a:prstGeom>
+            <a:ln w="12700" cmpd="sng">
+              <a:solidFill>
+                <a:srgbClr val="000000"/>
+              </a:solidFill>
+            </a:ln>
+            <a:effectLst/>
+          </p:spPr>
+          <p:style>
+            <a:lnRef idx="2">
+              <a:schemeClr val="accent1"/>
+            </a:lnRef>
+            <a:fillRef idx="0">
+              <a:schemeClr val="accent1"/>
+            </a:fillRef>
+            <a:effectRef idx="1">
+              <a:schemeClr val="accent1"/>
+            </a:effectRef>
+            <a:fontRef idx="minor">
+              <a:schemeClr val="tx1"/>
+            </a:fontRef>
+          </p:style>
+        </p:cxnSp>
+        <p:cxnSp>
+          <p:nvCxnSpPr>
+            <p:cNvPr id="105" name="Connecteur droit 104"/>
+            <p:cNvCxnSpPr/>
+            <p:nvPr/>
+          </p:nvCxnSpPr>
+          <p:spPr>
+            <a:xfrm>
+              <a:off x="1821717" y="3319266"/>
+              <a:ext cx="196646" cy="0"/>
+            </a:xfrm>
+            <a:prstGeom prst="line">
+              <a:avLst/>
+            </a:prstGeom>
+            <a:ln w="12700" cmpd="sng">
+              <a:solidFill>
+                <a:srgbClr val="000000"/>
+              </a:solidFill>
+            </a:ln>
+            <a:effectLst/>
+          </p:spPr>
+          <p:style>
+            <a:lnRef idx="2">
+              <a:schemeClr val="accent1"/>
+            </a:lnRef>
+            <a:fillRef idx="0">
+              <a:schemeClr val="accent1"/>
+            </a:fillRef>
+            <a:effectRef idx="1">
+              <a:schemeClr val="accent1"/>
+            </a:effectRef>
+            <a:fontRef idx="minor">
+              <a:schemeClr val="tx1"/>
+            </a:fontRef>
+          </p:style>
+        </p:cxnSp>
+        <p:cxnSp>
+          <p:nvCxnSpPr>
+            <p:cNvPr id="106" name="Connecteur droit 105"/>
+            <p:cNvCxnSpPr/>
+            <p:nvPr/>
+          </p:nvCxnSpPr>
+          <p:spPr>
+            <a:xfrm>
+              <a:off x="1821717" y="3354299"/>
+              <a:ext cx="196646" cy="0"/>
+            </a:xfrm>
+            <a:prstGeom prst="line">
+              <a:avLst/>
+            </a:prstGeom>
+            <a:ln w="12700" cmpd="sng">
+              <a:solidFill>
+                <a:srgbClr val="000000"/>
+              </a:solidFill>
+            </a:ln>
+            <a:effectLst/>
+          </p:spPr>
+          <p:style>
+            <a:lnRef idx="2">
+              <a:schemeClr val="accent1"/>
+            </a:lnRef>
+            <a:fillRef idx="0">
+              <a:schemeClr val="accent1"/>
+            </a:fillRef>
+            <a:effectRef idx="1">
+              <a:schemeClr val="accent1"/>
+            </a:effectRef>
+            <a:fontRef idx="minor">
+              <a:schemeClr val="tx1"/>
+            </a:fontRef>
+          </p:style>
+        </p:cxnSp>
+        <p:cxnSp>
+          <p:nvCxnSpPr>
+            <p:cNvPr id="107" name="Connecteur droit 106"/>
+            <p:cNvCxnSpPr/>
+            <p:nvPr/>
+          </p:nvCxnSpPr>
+          <p:spPr>
+            <a:xfrm>
+              <a:off x="1821717" y="3389116"/>
+              <a:ext cx="196646" cy="0"/>
+            </a:xfrm>
+            <a:prstGeom prst="line">
+              <a:avLst/>
+            </a:prstGeom>
+            <a:ln w="12700" cmpd="sng">
+              <a:solidFill>
+                <a:srgbClr val="000000"/>
+              </a:solidFill>
+            </a:ln>
+            <a:effectLst/>
+          </p:spPr>
+          <p:style>
+            <a:lnRef idx="2">
+              <a:schemeClr val="accent1"/>
+            </a:lnRef>
+            <a:fillRef idx="0">
+              <a:schemeClr val="accent1"/>
+            </a:fillRef>
+            <a:effectRef idx="1">
+              <a:schemeClr val="accent1"/>
+            </a:effectRef>
+            <a:fontRef idx="minor">
+              <a:schemeClr val="tx1"/>
+            </a:fontRef>
+          </p:style>
+        </p:cxnSp>
+      </p:grpSp>
+      <p:grpSp>
+        <p:nvGrpSpPr>
+          <p:cNvPr id="143" name="Grouper 142"/>
+          <p:cNvGrpSpPr/>
+          <p:nvPr/>
+        </p:nvGrpSpPr>
+        <p:grpSpPr>
+          <a:xfrm>
+            <a:off x="1960693" y="3304026"/>
+            <a:ext cx="262435" cy="337291"/>
+            <a:chOff x="1960693" y="3338316"/>
+            <a:chExt cx="262435" cy="337291"/>
+          </a:xfrm>
+        </p:grpSpPr>
+        <p:sp>
+          <p:nvSpPr>
+            <p:cNvPr id="108" name="Rogner un rectangle à un seul coin 107"/>
+            <p:cNvSpPr/>
+            <p:nvPr/>
+          </p:nvSpPr>
+          <p:spPr>
+            <a:xfrm>
+              <a:off x="1960693" y="3338316"/>
+              <a:ext cx="262435" cy="337291"/>
+            </a:xfrm>
+            <a:prstGeom prst="snip1Rect">
+              <a:avLst/>
+            </a:prstGeom>
+            <a:solidFill>
+              <a:schemeClr val="accent3">
+                <a:lumMod val="60000"/>
+                <a:lumOff val="40000"/>
+              </a:schemeClr>
+            </a:solidFill>
+            <a:ln w="6350" cmpd="sng">
+              <a:solidFill>
+                <a:schemeClr val="tx1"/>
+              </a:solidFill>
+            </a:ln>
+          </p:spPr>
+          <p:style>
+            <a:lnRef idx="1">
+              <a:schemeClr val="accent1"/>
+            </a:lnRef>
+            <a:fillRef idx="3">
+              <a:schemeClr val="accent1"/>
+            </a:fillRef>
+            <a:effectRef idx="2">
+              <a:schemeClr val="accent1"/>
+            </a:effectRef>
+            <a:fontRef idx="minor">
+              <a:schemeClr val="lt1"/>
+            </a:fontRef>
+          </p:style>
+          <p:txBody>
+            <a:bodyPr rtlCol="0" anchor="ctr"/>
+            <a:lstStyle/>
+            <a:p>
+              <a:pPr algn="ctr"/>
+              <a:endParaRPr lang="fr-FR"/>
+            </a:p>
+          </p:txBody>
+        </p:sp>
+        <p:cxnSp>
+          <p:nvCxnSpPr>
+            <p:cNvPr id="109" name="Connecteur droit 108"/>
+            <p:cNvCxnSpPr/>
+            <p:nvPr/>
+          </p:nvCxnSpPr>
+          <p:spPr>
+            <a:xfrm>
+              <a:off x="1989952" y="3429547"/>
+              <a:ext cx="196646" cy="0"/>
+            </a:xfrm>
+            <a:prstGeom prst="line">
+              <a:avLst/>
+            </a:prstGeom>
+            <a:ln w="12700" cmpd="sng">
+              <a:solidFill>
+                <a:srgbClr val="000000"/>
+              </a:solidFill>
+            </a:ln>
+            <a:effectLst/>
+          </p:spPr>
+          <p:style>
+            <a:lnRef idx="2">
+              <a:schemeClr val="accent1"/>
+            </a:lnRef>
+            <a:fillRef idx="0">
+              <a:schemeClr val="accent1"/>
+            </a:fillRef>
+            <a:effectRef idx="1">
+              <a:schemeClr val="accent1"/>
+            </a:effectRef>
+            <a:fontRef idx="minor">
+              <a:schemeClr val="tx1"/>
+            </a:fontRef>
+          </p:style>
+        </p:cxnSp>
+        <p:cxnSp>
+          <p:nvCxnSpPr>
+            <p:cNvPr id="110" name="Connecteur droit 109"/>
+            <p:cNvCxnSpPr/>
+            <p:nvPr/>
+          </p:nvCxnSpPr>
+          <p:spPr>
+            <a:xfrm>
+              <a:off x="1989952" y="3467131"/>
+              <a:ext cx="196646" cy="0"/>
+            </a:xfrm>
+            <a:prstGeom prst="line">
+              <a:avLst/>
+            </a:prstGeom>
+            <a:ln w="12700" cmpd="sng">
+              <a:solidFill>
+                <a:srgbClr val="000000"/>
+              </a:solidFill>
+            </a:ln>
+            <a:effectLst/>
+          </p:spPr>
+          <p:style>
+            <a:lnRef idx="2">
+              <a:schemeClr val="accent1"/>
+            </a:lnRef>
+            <a:fillRef idx="0">
+              <a:schemeClr val="accent1"/>
+            </a:fillRef>
+            <a:effectRef idx="1">
+              <a:schemeClr val="accent1"/>
+            </a:effectRef>
+            <a:fontRef idx="minor">
+              <a:schemeClr val="tx1"/>
+            </a:fontRef>
+          </p:style>
+        </p:cxnSp>
+        <p:cxnSp>
+          <p:nvCxnSpPr>
+            <p:cNvPr id="111" name="Connecteur droit 110"/>
+            <p:cNvCxnSpPr/>
+            <p:nvPr/>
+          </p:nvCxnSpPr>
+          <p:spPr>
+            <a:xfrm>
+              <a:off x="1993127" y="3505231"/>
+              <a:ext cx="196646" cy="0"/>
+            </a:xfrm>
+            <a:prstGeom prst="line">
+              <a:avLst/>
+            </a:prstGeom>
+            <a:ln w="12700" cmpd="sng">
+              <a:solidFill>
+                <a:srgbClr val="000000"/>
+              </a:solidFill>
+            </a:ln>
+            <a:effectLst/>
+          </p:spPr>
+          <p:style>
+            <a:lnRef idx="2">
+              <a:schemeClr val="accent1"/>
+            </a:lnRef>
+            <a:fillRef idx="0">
+              <a:schemeClr val="accent1"/>
+            </a:fillRef>
+            <a:effectRef idx="1">
+              <a:schemeClr val="accent1"/>
+            </a:effectRef>
+            <a:fontRef idx="minor">
+              <a:schemeClr val="tx1"/>
+            </a:fontRef>
+          </p:style>
+        </p:cxnSp>
+        <p:cxnSp>
+          <p:nvCxnSpPr>
+            <p:cNvPr id="112" name="Connecteur droit 111"/>
+            <p:cNvCxnSpPr/>
+            <p:nvPr/>
+          </p:nvCxnSpPr>
+          <p:spPr>
+            <a:xfrm>
+              <a:off x="1993127" y="3540048"/>
+              <a:ext cx="196646" cy="0"/>
+            </a:xfrm>
+            <a:prstGeom prst="line">
+              <a:avLst/>
+            </a:prstGeom>
+            <a:ln w="12700" cmpd="sng">
+              <a:solidFill>
+                <a:srgbClr val="000000"/>
+              </a:solidFill>
+            </a:ln>
+            <a:effectLst/>
+          </p:spPr>
+          <p:style>
+            <a:lnRef idx="2">
+              <a:schemeClr val="accent1"/>
+            </a:lnRef>
+            <a:fillRef idx="0">
+              <a:schemeClr val="accent1"/>
+            </a:fillRef>
+            <a:effectRef idx="1">
+              <a:schemeClr val="accent1"/>
+            </a:effectRef>
+            <a:fontRef idx="minor">
+              <a:schemeClr val="tx1"/>
+            </a:fontRef>
+          </p:style>
+        </p:cxnSp>
+        <p:cxnSp>
+          <p:nvCxnSpPr>
+            <p:cNvPr id="113" name="Connecteur droit 112"/>
+            <p:cNvCxnSpPr/>
+            <p:nvPr/>
+          </p:nvCxnSpPr>
+          <p:spPr>
+            <a:xfrm>
+              <a:off x="1993127" y="3575081"/>
+              <a:ext cx="196646" cy="0"/>
+            </a:xfrm>
+            <a:prstGeom prst="line">
+              <a:avLst/>
+            </a:prstGeom>
+            <a:ln w="12700" cmpd="sng">
+              <a:solidFill>
+                <a:srgbClr val="000000"/>
+              </a:solidFill>
+            </a:ln>
+            <a:effectLst/>
+          </p:spPr>
+          <p:style>
+            <a:lnRef idx="2">
+              <a:schemeClr val="accent1"/>
+            </a:lnRef>
+            <a:fillRef idx="0">
+              <a:schemeClr val="accent1"/>
+            </a:fillRef>
+            <a:effectRef idx="1">
+              <a:schemeClr val="accent1"/>
+            </a:effectRef>
+            <a:fontRef idx="minor">
+              <a:schemeClr val="tx1"/>
+            </a:fontRef>
+          </p:style>
+        </p:cxnSp>
+        <p:cxnSp>
+          <p:nvCxnSpPr>
+            <p:cNvPr id="114" name="Connecteur droit 113"/>
+            <p:cNvCxnSpPr/>
+            <p:nvPr/>
+          </p:nvCxnSpPr>
+          <p:spPr>
+            <a:xfrm>
+              <a:off x="1993127" y="3609898"/>
+              <a:ext cx="196646" cy="0"/>
+            </a:xfrm>
+            <a:prstGeom prst="line">
+              <a:avLst/>
+            </a:prstGeom>
+            <a:ln w="12700" cmpd="sng">
+              <a:solidFill>
+                <a:srgbClr val="000000"/>
+              </a:solidFill>
+            </a:ln>
+            <a:effectLst/>
+          </p:spPr>
+          <p:style>
+            <a:lnRef idx="2">
+              <a:schemeClr val="accent1"/>
+            </a:lnRef>
+            <a:fillRef idx="0">
+              <a:schemeClr val="accent1"/>
+            </a:fillRef>
+            <a:effectRef idx="1">
+              <a:schemeClr val="accent1"/>
+            </a:effectRef>
+            <a:fontRef idx="minor">
+              <a:schemeClr val="tx1"/>
+            </a:fontRef>
+          </p:style>
+        </p:cxnSp>
+      </p:grpSp>
+      <p:grpSp>
+        <p:nvGrpSpPr>
+          <p:cNvPr id="141" name="Grouper 140"/>
+          <p:cNvGrpSpPr/>
+          <p:nvPr/>
+        </p:nvGrpSpPr>
+        <p:grpSpPr>
+          <a:xfrm>
+            <a:off x="2088774" y="3019391"/>
+            <a:ext cx="262435" cy="337291"/>
+            <a:chOff x="2088774" y="3053681"/>
+            <a:chExt cx="262435" cy="337291"/>
+          </a:xfrm>
+        </p:grpSpPr>
+        <p:sp>
+          <p:nvSpPr>
+            <p:cNvPr id="115" name="Rogner un rectangle à un seul coin 114"/>
+            <p:cNvSpPr/>
+            <p:nvPr/>
+          </p:nvSpPr>
+          <p:spPr>
+            <a:xfrm>
+              <a:off x="2088774" y="3053681"/>
+              <a:ext cx="262435" cy="337291"/>
+            </a:xfrm>
+            <a:prstGeom prst="snip1Rect">
+              <a:avLst/>
+            </a:prstGeom>
+            <a:solidFill>
+              <a:schemeClr val="tx2">
+                <a:lumMod val="60000"/>
+                <a:lumOff val="40000"/>
+              </a:schemeClr>
+            </a:solidFill>
+            <a:ln w="6350" cmpd="sng">
+              <a:solidFill>
+                <a:schemeClr val="tx1"/>
+              </a:solidFill>
+            </a:ln>
+          </p:spPr>
+          <p:style>
+            <a:lnRef idx="1">
+              <a:schemeClr val="accent1"/>
+            </a:lnRef>
+            <a:fillRef idx="3">
+              <a:schemeClr val="accent1"/>
+            </a:fillRef>
+            <a:effectRef idx="2">
+              <a:schemeClr val="accent1"/>
+            </a:effectRef>
+            <a:fontRef idx="minor">
+              <a:schemeClr val="lt1"/>
+            </a:fontRef>
+          </p:style>
+          <p:txBody>
+            <a:bodyPr rtlCol="0" anchor="ctr"/>
+            <a:lstStyle/>
+            <a:p>
+              <a:pPr algn="ctr"/>
+              <a:endParaRPr lang="fr-FR"/>
+            </a:p>
+          </p:txBody>
+        </p:sp>
+        <p:cxnSp>
+          <p:nvCxnSpPr>
+            <p:cNvPr id="116" name="Connecteur droit 115"/>
+            <p:cNvCxnSpPr/>
+            <p:nvPr/>
+          </p:nvCxnSpPr>
+          <p:spPr>
+            <a:xfrm>
+              <a:off x="2118033" y="3144912"/>
+              <a:ext cx="196646" cy="0"/>
+            </a:xfrm>
+            <a:prstGeom prst="line">
+              <a:avLst/>
+            </a:prstGeom>
+            <a:ln w="12700" cmpd="sng">
+              <a:solidFill>
+                <a:srgbClr val="000000"/>
+              </a:solidFill>
+            </a:ln>
+            <a:effectLst/>
+          </p:spPr>
+          <p:style>
+            <a:lnRef idx="2">
+              <a:schemeClr val="accent1"/>
+            </a:lnRef>
+            <a:fillRef idx="0">
+              <a:schemeClr val="accent1"/>
+            </a:fillRef>
+            <a:effectRef idx="1">
+              <a:schemeClr val="accent1"/>
+            </a:effectRef>
+            <a:fontRef idx="minor">
+              <a:schemeClr val="tx1"/>
+            </a:fontRef>
+          </p:style>
+        </p:cxnSp>
+        <p:cxnSp>
+          <p:nvCxnSpPr>
+            <p:cNvPr id="117" name="Connecteur droit 116"/>
+            <p:cNvCxnSpPr/>
+            <p:nvPr/>
+          </p:nvCxnSpPr>
+          <p:spPr>
+            <a:xfrm>
+              <a:off x="2118033" y="3182496"/>
+              <a:ext cx="196646" cy="0"/>
+            </a:xfrm>
+            <a:prstGeom prst="line">
+              <a:avLst/>
+            </a:prstGeom>
+            <a:ln w="12700" cmpd="sng">
+              <a:solidFill>
+                <a:srgbClr val="000000"/>
+              </a:solidFill>
+            </a:ln>
+            <a:effectLst/>
+          </p:spPr>
+          <p:style>
+            <a:lnRef idx="2">
+              <a:schemeClr val="accent1"/>
+            </a:lnRef>
+            <a:fillRef idx="0">
+              <a:schemeClr val="accent1"/>
+            </a:fillRef>
+            <a:effectRef idx="1">
+              <a:schemeClr val="accent1"/>
+            </a:effectRef>
+            <a:fontRef idx="minor">
+              <a:schemeClr val="tx1"/>
+            </a:fontRef>
+          </p:style>
+        </p:cxnSp>
+        <p:cxnSp>
+          <p:nvCxnSpPr>
+            <p:cNvPr id="118" name="Connecteur droit 117"/>
+            <p:cNvCxnSpPr/>
+            <p:nvPr/>
+          </p:nvCxnSpPr>
+          <p:spPr>
+            <a:xfrm>
+              <a:off x="2121208" y="3220596"/>
+              <a:ext cx="196646" cy="0"/>
+            </a:xfrm>
+            <a:prstGeom prst="line">
+              <a:avLst/>
+            </a:prstGeom>
+            <a:ln w="12700" cmpd="sng">
+              <a:solidFill>
+                <a:srgbClr val="000000"/>
+              </a:solidFill>
+            </a:ln>
+            <a:effectLst/>
+          </p:spPr>
+          <p:style>
+            <a:lnRef idx="2">
+              <a:schemeClr val="accent1"/>
+            </a:lnRef>
+            <a:fillRef idx="0">
+              <a:schemeClr val="accent1"/>
+            </a:fillRef>
+            <a:effectRef idx="1">
+              <a:schemeClr val="accent1"/>
+            </a:effectRef>
+            <a:fontRef idx="minor">
+              <a:schemeClr val="tx1"/>
+            </a:fontRef>
+          </p:style>
+        </p:cxnSp>
+        <p:cxnSp>
+          <p:nvCxnSpPr>
+            <p:cNvPr id="119" name="Connecteur droit 118"/>
+            <p:cNvCxnSpPr/>
+            <p:nvPr/>
+          </p:nvCxnSpPr>
+          <p:spPr>
+            <a:xfrm>
+              <a:off x="2121208" y="3255413"/>
+              <a:ext cx="196646" cy="0"/>
+            </a:xfrm>
+            <a:prstGeom prst="line">
+              <a:avLst/>
+            </a:prstGeom>
+            <a:ln w="12700" cmpd="sng">
+              <a:solidFill>
+                <a:srgbClr val="000000"/>
+              </a:solidFill>
+            </a:ln>
+            <a:effectLst/>
+          </p:spPr>
+          <p:style>
+            <a:lnRef idx="2">
+              <a:schemeClr val="accent1"/>
+            </a:lnRef>
+            <a:fillRef idx="0">
+              <a:schemeClr val="accent1"/>
+            </a:fillRef>
+            <a:effectRef idx="1">
+              <a:schemeClr val="accent1"/>
+            </a:effectRef>
+            <a:fontRef idx="minor">
+              <a:schemeClr val="tx1"/>
+            </a:fontRef>
+          </p:style>
+        </p:cxnSp>
+        <p:cxnSp>
+          <p:nvCxnSpPr>
+            <p:cNvPr id="120" name="Connecteur droit 119"/>
+            <p:cNvCxnSpPr/>
+            <p:nvPr/>
+          </p:nvCxnSpPr>
+          <p:spPr>
+            <a:xfrm>
+              <a:off x="2121208" y="3290446"/>
+              <a:ext cx="196646" cy="0"/>
+            </a:xfrm>
+            <a:prstGeom prst="line">
+              <a:avLst/>
+            </a:prstGeom>
+            <a:ln w="12700" cmpd="sng">
+              <a:solidFill>
+                <a:srgbClr val="000000"/>
+              </a:solidFill>
+            </a:ln>
+            <a:effectLst/>
+          </p:spPr>
+          <p:style>
+            <a:lnRef idx="2">
+              <a:schemeClr val="accent1"/>
+            </a:lnRef>
+            <a:fillRef idx="0">
+              <a:schemeClr val="accent1"/>
+            </a:fillRef>
+            <a:effectRef idx="1">
+              <a:schemeClr val="accent1"/>
+            </a:effectRef>
+            <a:fontRef idx="minor">
+              <a:schemeClr val="tx1"/>
+            </a:fontRef>
+          </p:style>
+        </p:cxnSp>
+        <p:cxnSp>
+          <p:nvCxnSpPr>
+            <p:cNvPr id="121" name="Connecteur droit 120"/>
+            <p:cNvCxnSpPr/>
+            <p:nvPr/>
+          </p:nvCxnSpPr>
+          <p:spPr>
+            <a:xfrm>
+              <a:off x="2121208" y="3325263"/>
+              <a:ext cx="196646" cy="0"/>
+            </a:xfrm>
+            <a:prstGeom prst="line">
+              <a:avLst/>
+            </a:prstGeom>
+            <a:ln w="12700" cmpd="sng">
+              <a:solidFill>
+                <a:srgbClr val="000000"/>
+              </a:solidFill>
+            </a:ln>
+            <a:effectLst/>
+          </p:spPr>
+          <p:style>
+            <a:lnRef idx="2">
+              <a:schemeClr val="accent1"/>
+            </a:lnRef>
+            <a:fillRef idx="0">
+              <a:schemeClr val="accent1"/>
+            </a:fillRef>
+            <a:effectRef idx="1">
+              <a:schemeClr val="accent1"/>
+            </a:effectRef>
+            <a:fontRef idx="minor">
+              <a:schemeClr val="tx1"/>
+            </a:fontRef>
+          </p:style>
+        </p:cxnSp>
+      </p:grpSp>
+      <p:grpSp>
+        <p:nvGrpSpPr>
+          <p:cNvPr id="85" name="Grouper 84"/>
+          <p:cNvGrpSpPr/>
+          <p:nvPr/>
+        </p:nvGrpSpPr>
+        <p:grpSpPr>
+          <a:xfrm>
+            <a:off x="2319689" y="1460191"/>
+            <a:ext cx="217904" cy="125696"/>
+            <a:chOff x="2306249" y="1460191"/>
+            <a:chExt cx="217904" cy="125696"/>
+          </a:xfrm>
+        </p:grpSpPr>
+        <p:sp>
+          <p:nvSpPr>
+            <p:cNvPr id="8" name="Rectangle 7"/>
+            <p:cNvSpPr/>
+            <p:nvPr/>
+          </p:nvSpPr>
+          <p:spPr>
+            <a:xfrm rot="21088048">
+              <a:off x="2306249" y="1460191"/>
+              <a:ext cx="166581" cy="125696"/>
+            </a:xfrm>
+            <a:prstGeom prst="rect">
+              <a:avLst/>
+            </a:prstGeom>
+            <a:solidFill>
+              <a:srgbClr val="FFFFFF"/>
+            </a:solidFill>
+            <a:ln w="9525" cmpd="sng">
+              <a:solidFill>
+                <a:srgbClr val="000000"/>
+              </a:solidFill>
+            </a:ln>
+          </p:spPr>
+          <p:style>
+            <a:lnRef idx="1">
+              <a:schemeClr val="accent1"/>
+            </a:lnRef>
+            <a:fillRef idx="3">
+              <a:schemeClr val="accent1"/>
+            </a:fillRef>
+            <a:effectRef idx="2">
+              <a:schemeClr val="accent1"/>
+            </a:effectRef>
+            <a:fontRef idx="minor">
+              <a:schemeClr val="lt1"/>
+            </a:fontRef>
+          </p:style>
+          <p:txBody>
+            <a:bodyPr rtlCol="0" anchor="ctr"/>
+            <a:lstStyle/>
+            <a:p>
+              <a:pPr algn="ctr"/>
+              <a:endParaRPr lang="fr-FR"/>
+            </a:p>
+          </p:txBody>
+        </p:sp>
+        <p:cxnSp>
+          <p:nvCxnSpPr>
+            <p:cNvPr id="12" name="Connecteur droit 11"/>
+            <p:cNvCxnSpPr/>
+            <p:nvPr/>
+          </p:nvCxnSpPr>
+          <p:spPr>
+            <a:xfrm flipV="1">
+              <a:off x="2423135" y="1481011"/>
+              <a:ext cx="101018" cy="15736"/>
+            </a:xfrm>
+            <a:prstGeom prst="line">
+              <a:avLst/>
+            </a:prstGeom>
+            <a:ln w="9525" cmpd="sng">
+              <a:solidFill>
+                <a:srgbClr val="000000"/>
+              </a:solidFill>
+            </a:ln>
+          </p:spPr>
+          <p:style>
+            <a:lnRef idx="2">
+              <a:schemeClr val="accent1"/>
+            </a:lnRef>
+            <a:fillRef idx="0">
+              <a:schemeClr val="accent1"/>
+            </a:fillRef>
+            <a:effectRef idx="1">
+              <a:schemeClr val="accent1"/>
+            </a:effectRef>
+            <a:fontRef idx="minor">
+              <a:schemeClr val="tx1"/>
+            </a:fontRef>
+          </p:style>
+        </p:cxnSp>
+        <p:cxnSp>
+          <p:nvCxnSpPr>
+            <p:cNvPr id="13" name="Connecteur droit 12"/>
+            <p:cNvCxnSpPr/>
+            <p:nvPr/>
+          </p:nvCxnSpPr>
+          <p:spPr>
+            <a:xfrm flipV="1">
+              <a:off x="2409152" y="1483450"/>
+              <a:ext cx="101018" cy="15736"/>
+            </a:xfrm>
+            <a:prstGeom prst="line">
+              <a:avLst/>
+            </a:prstGeom>
+            <a:ln w="9525" cmpd="sng">
+              <a:solidFill>
+                <a:srgbClr val="000000"/>
+              </a:solidFill>
+            </a:ln>
+          </p:spPr>
+          <p:style>
+            <a:lnRef idx="2">
+              <a:schemeClr val="accent1"/>
+            </a:lnRef>
+            <a:fillRef idx="0">
+              <a:schemeClr val="accent1"/>
+            </a:fillRef>
+            <a:effectRef idx="1">
+              <a:schemeClr val="accent1"/>
+            </a:effectRef>
+            <a:fontRef idx="minor">
+              <a:schemeClr val="tx1"/>
+            </a:fontRef>
+          </p:style>
+        </p:cxnSp>
+        <p:cxnSp>
+          <p:nvCxnSpPr>
+            <p:cNvPr id="123" name="Connecteur droit 122"/>
+            <p:cNvCxnSpPr/>
+            <p:nvPr/>
+          </p:nvCxnSpPr>
+          <p:spPr>
+            <a:xfrm flipV="1">
+              <a:off x="2418960" y="1502170"/>
+              <a:ext cx="101018" cy="15736"/>
+            </a:xfrm>
+            <a:prstGeom prst="line">
+              <a:avLst/>
+            </a:prstGeom>
+            <a:ln w="9525" cmpd="sng">
+              <a:solidFill>
+                <a:srgbClr val="000000"/>
+              </a:solidFill>
+            </a:ln>
+          </p:spPr>
+          <p:style>
+            <a:lnRef idx="2">
+              <a:schemeClr val="accent1"/>
+            </a:lnRef>
+            <a:fillRef idx="0">
+              <a:schemeClr val="accent1"/>
+            </a:fillRef>
+            <a:effectRef idx="1">
+              <a:schemeClr val="accent1"/>
+            </a:effectRef>
+            <a:fontRef idx="minor">
+              <a:schemeClr val="tx1"/>
+            </a:fontRef>
+          </p:style>
+        </p:cxnSp>
+      </p:grpSp>
+      <p:cxnSp>
+        <p:nvCxnSpPr>
+          <p:cNvPr id="124" name="Connecteur droit 123"/>
+          <p:cNvCxnSpPr>
+            <a:stCxn id="51" idx="0"/>
+            <a:endCxn id="9" idx="2"/>
+          </p:cNvCxnSpPr>
+          <p:nvPr/>
+        </p:nvCxnSpPr>
+        <p:spPr>
+          <a:xfrm flipH="1" flipV="1">
+            <a:off x="1750067" y="1585193"/>
+            <a:ext cx="196" cy="199546"/>
+          </a:xfrm>
+          <a:prstGeom prst="line">
+            <a:avLst/>
+          </a:prstGeom>
+          <a:ln w="9525" cmpd="sng">
+            <a:solidFill>
+              <a:srgbClr val="000000"/>
+            </a:solidFill>
+            <a:tailEnd type="stealth" w="sm" len="sm"/>
+          </a:ln>
+        </p:spPr>
+        <p:style>
+          <a:lnRef idx="2">
+            <a:schemeClr val="accent1"/>
+          </a:lnRef>
+          <a:fillRef idx="0">
+            <a:schemeClr val="accent1"/>
+          </a:fillRef>
+          <a:effectRef idx="1">
+            <a:schemeClr val="accent1"/>
+          </a:effectRef>
+          <a:fontRef idx="minor">
+            <a:schemeClr val="tx1"/>
+          </a:fontRef>
+        </p:style>
+      </p:cxnSp>
+      <p:cxnSp>
+        <p:nvCxnSpPr>
+          <p:cNvPr id="125" name="Connecteur droit 124"/>
+          <p:cNvCxnSpPr/>
+          <p:nvPr/>
+        </p:nvCxnSpPr>
+        <p:spPr>
+          <a:xfrm>
+            <a:off x="1825799" y="1536754"/>
+            <a:ext cx="167328" cy="0"/>
+          </a:xfrm>
+          <a:prstGeom prst="line">
+            <a:avLst/>
+          </a:prstGeom>
+          <a:ln w="9525" cmpd="sng">
+            <a:solidFill>
+              <a:srgbClr val="000000"/>
+            </a:solidFill>
+            <a:tailEnd type="stealth" w="sm" len="sm"/>
+          </a:ln>
+        </p:spPr>
+        <p:style>
+          <a:lnRef idx="2">
+            <a:schemeClr val="accent1"/>
+          </a:lnRef>
+          <a:fillRef idx="0">
+            <a:schemeClr val="accent1"/>
+          </a:fillRef>
+          <a:effectRef idx="1">
+            <a:schemeClr val="accent1"/>
+          </a:effectRef>
+          <a:fontRef idx="minor">
+            <a:schemeClr val="tx1"/>
+          </a:fontRef>
+        </p:style>
+      </p:cxnSp>
+      <p:cxnSp>
+        <p:nvCxnSpPr>
+          <p:cNvPr id="126" name="Connecteur droit 125"/>
+          <p:cNvCxnSpPr/>
+          <p:nvPr/>
+        </p:nvCxnSpPr>
+        <p:spPr>
+          <a:xfrm>
+            <a:off x="2153886" y="1547996"/>
+            <a:ext cx="167328" cy="0"/>
+          </a:xfrm>
+          <a:prstGeom prst="line">
+            <a:avLst/>
+          </a:prstGeom>
+          <a:ln w="9525" cmpd="sng">
+            <a:solidFill>
+              <a:srgbClr val="000000"/>
+            </a:solidFill>
+            <a:tailEnd type="stealth" w="sm" len="sm"/>
+          </a:ln>
+        </p:spPr>
+        <p:style>
+          <a:lnRef idx="2">
+            <a:schemeClr val="accent1"/>
+          </a:lnRef>
+          <a:fillRef idx="0">
+            <a:schemeClr val="accent1"/>
+          </a:fillRef>
+          <a:effectRef idx="1">
+            <a:schemeClr val="accent1"/>
+          </a:effectRef>
+          <a:fontRef idx="minor">
+            <a:schemeClr val="tx1"/>
+          </a:fontRef>
+        </p:style>
+      </p:cxnSp>
+      <p:cxnSp>
+        <p:nvCxnSpPr>
+          <p:cNvPr id="128" name="Connecteur droit 127"/>
+          <p:cNvCxnSpPr>
+            <a:stCxn id="7" idx="2"/>
+            <a:endCxn id="49" idx="0"/>
+          </p:cNvCxnSpPr>
+          <p:nvPr/>
+        </p:nvCxnSpPr>
+        <p:spPr>
+          <a:xfrm>
+            <a:off x="2077009" y="1581812"/>
+            <a:ext cx="340" cy="196186"/>
+          </a:xfrm>
+          <a:prstGeom prst="line">
+            <a:avLst/>
+          </a:prstGeom>
+          <a:ln w="9525" cmpd="sng">
+            <a:solidFill>
+              <a:srgbClr val="000000"/>
+            </a:solidFill>
+            <a:tailEnd type="stealth" w="sm" len="sm"/>
+          </a:ln>
+        </p:spPr>
+        <p:style>
+          <a:lnRef idx="2">
+            <a:schemeClr val="accent1"/>
+          </a:lnRef>
+          <a:fillRef idx="0">
+            <a:schemeClr val="accent1"/>
+          </a:fillRef>
+          <a:effectRef idx="1">
+            <a:schemeClr val="accent1"/>
+          </a:effectRef>
+          <a:fontRef idx="minor">
+            <a:schemeClr val="tx1"/>
+          </a:fontRef>
+        </p:style>
+      </p:cxnSp>
+      <p:cxnSp>
+        <p:nvCxnSpPr>
+          <p:cNvPr id="133" name="Connecteur droit 132"/>
+          <p:cNvCxnSpPr/>
+          <p:nvPr/>
+        </p:nvCxnSpPr>
+        <p:spPr>
+          <a:xfrm>
+            <a:off x="2176612" y="1858805"/>
+            <a:ext cx="167328" cy="0"/>
+          </a:xfrm>
+          <a:prstGeom prst="line">
+            <a:avLst/>
+          </a:prstGeom>
+          <a:ln w="9525" cmpd="sng">
+            <a:solidFill>
+              <a:srgbClr val="000000"/>
+            </a:solidFill>
+            <a:tailEnd type="stealth" w="sm" len="sm"/>
+          </a:ln>
+        </p:spPr>
+        <p:style>
+          <a:lnRef idx="2">
+            <a:schemeClr val="accent1"/>
+          </a:lnRef>
+          <a:fillRef idx="0">
+            <a:schemeClr val="accent1"/>
+          </a:fillRef>
+          <a:effectRef idx="1">
+            <a:schemeClr val="accent1"/>
+          </a:effectRef>
+          <a:fontRef idx="minor">
+            <a:schemeClr val="tx1"/>
+          </a:fontRef>
+        </p:style>
+      </p:cxnSp>
+      <p:cxnSp>
+        <p:nvCxnSpPr>
+          <p:cNvPr id="135" name="Connecteur droit 134"/>
+          <p:cNvCxnSpPr>
+            <a:stCxn id="8" idx="2"/>
+            <a:endCxn id="50" idx="0"/>
+          </p:cNvCxnSpPr>
+          <p:nvPr/>
+        </p:nvCxnSpPr>
+        <p:spPr>
+          <a:xfrm>
+            <a:off x="2412305" y="1585191"/>
+            <a:ext cx="3700" cy="199546"/>
+          </a:xfrm>
+          <a:prstGeom prst="line">
+            <a:avLst/>
+          </a:prstGeom>
+          <a:ln w="9525" cmpd="sng">
+            <a:solidFill>
+              <a:srgbClr val="000000"/>
+            </a:solidFill>
+            <a:tailEnd type="stealth" w="sm" len="sm"/>
+          </a:ln>
+        </p:spPr>
+        <p:style>
+          <a:lnRef idx="2">
+            <a:schemeClr val="accent1"/>
+          </a:lnRef>
+          <a:fillRef idx="0">
+            <a:schemeClr val="accent1"/>
+          </a:fillRef>
+          <a:effectRef idx="1">
+            <a:schemeClr val="accent1"/>
+          </a:effectRef>
+          <a:fontRef idx="minor">
+            <a:schemeClr val="tx1"/>
+          </a:fontRef>
+        </p:style>
+      </p:cxnSp>
+      <p:grpSp>
+        <p:nvGrpSpPr>
+          <p:cNvPr id="144" name="Grouper 143"/>
+          <p:cNvGrpSpPr/>
+          <p:nvPr/>
+        </p:nvGrpSpPr>
+        <p:grpSpPr>
+          <a:xfrm>
+            <a:off x="6339874" y="2930410"/>
+            <a:ext cx="262435" cy="337291"/>
+            <a:chOff x="1960693" y="3338316"/>
+            <a:chExt cx="262435" cy="337291"/>
+          </a:xfrm>
+        </p:grpSpPr>
+        <p:sp>
+          <p:nvSpPr>
+            <p:cNvPr id="145" name="Rogner un rectangle à un seul coin 144"/>
+            <p:cNvSpPr/>
+            <p:nvPr/>
+          </p:nvSpPr>
+          <p:spPr>
+            <a:xfrm>
+              <a:off x="1960693" y="3338316"/>
+              <a:ext cx="262435" cy="337291"/>
+            </a:xfrm>
+            <a:prstGeom prst="snip1Rect">
+              <a:avLst/>
+            </a:prstGeom>
+            <a:solidFill>
+              <a:schemeClr val="accent3">
+                <a:lumMod val="60000"/>
+                <a:lumOff val="40000"/>
+              </a:schemeClr>
+            </a:solidFill>
+            <a:ln w="6350" cmpd="sng">
+              <a:solidFill>
+                <a:schemeClr val="tx1"/>
+              </a:solidFill>
+            </a:ln>
+          </p:spPr>
+          <p:style>
+            <a:lnRef idx="1">
+              <a:schemeClr val="accent1"/>
+            </a:lnRef>
+            <a:fillRef idx="3">
+              <a:schemeClr val="accent1"/>
+            </a:fillRef>
+            <a:effectRef idx="2">
+              <a:schemeClr val="accent1"/>
+            </a:effectRef>
+            <a:fontRef idx="minor">
+              <a:schemeClr val="lt1"/>
+            </a:fontRef>
+          </p:style>
+          <p:txBody>
+            <a:bodyPr rtlCol="0" anchor="ctr"/>
+            <a:lstStyle/>
+            <a:p>
+              <a:pPr algn="ctr"/>
+              <a:endParaRPr lang="fr-FR"/>
+            </a:p>
+          </p:txBody>
+        </p:sp>
+        <p:cxnSp>
+          <p:nvCxnSpPr>
+            <p:cNvPr id="146" name="Connecteur droit 145"/>
+            <p:cNvCxnSpPr/>
+            <p:nvPr/>
+          </p:nvCxnSpPr>
+          <p:spPr>
+            <a:xfrm>
+              <a:off x="1989952" y="3429547"/>
+              <a:ext cx="196646" cy="0"/>
+            </a:xfrm>
+            <a:prstGeom prst="line">
+              <a:avLst/>
+            </a:prstGeom>
+            <a:ln w="12700" cmpd="sng">
+              <a:solidFill>
+                <a:srgbClr val="000000"/>
+              </a:solidFill>
+            </a:ln>
+            <a:effectLst/>
+          </p:spPr>
+          <p:style>
+            <a:lnRef idx="2">
+              <a:schemeClr val="accent1"/>
+            </a:lnRef>
+            <a:fillRef idx="0">
+              <a:schemeClr val="accent1"/>
+            </a:fillRef>
+            <a:effectRef idx="1">
+              <a:schemeClr val="accent1"/>
+            </a:effectRef>
+            <a:fontRef idx="minor">
+              <a:schemeClr val="tx1"/>
+            </a:fontRef>
+          </p:style>
+        </p:cxnSp>
+        <p:cxnSp>
+          <p:nvCxnSpPr>
+            <p:cNvPr id="147" name="Connecteur droit 146"/>
+            <p:cNvCxnSpPr/>
+            <p:nvPr/>
+          </p:nvCxnSpPr>
+          <p:spPr>
+            <a:xfrm>
+              <a:off x="1989952" y="3467131"/>
+              <a:ext cx="196646" cy="0"/>
+            </a:xfrm>
+            <a:prstGeom prst="line">
+              <a:avLst/>
+            </a:prstGeom>
+            <a:ln w="12700" cmpd="sng">
+              <a:solidFill>
+                <a:srgbClr val="000000"/>
+              </a:solidFill>
+            </a:ln>
+            <a:effectLst/>
+          </p:spPr>
+          <p:style>
+            <a:lnRef idx="2">
+              <a:schemeClr val="accent1"/>
+            </a:lnRef>
+            <a:fillRef idx="0">
+              <a:schemeClr val="accent1"/>
+            </a:fillRef>
+            <a:effectRef idx="1">
+              <a:schemeClr val="accent1"/>
+            </a:effectRef>
+            <a:fontRef idx="minor">
+              <a:schemeClr val="tx1"/>
+            </a:fontRef>
+          </p:style>
+        </p:cxnSp>
+        <p:cxnSp>
+          <p:nvCxnSpPr>
+            <p:cNvPr id="148" name="Connecteur droit 147"/>
+            <p:cNvCxnSpPr/>
+            <p:nvPr/>
+          </p:nvCxnSpPr>
+          <p:spPr>
+            <a:xfrm>
+              <a:off x="1993127" y="3505231"/>
+              <a:ext cx="196646" cy="0"/>
+            </a:xfrm>
+            <a:prstGeom prst="line">
+              <a:avLst/>
+            </a:prstGeom>
+            <a:ln w="12700" cmpd="sng">
+              <a:solidFill>
+                <a:srgbClr val="000000"/>
+              </a:solidFill>
+            </a:ln>
+            <a:effectLst/>
+          </p:spPr>
+          <p:style>
+            <a:lnRef idx="2">
+              <a:schemeClr val="accent1"/>
+            </a:lnRef>
+            <a:fillRef idx="0">
+              <a:schemeClr val="accent1"/>
+            </a:fillRef>
+            <a:effectRef idx="1">
+              <a:schemeClr val="accent1"/>
+            </a:effectRef>
+            <a:fontRef idx="minor">
+              <a:schemeClr val="tx1"/>
+            </a:fontRef>
+          </p:style>
+        </p:cxnSp>
+        <p:cxnSp>
+          <p:nvCxnSpPr>
+            <p:cNvPr id="149" name="Connecteur droit 148"/>
+            <p:cNvCxnSpPr/>
+            <p:nvPr/>
+          </p:nvCxnSpPr>
+          <p:spPr>
+            <a:xfrm>
+              <a:off x="1993127" y="3540048"/>
+              <a:ext cx="196646" cy="0"/>
+            </a:xfrm>
+            <a:prstGeom prst="line">
+              <a:avLst/>
+            </a:prstGeom>
+            <a:ln w="12700" cmpd="sng">
+              <a:solidFill>
+                <a:srgbClr val="000000"/>
+              </a:solidFill>
+            </a:ln>
+            <a:effectLst/>
+          </p:spPr>
+          <p:style>
+            <a:lnRef idx="2">
+              <a:schemeClr val="accent1"/>
+            </a:lnRef>
+            <a:fillRef idx="0">
+              <a:schemeClr val="accent1"/>
+            </a:fillRef>
+            <a:effectRef idx="1">
+              <a:schemeClr val="accent1"/>
+            </a:effectRef>
+            <a:fontRef idx="minor">
+              <a:schemeClr val="tx1"/>
+            </a:fontRef>
+          </p:style>
+        </p:cxnSp>
+        <p:cxnSp>
+          <p:nvCxnSpPr>
+            <p:cNvPr id="150" name="Connecteur droit 149"/>
+            <p:cNvCxnSpPr/>
+            <p:nvPr/>
+          </p:nvCxnSpPr>
+          <p:spPr>
+            <a:xfrm>
+              <a:off x="1993127" y="3575081"/>
+              <a:ext cx="196646" cy="0"/>
+            </a:xfrm>
+            <a:prstGeom prst="line">
+              <a:avLst/>
+            </a:prstGeom>
+            <a:ln w="12700" cmpd="sng">
+              <a:solidFill>
+                <a:srgbClr val="000000"/>
+              </a:solidFill>
+            </a:ln>
+            <a:effectLst/>
+          </p:spPr>
+          <p:style>
+            <a:lnRef idx="2">
+              <a:schemeClr val="accent1"/>
+            </a:lnRef>
+            <a:fillRef idx="0">
+              <a:schemeClr val="accent1"/>
+            </a:fillRef>
+            <a:effectRef idx="1">
+              <a:schemeClr val="accent1"/>
+            </a:effectRef>
+            <a:fontRef idx="minor">
+              <a:schemeClr val="tx1"/>
+            </a:fontRef>
+          </p:style>
+        </p:cxnSp>
+        <p:cxnSp>
+          <p:nvCxnSpPr>
+            <p:cNvPr id="151" name="Connecteur droit 150"/>
+            <p:cNvCxnSpPr/>
+            <p:nvPr/>
+          </p:nvCxnSpPr>
+          <p:spPr>
+            <a:xfrm>
+              <a:off x="1993127" y="3609898"/>
+              <a:ext cx="196646" cy="0"/>
+            </a:xfrm>
+            <a:prstGeom prst="line">
+              <a:avLst/>
+            </a:prstGeom>
+            <a:ln w="12700" cmpd="sng">
+              <a:solidFill>
+                <a:srgbClr val="000000"/>
+              </a:solidFill>
+            </a:ln>
+            <a:effectLst/>
+          </p:spPr>
+          <p:style>
+            <a:lnRef idx="2">
+              <a:schemeClr val="accent1"/>
+            </a:lnRef>
+            <a:fillRef idx="0">
+              <a:schemeClr val="accent1"/>
+            </a:fillRef>
+            <a:effectRef idx="1">
+              <a:schemeClr val="accent1"/>
+            </a:effectRef>
+            <a:fontRef idx="minor">
+              <a:schemeClr val="tx1"/>
+            </a:fontRef>
+          </p:style>
+        </p:cxnSp>
+      </p:grpSp>
+      <p:sp>
+        <p:nvSpPr>
+          <p:cNvPr id="152" name="Forme libre 151"/>
+          <p:cNvSpPr/>
+          <p:nvPr/>
+        </p:nvSpPr>
+        <p:spPr>
+          <a:xfrm rot="5400000">
+            <a:off x="5861040" y="2710121"/>
+            <a:ext cx="1294306" cy="56427"/>
+          </a:xfrm>
+          <a:custGeom>
+            <a:avLst/>
+            <a:gdLst>
+              <a:gd name="connsiteX0" fmla="*/ 0 w 2569882"/>
+              <a:gd name="connsiteY0" fmla="*/ 149444 h 149444"/>
+              <a:gd name="connsiteX1" fmla="*/ 1344705 w 2569882"/>
+              <a:gd name="connsiteY1" fmla="*/ 33 h 149444"/>
+              <a:gd name="connsiteX2" fmla="*/ 2569882 w 2569882"/>
+              <a:gd name="connsiteY2" fmla="*/ 134503 h 149444"/>
+              <a:gd name="connsiteX0" fmla="*/ 0 w 2569882"/>
+              <a:gd name="connsiteY0" fmla="*/ 134507 h 134507"/>
+              <a:gd name="connsiteX1" fmla="*/ 1270000 w 2569882"/>
+              <a:gd name="connsiteY1" fmla="*/ 38 h 134507"/>
+              <a:gd name="connsiteX2" fmla="*/ 2569882 w 2569882"/>
+              <a:gd name="connsiteY2" fmla="*/ 119566 h 134507"/>
+              <a:gd name="connsiteX0" fmla="*/ 0 w 2569882"/>
+              <a:gd name="connsiteY0" fmla="*/ 141071 h 141071"/>
+              <a:gd name="connsiteX1" fmla="*/ 1340732 w 2569882"/>
+              <a:gd name="connsiteY1" fmla="*/ 35 h 141071"/>
+              <a:gd name="connsiteX2" fmla="*/ 2569882 w 2569882"/>
+              <a:gd name="connsiteY2" fmla="*/ 126130 h 141071"/>
+              <a:gd name="connsiteX0" fmla="*/ 0 w 2569882"/>
+              <a:gd name="connsiteY0" fmla="*/ 141202 h 141202"/>
+              <a:gd name="connsiteX1" fmla="*/ 1340732 w 2569882"/>
+              <a:gd name="connsiteY1" fmla="*/ 166 h 141202"/>
+              <a:gd name="connsiteX2" fmla="*/ 2569882 w 2569882"/>
+              <a:gd name="connsiteY2" fmla="*/ 126261 h 141202"/>
+              <a:gd name="connsiteX0" fmla="*/ 0 w 3744134"/>
+              <a:gd name="connsiteY0" fmla="*/ 141202 h 141202"/>
+              <a:gd name="connsiteX1" fmla="*/ 1340732 w 3744134"/>
+              <a:gd name="connsiteY1" fmla="*/ 166 h 141202"/>
+              <a:gd name="connsiteX2" fmla="*/ 3744135 w 3744134"/>
+              <a:gd name="connsiteY2" fmla="*/ 126259 h 141202"/>
+            </a:gdLst>
+            <a:ahLst/>
+            <a:cxnLst>
+              <a:cxn ang="0">
+                <a:pos x="connsiteX0" y="connsiteY0"/>
+              </a:cxn>
+              <a:cxn ang="0">
+                <a:pos x="connsiteX1" y="connsiteY1"/>
+              </a:cxn>
+              <a:cxn ang="0">
+                <a:pos x="connsiteX2" y="connsiteY2"/>
+              </a:cxn>
+            </a:cxnLst>
+            <a:rect l="l" t="t" r="r" b="b"/>
+            <a:pathLst>
+              <a:path w="3744134" h="141202">
+                <a:moveTo>
+                  <a:pt x="0" y="141202"/>
+                </a:moveTo>
+                <a:cubicBezTo>
+                  <a:pt x="458195" y="67741"/>
+                  <a:pt x="912418" y="-3911"/>
+                  <a:pt x="1340732" y="166"/>
+                </a:cubicBezTo>
+                <a:cubicBezTo>
+                  <a:pt x="1769046" y="4243"/>
+                  <a:pt x="3744135" y="126259"/>
+                  <a:pt x="3744135" y="126259"/>
+                </a:cubicBezTo>
+              </a:path>
+            </a:pathLst>
+          </a:custGeom>
+          <a:ln w="9525" cmpd="sng">
+            <a:solidFill>
+              <a:schemeClr val="tx1"/>
+            </a:solidFill>
+            <a:headEnd type="oval" w="sm" len="sm"/>
+            <a:tailEnd type="stealth" w="sm" len="sm"/>
+          </a:ln>
+        </p:spPr>
+        <p:style>
+          <a:lnRef idx="2">
+            <a:schemeClr val="accent1"/>
+          </a:lnRef>
+          <a:fillRef idx="0">
+            <a:schemeClr val="accent1"/>
+          </a:fillRef>
+          <a:effectRef idx="1">
+            <a:schemeClr val="accent1"/>
+          </a:effectRef>
+          <a:fontRef idx="minor">
+            <a:schemeClr val="tx1"/>
+          </a:fontRef>
+        </p:style>
+        <p:txBody>
+          <a:bodyPr rtlCol="0" anchor="ctr"/>
+          <a:lstStyle/>
+          <a:p>
+            <a:pPr algn="ctr"/>
+            <a:endParaRPr lang="fr-FR"/>
+          </a:p>
+        </p:txBody>
+      </p:sp>
+      <p:sp>
+        <p:nvSpPr>
+          <p:cNvPr id="155" name="Forme libre 154"/>
+          <p:cNvSpPr/>
+          <p:nvPr/>
+        </p:nvSpPr>
+        <p:spPr>
+          <a:xfrm rot="329513">
+            <a:off x="7137965" y="1310300"/>
+            <a:ext cx="463986" cy="464104"/>
+          </a:xfrm>
+          <a:custGeom>
+            <a:avLst/>
+            <a:gdLst>
+              <a:gd name="connsiteX0" fmla="*/ 0 w 691999"/>
+              <a:gd name="connsiteY0" fmla="*/ 359055 h 915956"/>
+              <a:gd name="connsiteX1" fmla="*/ 455877 w 691999"/>
+              <a:gd name="connsiteY1" fmla="*/ 839 h 915956"/>
+              <a:gd name="connsiteX2" fmla="*/ 691956 w 691999"/>
+              <a:gd name="connsiteY2" fmla="*/ 448609 h 915956"/>
+              <a:gd name="connsiteX3" fmla="*/ 439595 w 691999"/>
+              <a:gd name="connsiteY3" fmla="*/ 912661 h 915956"/>
+              <a:gd name="connsiteX4" fmla="*/ 32562 w 691999"/>
+              <a:gd name="connsiteY4" fmla="*/ 668423 h 915956"/>
+              <a:gd name="connsiteX0" fmla="*/ 1 w 692000"/>
+              <a:gd name="connsiteY0" fmla="*/ 359055 h 915956"/>
+              <a:gd name="connsiteX1" fmla="*/ 455878 w 692000"/>
+              <a:gd name="connsiteY1" fmla="*/ 839 h 915956"/>
+              <a:gd name="connsiteX2" fmla="*/ 691957 w 692000"/>
+              <a:gd name="connsiteY2" fmla="*/ 448609 h 915956"/>
+              <a:gd name="connsiteX3" fmla="*/ 439596 w 692000"/>
+              <a:gd name="connsiteY3" fmla="*/ 912661 h 915956"/>
+              <a:gd name="connsiteX4" fmla="*/ 0 w 692000"/>
+              <a:gd name="connsiteY4" fmla="*/ 668423 h 915956"/>
+              <a:gd name="connsiteX0" fmla="*/ 1 w 691995"/>
+              <a:gd name="connsiteY0" fmla="*/ 342848 h 899749"/>
+              <a:gd name="connsiteX1" fmla="*/ 423316 w 691995"/>
+              <a:gd name="connsiteY1" fmla="*/ 914 h 899749"/>
+              <a:gd name="connsiteX2" fmla="*/ 691957 w 691995"/>
+              <a:gd name="connsiteY2" fmla="*/ 432402 h 899749"/>
+              <a:gd name="connsiteX3" fmla="*/ 439596 w 691995"/>
+              <a:gd name="connsiteY3" fmla="*/ 896454 h 899749"/>
+              <a:gd name="connsiteX4" fmla="*/ 0 w 691995"/>
+              <a:gd name="connsiteY4" fmla="*/ 652216 h 899749"/>
+              <a:gd name="connsiteX0" fmla="*/ 1 w 692107"/>
+              <a:gd name="connsiteY0" fmla="*/ 262133 h 819034"/>
+              <a:gd name="connsiteX1" fmla="*/ 407035 w 692107"/>
+              <a:gd name="connsiteY1" fmla="*/ 1612 h 819034"/>
+              <a:gd name="connsiteX2" fmla="*/ 691957 w 692107"/>
+              <a:gd name="connsiteY2" fmla="*/ 351687 h 819034"/>
+              <a:gd name="connsiteX3" fmla="*/ 439596 w 692107"/>
+              <a:gd name="connsiteY3" fmla="*/ 815739 h 819034"/>
+              <a:gd name="connsiteX4" fmla="*/ 0 w 692107"/>
+              <a:gd name="connsiteY4" fmla="*/ 571501 h 819034"/>
+              <a:gd name="connsiteX0" fmla="*/ 1 w 691991"/>
+              <a:gd name="connsiteY0" fmla="*/ 262133 h 722888"/>
+              <a:gd name="connsiteX1" fmla="*/ 407035 w 691991"/>
+              <a:gd name="connsiteY1" fmla="*/ 1612 h 722888"/>
+              <a:gd name="connsiteX2" fmla="*/ 691957 w 691991"/>
+              <a:gd name="connsiteY2" fmla="*/ 351687 h 722888"/>
+              <a:gd name="connsiteX3" fmla="*/ 423314 w 691991"/>
+              <a:gd name="connsiteY3" fmla="*/ 718044 h 722888"/>
+              <a:gd name="connsiteX4" fmla="*/ 0 w 691991"/>
+              <a:gd name="connsiteY4" fmla="*/ 571501 h 722888"/>
+              <a:gd name="connsiteX0" fmla="*/ 1 w 691991"/>
+              <a:gd name="connsiteY0" fmla="*/ 262133 h 719541"/>
+              <a:gd name="connsiteX1" fmla="*/ 407035 w 691991"/>
+              <a:gd name="connsiteY1" fmla="*/ 1612 h 719541"/>
+              <a:gd name="connsiteX2" fmla="*/ 691957 w 691991"/>
+              <a:gd name="connsiteY2" fmla="*/ 351687 h 719541"/>
+              <a:gd name="connsiteX3" fmla="*/ 423314 w 691991"/>
+              <a:gd name="connsiteY3" fmla="*/ 718044 h 719541"/>
+              <a:gd name="connsiteX4" fmla="*/ 0 w 691991"/>
+              <a:gd name="connsiteY4" fmla="*/ 490089 h 719541"/>
+              <a:gd name="connsiteX0" fmla="*/ 1 w 691965"/>
+              <a:gd name="connsiteY0" fmla="*/ 262133 h 703357"/>
+              <a:gd name="connsiteX1" fmla="*/ 407035 w 691965"/>
+              <a:gd name="connsiteY1" fmla="*/ 1612 h 703357"/>
+              <a:gd name="connsiteX2" fmla="*/ 691957 w 691965"/>
+              <a:gd name="connsiteY2" fmla="*/ 351687 h 703357"/>
+              <a:gd name="connsiteX3" fmla="*/ 398892 w 691965"/>
+              <a:gd name="connsiteY3" fmla="*/ 701762 h 703357"/>
+              <a:gd name="connsiteX4" fmla="*/ 0 w 691965"/>
+              <a:gd name="connsiteY4" fmla="*/ 490089 h 703357"/>
+              <a:gd name="connsiteX0" fmla="*/ 1 w 691964"/>
+              <a:gd name="connsiteY0" fmla="*/ 230238 h 671462"/>
+              <a:gd name="connsiteX1" fmla="*/ 390754 w 691964"/>
+              <a:gd name="connsiteY1" fmla="*/ 2282 h 671462"/>
+              <a:gd name="connsiteX2" fmla="*/ 691957 w 691964"/>
+              <a:gd name="connsiteY2" fmla="*/ 319792 h 671462"/>
+              <a:gd name="connsiteX3" fmla="*/ 398892 w 691964"/>
+              <a:gd name="connsiteY3" fmla="*/ 669867 h 671462"/>
+              <a:gd name="connsiteX4" fmla="*/ 0 w 691964"/>
+              <a:gd name="connsiteY4" fmla="*/ 458194 h 671462"/>
+              <a:gd name="connsiteX0" fmla="*/ 1 w 691964"/>
+              <a:gd name="connsiteY0" fmla="*/ 230238 h 639135"/>
+              <a:gd name="connsiteX1" fmla="*/ 390754 w 691964"/>
+              <a:gd name="connsiteY1" fmla="*/ 2282 h 639135"/>
+              <a:gd name="connsiteX2" fmla="*/ 691957 w 691964"/>
+              <a:gd name="connsiteY2" fmla="*/ 319792 h 639135"/>
+              <a:gd name="connsiteX3" fmla="*/ 382611 w 691964"/>
+              <a:gd name="connsiteY3" fmla="*/ 637302 h 639135"/>
+              <a:gd name="connsiteX4" fmla="*/ 0 w 691964"/>
+              <a:gd name="connsiteY4" fmla="*/ 458194 h 639135"/>
+            </a:gdLst>
+            <a:ahLst/>
+            <a:cxnLst>
+              <a:cxn ang="0">
+                <a:pos x="connsiteX0" y="connsiteY0"/>
+              </a:cxn>
+              <a:cxn ang="0">
+                <a:pos x="connsiteX1" y="connsiteY1"/>
+              </a:cxn>
+              <a:cxn ang="0">
+                <a:pos x="connsiteX2" y="connsiteY2"/>
+              </a:cxn>
+              <a:cxn ang="0">
+                <a:pos x="connsiteX3" y="connsiteY3"/>
+              </a:cxn>
+              <a:cxn ang="0">
+                <a:pos x="connsiteX4" y="connsiteY4"/>
+              </a:cxn>
+            </a:cxnLst>
+            <a:rect l="l" t="t" r="r" b="b"/>
+            <a:pathLst>
+              <a:path w="691964" h="639135">
+                <a:moveTo>
+                  <a:pt x="1" y="230238"/>
+                </a:moveTo>
+                <a:cubicBezTo>
+                  <a:pt x="170276" y="43667"/>
+                  <a:pt x="275428" y="-12644"/>
+                  <a:pt x="390754" y="2282"/>
+                </a:cubicBezTo>
+                <a:cubicBezTo>
+                  <a:pt x="506080" y="17208"/>
+                  <a:pt x="693314" y="213955"/>
+                  <a:pt x="691957" y="319792"/>
+                </a:cubicBezTo>
+                <a:cubicBezTo>
+                  <a:pt x="690600" y="425629"/>
+                  <a:pt x="497937" y="614235"/>
+                  <a:pt x="382611" y="637302"/>
+                </a:cubicBezTo>
+                <a:cubicBezTo>
+                  <a:pt x="267285" y="660369"/>
+                  <a:pt x="0" y="458194"/>
+                  <a:pt x="0" y="458194"/>
+                </a:cubicBezTo>
+              </a:path>
+            </a:pathLst>
+          </a:custGeom>
+          <a:ln w="9525" cmpd="sng">
+            <a:solidFill>
+              <a:srgbClr val="000000"/>
+            </a:solidFill>
+            <a:headEnd type="oval" w="sm" len="sm"/>
+            <a:tailEnd type="stealth" w="sm" len="sm"/>
+          </a:ln>
+          <a:effectLst/>
+        </p:spPr>
+        <p:style>
+          <a:lnRef idx="2">
+            <a:schemeClr val="accent1"/>
+          </a:lnRef>
+          <a:fillRef idx="0">
+            <a:schemeClr val="accent1"/>
+          </a:fillRef>
+          <a:effectRef idx="1">
+            <a:schemeClr val="accent1"/>
+          </a:effectRef>
+          <a:fontRef idx="minor">
+            <a:schemeClr val="tx1"/>
+          </a:fontRef>
+        </p:style>
+        <p:txBody>
+          <a:bodyPr rtlCol="0" anchor="ctr"/>
+          <a:lstStyle/>
+          <a:p>
+            <a:pPr algn="ctr"/>
+            <a:endParaRPr lang="fr-FR"/>
+          </a:p>
+        </p:txBody>
+      </p:sp>
+      <p:sp>
+        <p:nvSpPr>
+          <p:cNvPr id="156" name="Forme libre 155"/>
+          <p:cNvSpPr/>
+          <p:nvPr/>
+        </p:nvSpPr>
+        <p:spPr>
+          <a:xfrm rot="329513">
+            <a:off x="7147481" y="1253774"/>
+            <a:ext cx="463986" cy="464104"/>
+          </a:xfrm>
+          <a:custGeom>
+            <a:avLst/>
+            <a:gdLst>
+              <a:gd name="connsiteX0" fmla="*/ 0 w 691999"/>
+              <a:gd name="connsiteY0" fmla="*/ 359055 h 915956"/>
+              <a:gd name="connsiteX1" fmla="*/ 455877 w 691999"/>
+              <a:gd name="connsiteY1" fmla="*/ 839 h 915956"/>
+              <a:gd name="connsiteX2" fmla="*/ 691956 w 691999"/>
+              <a:gd name="connsiteY2" fmla="*/ 448609 h 915956"/>
+              <a:gd name="connsiteX3" fmla="*/ 439595 w 691999"/>
+              <a:gd name="connsiteY3" fmla="*/ 912661 h 915956"/>
+              <a:gd name="connsiteX4" fmla="*/ 32562 w 691999"/>
+              <a:gd name="connsiteY4" fmla="*/ 668423 h 915956"/>
+              <a:gd name="connsiteX0" fmla="*/ 1 w 692000"/>
+              <a:gd name="connsiteY0" fmla="*/ 359055 h 915956"/>
+              <a:gd name="connsiteX1" fmla="*/ 455878 w 692000"/>
+              <a:gd name="connsiteY1" fmla="*/ 839 h 915956"/>
+              <a:gd name="connsiteX2" fmla="*/ 691957 w 692000"/>
+              <a:gd name="connsiteY2" fmla="*/ 448609 h 915956"/>
+              <a:gd name="connsiteX3" fmla="*/ 439596 w 692000"/>
+              <a:gd name="connsiteY3" fmla="*/ 912661 h 915956"/>
+              <a:gd name="connsiteX4" fmla="*/ 0 w 692000"/>
+              <a:gd name="connsiteY4" fmla="*/ 668423 h 915956"/>
+              <a:gd name="connsiteX0" fmla="*/ 1 w 691995"/>
+              <a:gd name="connsiteY0" fmla="*/ 342848 h 899749"/>
+              <a:gd name="connsiteX1" fmla="*/ 423316 w 691995"/>
+              <a:gd name="connsiteY1" fmla="*/ 914 h 899749"/>
+              <a:gd name="connsiteX2" fmla="*/ 691957 w 691995"/>
+              <a:gd name="connsiteY2" fmla="*/ 432402 h 899749"/>
+              <a:gd name="connsiteX3" fmla="*/ 439596 w 691995"/>
+              <a:gd name="connsiteY3" fmla="*/ 896454 h 899749"/>
+              <a:gd name="connsiteX4" fmla="*/ 0 w 691995"/>
+              <a:gd name="connsiteY4" fmla="*/ 652216 h 899749"/>
+              <a:gd name="connsiteX0" fmla="*/ 1 w 692107"/>
+              <a:gd name="connsiteY0" fmla="*/ 262133 h 819034"/>
+              <a:gd name="connsiteX1" fmla="*/ 407035 w 692107"/>
+              <a:gd name="connsiteY1" fmla="*/ 1612 h 819034"/>
+              <a:gd name="connsiteX2" fmla="*/ 691957 w 692107"/>
+              <a:gd name="connsiteY2" fmla="*/ 351687 h 819034"/>
+              <a:gd name="connsiteX3" fmla="*/ 439596 w 692107"/>
+              <a:gd name="connsiteY3" fmla="*/ 815739 h 819034"/>
+              <a:gd name="connsiteX4" fmla="*/ 0 w 692107"/>
+              <a:gd name="connsiteY4" fmla="*/ 571501 h 819034"/>
+              <a:gd name="connsiteX0" fmla="*/ 1 w 691991"/>
+              <a:gd name="connsiteY0" fmla="*/ 262133 h 722888"/>
+              <a:gd name="connsiteX1" fmla="*/ 407035 w 691991"/>
+              <a:gd name="connsiteY1" fmla="*/ 1612 h 722888"/>
+              <a:gd name="connsiteX2" fmla="*/ 691957 w 691991"/>
+              <a:gd name="connsiteY2" fmla="*/ 351687 h 722888"/>
+              <a:gd name="connsiteX3" fmla="*/ 423314 w 691991"/>
+              <a:gd name="connsiteY3" fmla="*/ 718044 h 722888"/>
+              <a:gd name="connsiteX4" fmla="*/ 0 w 691991"/>
+              <a:gd name="connsiteY4" fmla="*/ 571501 h 722888"/>
+              <a:gd name="connsiteX0" fmla="*/ 1 w 691991"/>
+              <a:gd name="connsiteY0" fmla="*/ 262133 h 719541"/>
+              <a:gd name="connsiteX1" fmla="*/ 407035 w 691991"/>
+              <a:gd name="connsiteY1" fmla="*/ 1612 h 719541"/>
+              <a:gd name="connsiteX2" fmla="*/ 691957 w 691991"/>
+              <a:gd name="connsiteY2" fmla="*/ 351687 h 719541"/>
+              <a:gd name="connsiteX3" fmla="*/ 423314 w 691991"/>
+              <a:gd name="connsiteY3" fmla="*/ 718044 h 719541"/>
+              <a:gd name="connsiteX4" fmla="*/ 0 w 691991"/>
+              <a:gd name="connsiteY4" fmla="*/ 490089 h 719541"/>
+              <a:gd name="connsiteX0" fmla="*/ 1 w 691965"/>
+              <a:gd name="connsiteY0" fmla="*/ 262133 h 703357"/>
+              <a:gd name="connsiteX1" fmla="*/ 407035 w 691965"/>
+              <a:gd name="connsiteY1" fmla="*/ 1612 h 703357"/>
+              <a:gd name="connsiteX2" fmla="*/ 691957 w 691965"/>
+              <a:gd name="connsiteY2" fmla="*/ 351687 h 703357"/>
+              <a:gd name="connsiteX3" fmla="*/ 398892 w 691965"/>
+              <a:gd name="connsiteY3" fmla="*/ 701762 h 703357"/>
+              <a:gd name="connsiteX4" fmla="*/ 0 w 691965"/>
+              <a:gd name="connsiteY4" fmla="*/ 490089 h 703357"/>
+              <a:gd name="connsiteX0" fmla="*/ 1 w 691964"/>
+              <a:gd name="connsiteY0" fmla="*/ 230238 h 671462"/>
+              <a:gd name="connsiteX1" fmla="*/ 390754 w 691964"/>
+              <a:gd name="connsiteY1" fmla="*/ 2282 h 671462"/>
+              <a:gd name="connsiteX2" fmla="*/ 691957 w 691964"/>
+              <a:gd name="connsiteY2" fmla="*/ 319792 h 671462"/>
+              <a:gd name="connsiteX3" fmla="*/ 398892 w 691964"/>
+              <a:gd name="connsiteY3" fmla="*/ 669867 h 671462"/>
+              <a:gd name="connsiteX4" fmla="*/ 0 w 691964"/>
+              <a:gd name="connsiteY4" fmla="*/ 458194 h 671462"/>
+              <a:gd name="connsiteX0" fmla="*/ 1 w 691964"/>
+              <a:gd name="connsiteY0" fmla="*/ 230238 h 639135"/>
+              <a:gd name="connsiteX1" fmla="*/ 390754 w 691964"/>
+              <a:gd name="connsiteY1" fmla="*/ 2282 h 639135"/>
+              <a:gd name="connsiteX2" fmla="*/ 691957 w 691964"/>
+              <a:gd name="connsiteY2" fmla="*/ 319792 h 639135"/>
+              <a:gd name="connsiteX3" fmla="*/ 382611 w 691964"/>
+              <a:gd name="connsiteY3" fmla="*/ 637302 h 639135"/>
+              <a:gd name="connsiteX4" fmla="*/ 0 w 691964"/>
+              <a:gd name="connsiteY4" fmla="*/ 458194 h 639135"/>
+            </a:gdLst>
+            <a:ahLst/>
+            <a:cxnLst>
+              <a:cxn ang="0">
+                <a:pos x="connsiteX0" y="connsiteY0"/>
+              </a:cxn>
+              <a:cxn ang="0">
+                <a:pos x="connsiteX1" y="connsiteY1"/>
+              </a:cxn>
+              <a:cxn ang="0">
+                <a:pos x="connsiteX2" y="connsiteY2"/>
+              </a:cxn>
+              <a:cxn ang="0">
+                <a:pos x="connsiteX3" y="connsiteY3"/>
+              </a:cxn>
+              <a:cxn ang="0">
+                <a:pos x="connsiteX4" y="connsiteY4"/>
+              </a:cxn>
+            </a:cxnLst>
+            <a:rect l="l" t="t" r="r" b="b"/>
+            <a:pathLst>
+              <a:path w="691964" h="639135">
+                <a:moveTo>
+                  <a:pt x="1" y="230238"/>
+                </a:moveTo>
+                <a:cubicBezTo>
+                  <a:pt x="170276" y="43667"/>
+                  <a:pt x="275428" y="-12644"/>
+                  <a:pt x="390754" y="2282"/>
+                </a:cubicBezTo>
+                <a:cubicBezTo>
+                  <a:pt x="506080" y="17208"/>
+                  <a:pt x="693314" y="213955"/>
+                  <a:pt x="691957" y="319792"/>
+                </a:cubicBezTo>
+                <a:cubicBezTo>
+                  <a:pt x="690600" y="425629"/>
+                  <a:pt x="497937" y="614235"/>
+                  <a:pt x="382611" y="637302"/>
+                </a:cubicBezTo>
+                <a:cubicBezTo>
+                  <a:pt x="267285" y="660369"/>
+                  <a:pt x="0" y="458194"/>
+                  <a:pt x="0" y="458194"/>
+                </a:cubicBezTo>
+              </a:path>
+            </a:pathLst>
+          </a:custGeom>
+          <a:ln w="9525" cmpd="sng">
+            <a:solidFill>
+              <a:srgbClr val="000000"/>
+            </a:solidFill>
+            <a:headEnd type="oval" w="sm" len="sm"/>
+            <a:tailEnd type="stealth" w="sm" len="sm"/>
+          </a:ln>
+          <a:effectLst/>
+        </p:spPr>
+        <p:style>
+          <a:lnRef idx="2">
+            <a:schemeClr val="accent1"/>
+          </a:lnRef>
+          <a:fillRef idx="0">
+            <a:schemeClr val="accent1"/>
+          </a:fillRef>
+          <a:effectRef idx="1">
+            <a:schemeClr val="accent1"/>
+          </a:effectRef>
+          <a:fontRef idx="minor">
+            <a:schemeClr val="tx1"/>
+          </a:fontRef>
+        </p:style>
+        <p:txBody>
+          <a:bodyPr rtlCol="0" anchor="ctr"/>
+          <a:lstStyle/>
+          <a:p>
+            <a:pPr algn="ctr"/>
+            <a:endParaRPr lang="fr-FR"/>
+          </a:p>
+        </p:txBody>
+      </p:sp>
+      <p:grpSp>
+        <p:nvGrpSpPr>
+          <p:cNvPr id="157" name="Grouper 156"/>
+          <p:cNvGrpSpPr/>
+          <p:nvPr/>
+        </p:nvGrpSpPr>
+        <p:grpSpPr>
+          <a:xfrm>
+            <a:off x="6023402" y="2928679"/>
+            <a:ext cx="262435" cy="337291"/>
+            <a:chOff x="2088774" y="3053681"/>
+            <a:chExt cx="262435" cy="337291"/>
+          </a:xfrm>
+        </p:grpSpPr>
+        <p:sp>
+          <p:nvSpPr>
+            <p:cNvPr id="158" name="Rogner un rectangle à un seul coin 157"/>
+            <p:cNvSpPr/>
+            <p:nvPr/>
+          </p:nvSpPr>
+          <p:spPr>
+            <a:xfrm>
+              <a:off x="2088774" y="3053681"/>
+              <a:ext cx="262435" cy="337291"/>
+            </a:xfrm>
+            <a:prstGeom prst="snip1Rect">
+              <a:avLst/>
+            </a:prstGeom>
+            <a:solidFill>
+              <a:schemeClr val="tx2">
+                <a:lumMod val="60000"/>
+                <a:lumOff val="40000"/>
+              </a:schemeClr>
+            </a:solidFill>
+            <a:ln w="6350" cmpd="sng">
+              <a:solidFill>
+                <a:schemeClr val="tx1"/>
+              </a:solidFill>
+            </a:ln>
+          </p:spPr>
+          <p:style>
+            <a:lnRef idx="1">
+              <a:schemeClr val="accent1"/>
+            </a:lnRef>
+            <a:fillRef idx="3">
+              <a:schemeClr val="accent1"/>
+            </a:fillRef>
+            <a:effectRef idx="2">
+              <a:schemeClr val="accent1"/>
+            </a:effectRef>
+            <a:fontRef idx="minor">
+              <a:schemeClr val="lt1"/>
+            </a:fontRef>
+          </p:style>
+          <p:txBody>
+            <a:bodyPr rtlCol="0" anchor="ctr"/>
+            <a:lstStyle/>
+            <a:p>
+              <a:pPr algn="ctr"/>
+              <a:endParaRPr lang="fr-FR"/>
+            </a:p>
+          </p:txBody>
+        </p:sp>
+        <p:cxnSp>
+          <p:nvCxnSpPr>
+            <p:cNvPr id="159" name="Connecteur droit 158"/>
+            <p:cNvCxnSpPr/>
+            <p:nvPr/>
+          </p:nvCxnSpPr>
+          <p:spPr>
+            <a:xfrm>
+              <a:off x="2118033" y="3144912"/>
+              <a:ext cx="196646" cy="0"/>
+            </a:xfrm>
+            <a:prstGeom prst="line">
+              <a:avLst/>
+            </a:prstGeom>
+            <a:ln w="12700" cmpd="sng">
+              <a:solidFill>
+                <a:srgbClr val="000000"/>
+              </a:solidFill>
+            </a:ln>
+            <a:effectLst/>
+          </p:spPr>
+          <p:style>
+            <a:lnRef idx="2">
+              <a:schemeClr val="accent1"/>
+            </a:lnRef>
+            <a:fillRef idx="0">
+              <a:schemeClr val="accent1"/>
+            </a:fillRef>
+            <a:effectRef idx="1">
+              <a:schemeClr val="accent1"/>
+            </a:effectRef>
+            <a:fontRef idx="minor">
+              <a:schemeClr val="tx1"/>
+            </a:fontRef>
+          </p:style>
+        </p:cxnSp>
+        <p:cxnSp>
+          <p:nvCxnSpPr>
+            <p:cNvPr id="160" name="Connecteur droit 159"/>
+            <p:cNvCxnSpPr/>
+            <p:nvPr/>
+          </p:nvCxnSpPr>
+          <p:spPr>
+            <a:xfrm>
+              <a:off x="2118033" y="3182496"/>
+              <a:ext cx="196646" cy="0"/>
+            </a:xfrm>
+            <a:prstGeom prst="line">
+              <a:avLst/>
+            </a:prstGeom>
+            <a:ln w="12700" cmpd="sng">
+              <a:solidFill>
+                <a:srgbClr val="000000"/>
+              </a:solidFill>
+            </a:ln>
+            <a:effectLst/>
+          </p:spPr>
+          <p:style>
+            <a:lnRef idx="2">
+              <a:schemeClr val="accent1"/>
+            </a:lnRef>
+            <a:fillRef idx="0">
+              <a:schemeClr val="accent1"/>
+            </a:fillRef>
+            <a:effectRef idx="1">
+              <a:schemeClr val="accent1"/>
+            </a:effectRef>
+            <a:fontRef idx="minor">
+              <a:schemeClr val="tx1"/>
+            </a:fontRef>
+          </p:style>
+        </p:cxnSp>
+        <p:cxnSp>
+          <p:nvCxnSpPr>
+            <p:cNvPr id="161" name="Connecteur droit 160"/>
+            <p:cNvCxnSpPr/>
+            <p:nvPr/>
+          </p:nvCxnSpPr>
+          <p:spPr>
+            <a:xfrm>
+              <a:off x="2121208" y="3220596"/>
+              <a:ext cx="196646" cy="0"/>
+            </a:xfrm>
+            <a:prstGeom prst="line">
+              <a:avLst/>
+            </a:prstGeom>
+            <a:ln w="12700" cmpd="sng">
+              <a:solidFill>
+                <a:srgbClr val="000000"/>
+              </a:solidFill>
+            </a:ln>
+            <a:effectLst/>
+          </p:spPr>
+          <p:style>
+            <a:lnRef idx="2">
+              <a:schemeClr val="accent1"/>
+            </a:lnRef>
+            <a:fillRef idx="0">
+              <a:schemeClr val="accent1"/>
+            </a:fillRef>
+            <a:effectRef idx="1">
+              <a:schemeClr val="accent1"/>
+            </a:effectRef>
+            <a:fontRef idx="minor">
+              <a:schemeClr val="tx1"/>
+            </a:fontRef>
+          </p:style>
+        </p:cxnSp>
+        <p:cxnSp>
+          <p:nvCxnSpPr>
+            <p:cNvPr id="162" name="Connecteur droit 161"/>
+            <p:cNvCxnSpPr/>
+            <p:nvPr/>
+          </p:nvCxnSpPr>
+          <p:spPr>
+            <a:xfrm>
+              <a:off x="2121208" y="3255413"/>
+              <a:ext cx="196646" cy="0"/>
+            </a:xfrm>
+            <a:prstGeom prst="line">
+              <a:avLst/>
+            </a:prstGeom>
+            <a:ln w="12700" cmpd="sng">
+              <a:solidFill>
+                <a:srgbClr val="000000"/>
+              </a:solidFill>
+            </a:ln>
+            <a:effectLst/>
+          </p:spPr>
+          <p:style>
+            <a:lnRef idx="2">
+              <a:schemeClr val="accent1"/>
+            </a:lnRef>
+            <a:fillRef idx="0">
+              <a:schemeClr val="accent1"/>
+            </a:fillRef>
+            <a:effectRef idx="1">
+              <a:schemeClr val="accent1"/>
+            </a:effectRef>
+            <a:fontRef idx="minor">
+              <a:schemeClr val="tx1"/>
+            </a:fontRef>
+          </p:style>
+        </p:cxnSp>
+        <p:cxnSp>
+          <p:nvCxnSpPr>
+            <p:cNvPr id="163" name="Connecteur droit 162"/>
+            <p:cNvCxnSpPr/>
+            <p:nvPr/>
+          </p:nvCxnSpPr>
+          <p:spPr>
+            <a:xfrm>
+              <a:off x="2121208" y="3290446"/>
+              <a:ext cx="196646" cy="0"/>
+            </a:xfrm>
+            <a:prstGeom prst="line">
+              <a:avLst/>
+            </a:prstGeom>
+            <a:ln w="12700" cmpd="sng">
+              <a:solidFill>
+                <a:srgbClr val="000000"/>
+              </a:solidFill>
+            </a:ln>
+            <a:effectLst/>
+          </p:spPr>
+          <p:style>
+            <a:lnRef idx="2">
+              <a:schemeClr val="accent1"/>
+            </a:lnRef>
+            <a:fillRef idx="0">
+              <a:schemeClr val="accent1"/>
+            </a:fillRef>
+            <a:effectRef idx="1">
+              <a:schemeClr val="accent1"/>
+            </a:effectRef>
+            <a:fontRef idx="minor">
+              <a:schemeClr val="tx1"/>
+            </a:fontRef>
+          </p:style>
+        </p:cxnSp>
+        <p:cxnSp>
+          <p:nvCxnSpPr>
+            <p:cNvPr id="164" name="Connecteur droit 163"/>
+            <p:cNvCxnSpPr/>
+            <p:nvPr/>
+          </p:nvCxnSpPr>
+          <p:spPr>
+            <a:xfrm>
+              <a:off x="2121208" y="3325263"/>
+              <a:ext cx="196646" cy="0"/>
+            </a:xfrm>
+            <a:prstGeom prst="line">
+              <a:avLst/>
+            </a:prstGeom>
+            <a:ln w="12700" cmpd="sng">
+              <a:solidFill>
+                <a:srgbClr val="000000"/>
+              </a:solidFill>
+            </a:ln>
+            <a:effectLst/>
+          </p:spPr>
+          <p:style>
+            <a:lnRef idx="2">
+              <a:schemeClr val="accent1"/>
+            </a:lnRef>
+            <a:fillRef idx="0">
+              <a:schemeClr val="accent1"/>
+            </a:fillRef>
+            <a:effectRef idx="1">
+              <a:schemeClr val="accent1"/>
+            </a:effectRef>
+            <a:fontRef idx="minor">
+              <a:schemeClr val="tx1"/>
+            </a:fontRef>
+          </p:style>
+        </p:cxnSp>
+      </p:grpSp>
+      <p:grpSp>
+        <p:nvGrpSpPr>
+          <p:cNvPr id="165" name="Grouper 164"/>
+          <p:cNvGrpSpPr/>
+          <p:nvPr/>
+        </p:nvGrpSpPr>
+        <p:grpSpPr>
+          <a:xfrm>
+            <a:off x="6646964" y="2928488"/>
+            <a:ext cx="262435" cy="337291"/>
+            <a:chOff x="1789283" y="3117534"/>
+            <a:chExt cx="262435" cy="337291"/>
+          </a:xfrm>
+        </p:grpSpPr>
+        <p:sp>
+          <p:nvSpPr>
+            <p:cNvPr id="166" name="Rogner un rectangle à un seul coin 165"/>
+            <p:cNvSpPr/>
+            <p:nvPr/>
+          </p:nvSpPr>
+          <p:spPr>
+            <a:xfrm>
+              <a:off x="1789283" y="3117534"/>
+              <a:ext cx="262435" cy="337291"/>
+            </a:xfrm>
+            <a:prstGeom prst="snip1Rect">
+              <a:avLst/>
+            </a:prstGeom>
+            <a:solidFill>
+              <a:schemeClr val="accent6">
+                <a:lumMod val="60000"/>
+                <a:lumOff val="40000"/>
+              </a:schemeClr>
+            </a:solidFill>
+            <a:ln w="6350" cmpd="sng">
+              <a:solidFill>
+                <a:schemeClr val="tx1"/>
+              </a:solidFill>
+            </a:ln>
+          </p:spPr>
+          <p:style>
+            <a:lnRef idx="1">
+              <a:schemeClr val="accent1"/>
+            </a:lnRef>
+            <a:fillRef idx="3">
+              <a:schemeClr val="accent1"/>
+            </a:fillRef>
+            <a:effectRef idx="2">
+              <a:schemeClr val="accent1"/>
+            </a:effectRef>
+            <a:fontRef idx="minor">
+              <a:schemeClr val="lt1"/>
+            </a:fontRef>
+          </p:style>
+          <p:txBody>
+            <a:bodyPr rtlCol="0" anchor="ctr"/>
+            <a:lstStyle/>
+            <a:p>
+              <a:pPr algn="ctr"/>
+              <a:endParaRPr lang="fr-FR"/>
+            </a:p>
+          </p:txBody>
+        </p:sp>
+        <p:cxnSp>
+          <p:nvCxnSpPr>
+            <p:cNvPr id="167" name="Connecteur droit 166"/>
+            <p:cNvCxnSpPr/>
+            <p:nvPr/>
+          </p:nvCxnSpPr>
+          <p:spPr>
+            <a:xfrm>
+              <a:off x="1818542" y="3208765"/>
+              <a:ext cx="196646" cy="0"/>
+            </a:xfrm>
+            <a:prstGeom prst="line">
+              <a:avLst/>
+            </a:prstGeom>
+            <a:ln w="12700" cmpd="sng">
+              <a:solidFill>
+                <a:srgbClr val="000000"/>
+              </a:solidFill>
+            </a:ln>
+            <a:effectLst/>
+          </p:spPr>
+          <p:style>
+            <a:lnRef idx="2">
+              <a:schemeClr val="accent1"/>
+            </a:lnRef>
+            <a:fillRef idx="0">
+              <a:schemeClr val="accent1"/>
+            </a:fillRef>
+            <a:effectRef idx="1">
+              <a:schemeClr val="accent1"/>
+            </a:effectRef>
+            <a:fontRef idx="minor">
+              <a:schemeClr val="tx1"/>
+            </a:fontRef>
+          </p:style>
+        </p:cxnSp>
+        <p:cxnSp>
+          <p:nvCxnSpPr>
+            <p:cNvPr id="168" name="Connecteur droit 167"/>
+            <p:cNvCxnSpPr/>
+            <p:nvPr/>
+          </p:nvCxnSpPr>
+          <p:spPr>
+            <a:xfrm>
+              <a:off x="1818542" y="3246349"/>
+              <a:ext cx="196646" cy="0"/>
+            </a:xfrm>
+            <a:prstGeom prst="line">
+              <a:avLst/>
+            </a:prstGeom>
+            <a:ln w="12700" cmpd="sng">
+              <a:solidFill>
+                <a:srgbClr val="000000"/>
+              </a:solidFill>
+            </a:ln>
+            <a:effectLst/>
+          </p:spPr>
+          <p:style>
+            <a:lnRef idx="2">
+              <a:schemeClr val="accent1"/>
+            </a:lnRef>
+            <a:fillRef idx="0">
+              <a:schemeClr val="accent1"/>
+            </a:fillRef>
+            <a:effectRef idx="1">
+              <a:schemeClr val="accent1"/>
+            </a:effectRef>
+            <a:fontRef idx="minor">
+              <a:schemeClr val="tx1"/>
+            </a:fontRef>
+          </p:style>
+        </p:cxnSp>
+        <p:cxnSp>
+          <p:nvCxnSpPr>
+            <p:cNvPr id="169" name="Connecteur droit 168"/>
+            <p:cNvCxnSpPr/>
+            <p:nvPr/>
+          </p:nvCxnSpPr>
+          <p:spPr>
+            <a:xfrm>
+              <a:off x="1821717" y="3284449"/>
+              <a:ext cx="196646" cy="0"/>
+            </a:xfrm>
+            <a:prstGeom prst="line">
+              <a:avLst/>
+            </a:prstGeom>
+            <a:ln w="12700" cmpd="sng">
+              <a:solidFill>
+                <a:srgbClr val="000000"/>
+              </a:solidFill>
+            </a:ln>
+            <a:effectLst/>
+          </p:spPr>
+          <p:style>
+            <a:lnRef idx="2">
+              <a:schemeClr val="accent1"/>
+            </a:lnRef>
+            <a:fillRef idx="0">
+              <a:schemeClr val="accent1"/>
+            </a:fillRef>
+            <a:effectRef idx="1">
+              <a:schemeClr val="accent1"/>
+            </a:effectRef>
+            <a:fontRef idx="minor">
+              <a:schemeClr val="tx1"/>
+            </a:fontRef>
+          </p:style>
+        </p:cxnSp>
+        <p:cxnSp>
+          <p:nvCxnSpPr>
+            <p:cNvPr id="170" name="Connecteur droit 169"/>
+            <p:cNvCxnSpPr/>
+            <p:nvPr/>
+          </p:nvCxnSpPr>
+          <p:spPr>
+            <a:xfrm>
+              <a:off x="1821717" y="3319266"/>
+              <a:ext cx="196646" cy="0"/>
+            </a:xfrm>
+            <a:prstGeom prst="line">
+              <a:avLst/>
+            </a:prstGeom>
+            <a:ln w="12700" cmpd="sng">
+              <a:solidFill>
+                <a:srgbClr val="000000"/>
+              </a:solidFill>
+            </a:ln>
+            <a:effectLst/>
+          </p:spPr>
+          <p:style>
+            <a:lnRef idx="2">
+              <a:schemeClr val="accent1"/>
+            </a:lnRef>
+            <a:fillRef idx="0">
+              <a:schemeClr val="accent1"/>
+            </a:fillRef>
+            <a:effectRef idx="1">
+              <a:schemeClr val="accent1"/>
+            </a:effectRef>
+            <a:fontRef idx="minor">
+              <a:schemeClr val="tx1"/>
+            </a:fontRef>
+          </p:style>
+        </p:cxnSp>
+        <p:cxnSp>
+          <p:nvCxnSpPr>
+            <p:cNvPr id="171" name="Connecteur droit 170"/>
+            <p:cNvCxnSpPr/>
+            <p:nvPr/>
+          </p:nvCxnSpPr>
+          <p:spPr>
+            <a:xfrm>
+              <a:off x="1821717" y="3354299"/>
+              <a:ext cx="196646" cy="0"/>
+            </a:xfrm>
+            <a:prstGeom prst="line">
+              <a:avLst/>
+            </a:prstGeom>
+            <a:ln w="12700" cmpd="sng">
+              <a:solidFill>
+                <a:srgbClr val="000000"/>
+              </a:solidFill>
+            </a:ln>
+            <a:effectLst/>
+          </p:spPr>
+          <p:style>
+            <a:lnRef idx="2">
+              <a:schemeClr val="accent1"/>
+            </a:lnRef>
+            <a:fillRef idx="0">
+              <a:schemeClr val="accent1"/>
+            </a:fillRef>
+            <a:effectRef idx="1">
+              <a:schemeClr val="accent1"/>
+            </a:effectRef>
+            <a:fontRef idx="minor">
+              <a:schemeClr val="tx1"/>
+            </a:fontRef>
+          </p:style>
+        </p:cxnSp>
+        <p:cxnSp>
+          <p:nvCxnSpPr>
+            <p:cNvPr id="172" name="Connecteur droit 171"/>
+            <p:cNvCxnSpPr/>
+            <p:nvPr/>
+          </p:nvCxnSpPr>
+          <p:spPr>
+            <a:xfrm>
+              <a:off x="1821717" y="3389116"/>
+              <a:ext cx="196646" cy="0"/>
+            </a:xfrm>
+            <a:prstGeom prst="line">
+              <a:avLst/>
+            </a:prstGeom>
+            <a:ln w="12700" cmpd="sng">
+              <a:solidFill>
+                <a:srgbClr val="000000"/>
+              </a:solidFill>
+            </a:ln>
+            <a:effectLst/>
+          </p:spPr>
+          <p:style>
+            <a:lnRef idx="2">
+              <a:schemeClr val="accent1"/>
+            </a:lnRef>
+            <a:fillRef idx="0">
+              <a:schemeClr val="accent1"/>
+            </a:fillRef>
+            <a:effectRef idx="1">
+              <a:schemeClr val="accent1"/>
+            </a:effectRef>
+            <a:fontRef idx="minor">
+              <a:schemeClr val="tx1"/>
+            </a:fontRef>
+          </p:style>
+        </p:cxnSp>
+      </p:grpSp>
+      <p:grpSp>
+        <p:nvGrpSpPr>
+          <p:cNvPr id="173" name="Grouper 172"/>
+          <p:cNvGrpSpPr/>
+          <p:nvPr/>
+        </p:nvGrpSpPr>
+        <p:grpSpPr>
+          <a:xfrm>
+            <a:off x="6185139" y="3329156"/>
+            <a:ext cx="262435" cy="337291"/>
+            <a:chOff x="1789283" y="3117534"/>
+            <a:chExt cx="262435" cy="337291"/>
+          </a:xfrm>
+        </p:grpSpPr>
+        <p:sp>
+          <p:nvSpPr>
+            <p:cNvPr id="174" name="Rogner un rectangle à un seul coin 173"/>
+            <p:cNvSpPr/>
+            <p:nvPr/>
+          </p:nvSpPr>
+          <p:spPr>
+            <a:xfrm>
+              <a:off x="1789283" y="3117534"/>
+              <a:ext cx="262435" cy="337291"/>
+            </a:xfrm>
+            <a:prstGeom prst="snip1Rect">
+              <a:avLst/>
+            </a:prstGeom>
+            <a:solidFill>
+              <a:schemeClr val="accent5">
+                <a:lumMod val="60000"/>
+                <a:lumOff val="40000"/>
+              </a:schemeClr>
+            </a:solidFill>
+            <a:ln w="6350" cmpd="sng">
+              <a:solidFill>
+                <a:schemeClr val="tx1"/>
+              </a:solidFill>
+            </a:ln>
+          </p:spPr>
+          <p:style>
+            <a:lnRef idx="1">
+              <a:schemeClr val="accent1"/>
+            </a:lnRef>
+            <a:fillRef idx="3">
+              <a:schemeClr val="accent1"/>
+            </a:fillRef>
+            <a:effectRef idx="2">
+              <a:schemeClr val="accent1"/>
+            </a:effectRef>
+            <a:fontRef idx="minor">
+              <a:schemeClr val="lt1"/>
+            </a:fontRef>
+          </p:style>
+          <p:txBody>
+            <a:bodyPr rtlCol="0" anchor="ctr"/>
+            <a:lstStyle/>
+            <a:p>
+              <a:pPr algn="ctr"/>
+              <a:endParaRPr lang="fr-FR"/>
+            </a:p>
+          </p:txBody>
+        </p:sp>
+        <p:cxnSp>
+          <p:nvCxnSpPr>
+            <p:cNvPr id="175" name="Connecteur droit 174"/>
+            <p:cNvCxnSpPr/>
+            <p:nvPr/>
+          </p:nvCxnSpPr>
+          <p:spPr>
+            <a:xfrm>
+              <a:off x="1818542" y="3208765"/>
+              <a:ext cx="196646" cy="0"/>
+            </a:xfrm>
+            <a:prstGeom prst="line">
+              <a:avLst/>
+            </a:prstGeom>
+            <a:ln w="12700" cmpd="sng">
+              <a:solidFill>
+                <a:srgbClr val="000000"/>
+              </a:solidFill>
+            </a:ln>
+            <a:effectLst/>
+          </p:spPr>
+          <p:style>
+            <a:lnRef idx="2">
+              <a:schemeClr val="accent1"/>
+            </a:lnRef>
+            <a:fillRef idx="0">
+              <a:schemeClr val="accent1"/>
+            </a:fillRef>
+            <a:effectRef idx="1">
+              <a:schemeClr val="accent1"/>
+            </a:effectRef>
+            <a:fontRef idx="minor">
+              <a:schemeClr val="tx1"/>
+            </a:fontRef>
+          </p:style>
+        </p:cxnSp>
+        <p:cxnSp>
+          <p:nvCxnSpPr>
+            <p:cNvPr id="176" name="Connecteur droit 175"/>
+            <p:cNvCxnSpPr/>
+            <p:nvPr/>
+          </p:nvCxnSpPr>
+          <p:spPr>
+            <a:xfrm>
+              <a:off x="1818542" y="3246349"/>
+              <a:ext cx="196646" cy="0"/>
+            </a:xfrm>
+            <a:prstGeom prst="line">
+              <a:avLst/>
+            </a:prstGeom>
+            <a:ln w="12700" cmpd="sng">
+              <a:solidFill>
+                <a:srgbClr val="000000"/>
+              </a:solidFill>
+            </a:ln>
+            <a:effectLst/>
+          </p:spPr>
+          <p:style>
+            <a:lnRef idx="2">
+              <a:schemeClr val="accent1"/>
+            </a:lnRef>
+            <a:fillRef idx="0">
+              <a:schemeClr val="accent1"/>
+            </a:fillRef>
+            <a:effectRef idx="1">
+              <a:schemeClr val="accent1"/>
+            </a:effectRef>
+            <a:fontRef idx="minor">
+              <a:schemeClr val="tx1"/>
+            </a:fontRef>
+          </p:style>
+        </p:cxnSp>
+        <p:cxnSp>
+          <p:nvCxnSpPr>
+            <p:cNvPr id="177" name="Connecteur droit 176"/>
+            <p:cNvCxnSpPr/>
+            <p:nvPr/>
+          </p:nvCxnSpPr>
+          <p:spPr>
+            <a:xfrm>
+              <a:off x="1821717" y="3284449"/>
+              <a:ext cx="196646" cy="0"/>
+            </a:xfrm>
+            <a:prstGeom prst="line">
+              <a:avLst/>
+            </a:prstGeom>
+            <a:ln w="12700" cmpd="sng">
+              <a:solidFill>
+                <a:srgbClr val="000000"/>
+              </a:solidFill>
+            </a:ln>
+            <a:effectLst/>
+          </p:spPr>
+          <p:style>
+            <a:lnRef idx="2">
+              <a:schemeClr val="accent1"/>
+            </a:lnRef>
+            <a:fillRef idx="0">
+              <a:schemeClr val="accent1"/>
+            </a:fillRef>
+            <a:effectRef idx="1">
+              <a:schemeClr val="accent1"/>
+            </a:effectRef>
+            <a:fontRef idx="minor">
+              <a:schemeClr val="tx1"/>
+            </a:fontRef>
+          </p:style>
+        </p:cxnSp>
+        <p:cxnSp>
+          <p:nvCxnSpPr>
+            <p:cNvPr id="178" name="Connecteur droit 177"/>
+            <p:cNvCxnSpPr/>
+            <p:nvPr/>
+          </p:nvCxnSpPr>
+          <p:spPr>
+            <a:xfrm>
+              <a:off x="1821717" y="3319266"/>
+              <a:ext cx="196646" cy="0"/>
+            </a:xfrm>
+            <a:prstGeom prst="line">
+              <a:avLst/>
+            </a:prstGeom>
+            <a:ln w="12700" cmpd="sng">
+              <a:solidFill>
+                <a:srgbClr val="000000"/>
+              </a:solidFill>
+            </a:ln>
+            <a:effectLst/>
+          </p:spPr>
+          <p:style>
+            <a:lnRef idx="2">
+              <a:schemeClr val="accent1"/>
+            </a:lnRef>
+            <a:fillRef idx="0">
+              <a:schemeClr val="accent1"/>
+            </a:fillRef>
+            <a:effectRef idx="1">
+              <a:schemeClr val="accent1"/>
+            </a:effectRef>
+            <a:fontRef idx="minor">
+              <a:schemeClr val="tx1"/>
+            </a:fontRef>
+          </p:style>
+        </p:cxnSp>
+        <p:cxnSp>
+          <p:nvCxnSpPr>
+            <p:cNvPr id="179" name="Connecteur droit 178"/>
+            <p:cNvCxnSpPr/>
+            <p:nvPr/>
+          </p:nvCxnSpPr>
+          <p:spPr>
+            <a:xfrm>
+              <a:off x="1821717" y="3354299"/>
+              <a:ext cx="196646" cy="0"/>
+            </a:xfrm>
+            <a:prstGeom prst="line">
+              <a:avLst/>
+            </a:prstGeom>
+            <a:ln w="12700" cmpd="sng">
+              <a:solidFill>
+                <a:srgbClr val="000000"/>
+              </a:solidFill>
+            </a:ln>
+            <a:effectLst/>
+          </p:spPr>
+          <p:style>
+            <a:lnRef idx="2">
+              <a:schemeClr val="accent1"/>
+            </a:lnRef>
+            <a:fillRef idx="0">
+              <a:schemeClr val="accent1"/>
+            </a:fillRef>
+            <a:effectRef idx="1">
+              <a:schemeClr val="accent1"/>
+            </a:effectRef>
+            <a:fontRef idx="minor">
+              <a:schemeClr val="tx1"/>
+            </a:fontRef>
+          </p:style>
+        </p:cxnSp>
+        <p:cxnSp>
+          <p:nvCxnSpPr>
+            <p:cNvPr id="180" name="Connecteur droit 179"/>
+            <p:cNvCxnSpPr/>
+            <p:nvPr/>
+          </p:nvCxnSpPr>
+          <p:spPr>
+            <a:xfrm>
+              <a:off x="1821717" y="3389116"/>
+              <a:ext cx="196646" cy="0"/>
+            </a:xfrm>
+            <a:prstGeom prst="line">
+              <a:avLst/>
+            </a:prstGeom>
+            <a:ln w="12700" cmpd="sng">
+              <a:solidFill>
+                <a:srgbClr val="000000"/>
+              </a:solidFill>
+            </a:ln>
+            <a:effectLst/>
+          </p:spPr>
+          <p:style>
+            <a:lnRef idx="2">
+              <a:schemeClr val="accent1"/>
+            </a:lnRef>
+            <a:fillRef idx="0">
+              <a:schemeClr val="accent1"/>
+            </a:fillRef>
+            <a:effectRef idx="1">
+              <a:schemeClr val="accent1"/>
+            </a:effectRef>
+            <a:fontRef idx="minor">
+              <a:schemeClr val="tx1"/>
+            </a:fontRef>
+          </p:style>
+        </p:cxnSp>
+      </p:grpSp>
+      <p:grpSp>
+        <p:nvGrpSpPr>
+          <p:cNvPr id="181" name="Grouper 180"/>
+          <p:cNvGrpSpPr/>
+          <p:nvPr/>
+        </p:nvGrpSpPr>
+        <p:grpSpPr>
+          <a:xfrm>
+            <a:off x="6485659" y="3321649"/>
+            <a:ext cx="262435" cy="337291"/>
+            <a:chOff x="1789283" y="3117534"/>
+            <a:chExt cx="262435" cy="337291"/>
+          </a:xfrm>
+        </p:grpSpPr>
+        <p:sp>
+          <p:nvSpPr>
+            <p:cNvPr id="182" name="Rogner un rectangle à un seul coin 181"/>
+            <p:cNvSpPr/>
+            <p:nvPr/>
+          </p:nvSpPr>
+          <p:spPr>
+            <a:xfrm>
+              <a:off x="1789283" y="3117534"/>
+              <a:ext cx="262435" cy="337291"/>
+            </a:xfrm>
+            <a:prstGeom prst="snip1Rect">
+              <a:avLst/>
+            </a:prstGeom>
+            <a:solidFill>
+              <a:schemeClr val="accent4">
+                <a:lumMod val="40000"/>
+                <a:lumOff val="60000"/>
+              </a:schemeClr>
+            </a:solidFill>
+            <a:ln w="6350" cmpd="sng">
+              <a:solidFill>
+                <a:schemeClr val="tx1"/>
+              </a:solidFill>
+            </a:ln>
+          </p:spPr>
+          <p:style>
+            <a:lnRef idx="1">
+              <a:schemeClr val="accent1"/>
+            </a:lnRef>
+            <a:fillRef idx="3">
+              <a:schemeClr val="accent1"/>
+            </a:fillRef>
+            <a:effectRef idx="2">
+              <a:schemeClr val="accent1"/>
+            </a:effectRef>
+            <a:fontRef idx="minor">
+              <a:schemeClr val="lt1"/>
+            </a:fontRef>
+          </p:style>
+          <p:txBody>
+            <a:bodyPr rtlCol="0" anchor="ctr"/>
+            <a:lstStyle/>
+            <a:p>
+              <a:pPr algn="ctr"/>
+              <a:endParaRPr lang="fr-FR"/>
+            </a:p>
+          </p:txBody>
+        </p:sp>
+        <p:cxnSp>
+          <p:nvCxnSpPr>
+            <p:cNvPr id="183" name="Connecteur droit 182"/>
+            <p:cNvCxnSpPr/>
+            <p:nvPr/>
+          </p:nvCxnSpPr>
+          <p:spPr>
+            <a:xfrm>
+              <a:off x="1818542" y="3208765"/>
+              <a:ext cx="196646" cy="0"/>
+            </a:xfrm>
+            <a:prstGeom prst="line">
+              <a:avLst/>
+            </a:prstGeom>
+            <a:ln w="12700" cmpd="sng">
+              <a:solidFill>
+                <a:srgbClr val="000000"/>
+              </a:solidFill>
+            </a:ln>
+            <a:effectLst/>
+          </p:spPr>
+          <p:style>
+            <a:lnRef idx="2">
+              <a:schemeClr val="accent1"/>
+            </a:lnRef>
+            <a:fillRef idx="0">
+              <a:schemeClr val="accent1"/>
+            </a:fillRef>
+            <a:effectRef idx="1">
+              <a:schemeClr val="accent1"/>
+            </a:effectRef>
+            <a:fontRef idx="minor">
+              <a:schemeClr val="tx1"/>
+            </a:fontRef>
+          </p:style>
+        </p:cxnSp>
+        <p:cxnSp>
+          <p:nvCxnSpPr>
+            <p:cNvPr id="184" name="Connecteur droit 183"/>
+            <p:cNvCxnSpPr/>
+            <p:nvPr/>
+          </p:nvCxnSpPr>
+          <p:spPr>
+            <a:xfrm>
+              <a:off x="1818542" y="3246349"/>
+              <a:ext cx="196646" cy="0"/>
+            </a:xfrm>
+            <a:prstGeom prst="line">
+              <a:avLst/>
+            </a:prstGeom>
+            <a:ln w="12700" cmpd="sng">
+              <a:solidFill>
+                <a:srgbClr val="000000"/>
+              </a:solidFill>
+            </a:ln>
+            <a:effectLst/>
+          </p:spPr>
+          <p:style>
+            <a:lnRef idx="2">
+              <a:schemeClr val="accent1"/>
+            </a:lnRef>
+            <a:fillRef idx="0">
+              <a:schemeClr val="accent1"/>
+            </a:fillRef>
+            <a:effectRef idx="1">
+              <a:schemeClr val="accent1"/>
+            </a:effectRef>
+            <a:fontRef idx="minor">
+              <a:schemeClr val="tx1"/>
+            </a:fontRef>
+          </p:style>
+        </p:cxnSp>
+        <p:cxnSp>
+          <p:nvCxnSpPr>
+            <p:cNvPr id="185" name="Connecteur droit 184"/>
+            <p:cNvCxnSpPr/>
+            <p:nvPr/>
+          </p:nvCxnSpPr>
+          <p:spPr>
+            <a:xfrm>
+              <a:off x="1821717" y="3284449"/>
+              <a:ext cx="196646" cy="0"/>
+            </a:xfrm>
+            <a:prstGeom prst="line">
+              <a:avLst/>
+            </a:prstGeom>
+            <a:ln w="12700" cmpd="sng">
+              <a:solidFill>
+                <a:srgbClr val="000000"/>
+              </a:solidFill>
+            </a:ln>
+            <a:effectLst/>
+          </p:spPr>
+          <p:style>
+            <a:lnRef idx="2">
+              <a:schemeClr val="accent1"/>
+            </a:lnRef>
+            <a:fillRef idx="0">
+              <a:schemeClr val="accent1"/>
+            </a:fillRef>
+            <a:effectRef idx="1">
+              <a:schemeClr val="accent1"/>
+            </a:effectRef>
+            <a:fontRef idx="minor">
+              <a:schemeClr val="tx1"/>
+            </a:fontRef>
+          </p:style>
+        </p:cxnSp>
+        <p:cxnSp>
+          <p:nvCxnSpPr>
+            <p:cNvPr id="186" name="Connecteur droit 185"/>
+            <p:cNvCxnSpPr/>
+            <p:nvPr/>
+          </p:nvCxnSpPr>
+          <p:spPr>
+            <a:xfrm>
+              <a:off x="1821717" y="3319266"/>
+              <a:ext cx="196646" cy="0"/>
+            </a:xfrm>
+            <a:prstGeom prst="line">
+              <a:avLst/>
+            </a:prstGeom>
+            <a:ln w="12700" cmpd="sng">
+              <a:solidFill>
+                <a:srgbClr val="000000"/>
+              </a:solidFill>
+            </a:ln>
+            <a:effectLst/>
+          </p:spPr>
+          <p:style>
+            <a:lnRef idx="2">
+              <a:schemeClr val="accent1"/>
+            </a:lnRef>
+            <a:fillRef idx="0">
+              <a:schemeClr val="accent1"/>
+            </a:fillRef>
+            <a:effectRef idx="1">
+              <a:schemeClr val="accent1"/>
+            </a:effectRef>
+            <a:fontRef idx="minor">
+              <a:schemeClr val="tx1"/>
+            </a:fontRef>
+          </p:style>
+        </p:cxnSp>
+        <p:cxnSp>
+          <p:nvCxnSpPr>
+            <p:cNvPr id="187" name="Connecteur droit 186"/>
+            <p:cNvCxnSpPr/>
+            <p:nvPr/>
+          </p:nvCxnSpPr>
+          <p:spPr>
+            <a:xfrm>
+              <a:off x="1821717" y="3354299"/>
+              <a:ext cx="196646" cy="0"/>
+            </a:xfrm>
+            <a:prstGeom prst="line">
+              <a:avLst/>
+            </a:prstGeom>
+            <a:ln w="12700" cmpd="sng">
+              <a:solidFill>
+                <a:srgbClr val="000000"/>
+              </a:solidFill>
+            </a:ln>
+            <a:effectLst/>
+          </p:spPr>
+          <p:style>
+            <a:lnRef idx="2">
+              <a:schemeClr val="accent1"/>
+            </a:lnRef>
+            <a:fillRef idx="0">
+              <a:schemeClr val="accent1"/>
+            </a:fillRef>
+            <a:effectRef idx="1">
+              <a:schemeClr val="accent1"/>
+            </a:effectRef>
+            <a:fontRef idx="minor">
+              <a:schemeClr val="tx1"/>
+            </a:fontRef>
+          </p:style>
+        </p:cxnSp>
+        <p:cxnSp>
+          <p:nvCxnSpPr>
+            <p:cNvPr id="188" name="Connecteur droit 187"/>
+            <p:cNvCxnSpPr/>
+            <p:nvPr/>
+          </p:nvCxnSpPr>
+          <p:spPr>
+            <a:xfrm>
+              <a:off x="1821717" y="3389116"/>
+              <a:ext cx="196646" cy="0"/>
+            </a:xfrm>
+            <a:prstGeom prst="line">
+              <a:avLst/>
+            </a:prstGeom>
+            <a:ln w="12700" cmpd="sng">
+              <a:solidFill>
+                <a:srgbClr val="000000"/>
+              </a:solidFill>
+            </a:ln>
+            <a:effectLst/>
+          </p:spPr>
+          <p:style>
+            <a:lnRef idx="2">
+              <a:schemeClr val="accent1"/>
+            </a:lnRef>
+            <a:fillRef idx="0">
+              <a:schemeClr val="accent1"/>
+            </a:fillRef>
+            <a:effectRef idx="1">
+              <a:schemeClr val="accent1"/>
+            </a:effectRef>
+            <a:fontRef idx="minor">
+              <a:schemeClr val="tx1"/>
+            </a:fontRef>
+          </p:style>
+        </p:cxnSp>
+      </p:grpSp>
+      <p:sp>
+        <p:nvSpPr>
+          <p:cNvPr id="153" name="Forme libre 152"/>
+          <p:cNvSpPr/>
+          <p:nvPr/>
+        </p:nvSpPr>
+        <p:spPr>
+          <a:xfrm rot="5400000">
+            <a:off x="5763943" y="2664098"/>
+            <a:ext cx="1310383" cy="162985"/>
+          </a:xfrm>
+          <a:custGeom>
+            <a:avLst/>
+            <a:gdLst>
+              <a:gd name="connsiteX0" fmla="*/ 0 w 2569882"/>
+              <a:gd name="connsiteY0" fmla="*/ 149444 h 149444"/>
+              <a:gd name="connsiteX1" fmla="*/ 1344705 w 2569882"/>
+              <a:gd name="connsiteY1" fmla="*/ 33 h 149444"/>
+              <a:gd name="connsiteX2" fmla="*/ 2569882 w 2569882"/>
+              <a:gd name="connsiteY2" fmla="*/ 134503 h 149444"/>
+              <a:gd name="connsiteX0" fmla="*/ 0 w 2569882"/>
+              <a:gd name="connsiteY0" fmla="*/ 134507 h 134507"/>
+              <a:gd name="connsiteX1" fmla="*/ 1270000 w 2569882"/>
+              <a:gd name="connsiteY1" fmla="*/ 38 h 134507"/>
+              <a:gd name="connsiteX2" fmla="*/ 2569882 w 2569882"/>
+              <a:gd name="connsiteY2" fmla="*/ 119566 h 134507"/>
+              <a:gd name="connsiteX0" fmla="*/ 0 w 2569882"/>
+              <a:gd name="connsiteY0" fmla="*/ 141071 h 141071"/>
+              <a:gd name="connsiteX1" fmla="*/ 1340732 w 2569882"/>
+              <a:gd name="connsiteY1" fmla="*/ 35 h 141071"/>
+              <a:gd name="connsiteX2" fmla="*/ 2569882 w 2569882"/>
+              <a:gd name="connsiteY2" fmla="*/ 126130 h 141071"/>
+              <a:gd name="connsiteX0" fmla="*/ 0 w 2569882"/>
+              <a:gd name="connsiteY0" fmla="*/ 141202 h 141202"/>
+              <a:gd name="connsiteX1" fmla="*/ 1340732 w 2569882"/>
+              <a:gd name="connsiteY1" fmla="*/ 166 h 141202"/>
+              <a:gd name="connsiteX2" fmla="*/ 2569882 w 2569882"/>
+              <a:gd name="connsiteY2" fmla="*/ 126261 h 141202"/>
+              <a:gd name="connsiteX0" fmla="*/ 0 w 3790641"/>
+              <a:gd name="connsiteY0" fmla="*/ 141202 h 407851"/>
+              <a:gd name="connsiteX1" fmla="*/ 1340732 w 3790641"/>
+              <a:gd name="connsiteY1" fmla="*/ 166 h 407851"/>
+              <a:gd name="connsiteX2" fmla="*/ 3790640 w 3790641"/>
+              <a:gd name="connsiteY2" fmla="*/ 407850 h 407851"/>
+            </a:gdLst>
+            <a:ahLst/>
+            <a:cxnLst>
+              <a:cxn ang="0">
+                <a:pos x="connsiteX0" y="connsiteY0"/>
+              </a:cxn>
+              <a:cxn ang="0">
+                <a:pos x="connsiteX1" y="connsiteY1"/>
+              </a:cxn>
+              <a:cxn ang="0">
+                <a:pos x="connsiteX2" y="connsiteY2"/>
+              </a:cxn>
+            </a:cxnLst>
+            <a:rect l="l" t="t" r="r" b="b"/>
+            <a:pathLst>
+              <a:path w="3790641" h="407851">
+                <a:moveTo>
+                  <a:pt x="0" y="141202"/>
+                </a:moveTo>
+                <a:cubicBezTo>
+                  <a:pt x="458195" y="67741"/>
+                  <a:pt x="912418" y="-3911"/>
+                  <a:pt x="1340732" y="166"/>
+                </a:cubicBezTo>
+                <a:cubicBezTo>
+                  <a:pt x="1769046" y="4243"/>
+                  <a:pt x="3790640" y="407850"/>
+                  <a:pt x="3790640" y="407850"/>
+                </a:cubicBezTo>
+              </a:path>
+            </a:pathLst>
+          </a:custGeom>
+          <a:ln w="9525" cmpd="sng">
+            <a:solidFill>
+              <a:schemeClr val="tx1"/>
+            </a:solidFill>
+            <a:headEnd type="oval" w="sm" len="sm"/>
+            <a:tailEnd type="stealth" w="sm" len="sm"/>
+          </a:ln>
+        </p:spPr>
+        <p:style>
+          <a:lnRef idx="2">
+            <a:schemeClr val="accent1"/>
+          </a:lnRef>
+          <a:fillRef idx="0">
+            <a:schemeClr val="accent1"/>
+          </a:fillRef>
+          <a:effectRef idx="1">
+            <a:schemeClr val="accent1"/>
+          </a:effectRef>
+          <a:fontRef idx="minor">
+            <a:schemeClr val="tx1"/>
+          </a:fontRef>
+        </p:style>
+        <p:txBody>
+          <a:bodyPr rtlCol="0" anchor="ctr"/>
+          <a:lstStyle/>
+          <a:p>
+            <a:pPr algn="ctr"/>
+            <a:endParaRPr lang="fr-FR"/>
+          </a:p>
+        </p:txBody>
+      </p:sp>
+      <p:sp>
+        <p:nvSpPr>
+          <p:cNvPr id="154" name="Forme libre 153"/>
+          <p:cNvSpPr/>
+          <p:nvPr/>
+        </p:nvSpPr>
+        <p:spPr>
+          <a:xfrm rot="5400000">
+            <a:off x="5874175" y="2424967"/>
+            <a:ext cx="920535" cy="251400"/>
+          </a:xfrm>
+          <a:custGeom>
+            <a:avLst/>
+            <a:gdLst>
+              <a:gd name="connsiteX0" fmla="*/ 0 w 2569882"/>
+              <a:gd name="connsiteY0" fmla="*/ 149444 h 149444"/>
+              <a:gd name="connsiteX1" fmla="*/ 1344705 w 2569882"/>
+              <a:gd name="connsiteY1" fmla="*/ 33 h 149444"/>
+              <a:gd name="connsiteX2" fmla="*/ 2569882 w 2569882"/>
+              <a:gd name="connsiteY2" fmla="*/ 134503 h 149444"/>
+              <a:gd name="connsiteX0" fmla="*/ 0 w 2569882"/>
+              <a:gd name="connsiteY0" fmla="*/ 134507 h 134507"/>
+              <a:gd name="connsiteX1" fmla="*/ 1270000 w 2569882"/>
+              <a:gd name="connsiteY1" fmla="*/ 38 h 134507"/>
+              <a:gd name="connsiteX2" fmla="*/ 2569882 w 2569882"/>
+              <a:gd name="connsiteY2" fmla="*/ 119566 h 134507"/>
+              <a:gd name="connsiteX0" fmla="*/ 0 w 2569882"/>
+              <a:gd name="connsiteY0" fmla="*/ 141071 h 141071"/>
+              <a:gd name="connsiteX1" fmla="*/ 1340732 w 2569882"/>
+              <a:gd name="connsiteY1" fmla="*/ 35 h 141071"/>
+              <a:gd name="connsiteX2" fmla="*/ 2569882 w 2569882"/>
+              <a:gd name="connsiteY2" fmla="*/ 126130 h 141071"/>
+              <a:gd name="connsiteX0" fmla="*/ 0 w 2569882"/>
+              <a:gd name="connsiteY0" fmla="*/ 141202 h 141202"/>
+              <a:gd name="connsiteX1" fmla="*/ 1340732 w 2569882"/>
+              <a:gd name="connsiteY1" fmla="*/ 166 h 141202"/>
+              <a:gd name="connsiteX2" fmla="*/ 2569882 w 2569882"/>
+              <a:gd name="connsiteY2" fmla="*/ 126261 h 141202"/>
+              <a:gd name="connsiteX0" fmla="*/ 0 w 2662899"/>
+              <a:gd name="connsiteY0" fmla="*/ 141202 h 629099"/>
+              <a:gd name="connsiteX1" fmla="*/ 1340732 w 2662899"/>
+              <a:gd name="connsiteY1" fmla="*/ 166 h 629099"/>
+              <a:gd name="connsiteX2" fmla="*/ 2662898 w 2662899"/>
+              <a:gd name="connsiteY2" fmla="*/ 629100 h 629099"/>
+            </a:gdLst>
+            <a:ahLst/>
+            <a:cxnLst>
+              <a:cxn ang="0">
+                <a:pos x="connsiteX0" y="connsiteY0"/>
+              </a:cxn>
+              <a:cxn ang="0">
+                <a:pos x="connsiteX1" y="connsiteY1"/>
+              </a:cxn>
+              <a:cxn ang="0">
+                <a:pos x="connsiteX2" y="connsiteY2"/>
+              </a:cxn>
+            </a:cxnLst>
+            <a:rect l="l" t="t" r="r" b="b"/>
+            <a:pathLst>
+              <a:path w="2662899" h="629099">
+                <a:moveTo>
+                  <a:pt x="0" y="141202"/>
+                </a:moveTo>
+                <a:cubicBezTo>
+                  <a:pt x="458195" y="67741"/>
+                  <a:pt x="912418" y="-3911"/>
+                  <a:pt x="1340732" y="166"/>
+                </a:cubicBezTo>
+                <a:cubicBezTo>
+                  <a:pt x="1769046" y="4243"/>
+                  <a:pt x="2662898" y="629100"/>
+                  <a:pt x="2662898" y="629100"/>
+                </a:cubicBezTo>
+              </a:path>
+            </a:pathLst>
+          </a:custGeom>
+          <a:ln w="9525" cmpd="sng">
+            <a:solidFill>
+              <a:schemeClr val="tx1"/>
+            </a:solidFill>
+            <a:headEnd type="oval" w="sm" len="sm"/>
+            <a:tailEnd type="stealth" w="sm" len="sm"/>
+          </a:ln>
+        </p:spPr>
+        <p:style>
+          <a:lnRef idx="2">
+            <a:schemeClr val="accent1"/>
+          </a:lnRef>
+          <a:fillRef idx="0">
+            <a:schemeClr val="accent1"/>
+          </a:fillRef>
+          <a:effectRef idx="1">
+            <a:schemeClr val="accent1"/>
+          </a:effectRef>
+          <a:fontRef idx="minor">
+            <a:schemeClr val="tx1"/>
+          </a:fontRef>
+        </p:style>
+        <p:txBody>
+          <a:bodyPr rtlCol="0" anchor="ctr"/>
+          <a:lstStyle/>
+          <a:p>
+            <a:pPr algn="ctr"/>
+            <a:endParaRPr lang="fr-FR"/>
+          </a:p>
+        </p:txBody>
+      </p:sp>
+      <p:sp>
+        <p:nvSpPr>
+          <p:cNvPr id="139" name="Forme libre 138"/>
+          <p:cNvSpPr/>
+          <p:nvPr/>
+        </p:nvSpPr>
+        <p:spPr>
+          <a:xfrm rot="5400000">
+            <a:off x="6139373" y="2481787"/>
+            <a:ext cx="925949" cy="153537"/>
+          </a:xfrm>
+          <a:custGeom>
+            <a:avLst/>
+            <a:gdLst>
+              <a:gd name="connsiteX0" fmla="*/ 0 w 2569882"/>
+              <a:gd name="connsiteY0" fmla="*/ 149444 h 149444"/>
+              <a:gd name="connsiteX1" fmla="*/ 1344705 w 2569882"/>
+              <a:gd name="connsiteY1" fmla="*/ 33 h 149444"/>
+              <a:gd name="connsiteX2" fmla="*/ 2569882 w 2569882"/>
+              <a:gd name="connsiteY2" fmla="*/ 134503 h 149444"/>
+              <a:gd name="connsiteX0" fmla="*/ 0 w 2569882"/>
+              <a:gd name="connsiteY0" fmla="*/ 134507 h 134507"/>
+              <a:gd name="connsiteX1" fmla="*/ 1270000 w 2569882"/>
+              <a:gd name="connsiteY1" fmla="*/ 38 h 134507"/>
+              <a:gd name="connsiteX2" fmla="*/ 2569882 w 2569882"/>
+              <a:gd name="connsiteY2" fmla="*/ 119566 h 134507"/>
+              <a:gd name="connsiteX0" fmla="*/ 0 w 2569882"/>
+              <a:gd name="connsiteY0" fmla="*/ 141071 h 141071"/>
+              <a:gd name="connsiteX1" fmla="*/ 1340732 w 2569882"/>
+              <a:gd name="connsiteY1" fmla="*/ 35 h 141071"/>
+              <a:gd name="connsiteX2" fmla="*/ 2569882 w 2569882"/>
+              <a:gd name="connsiteY2" fmla="*/ 126130 h 141071"/>
+              <a:gd name="connsiteX0" fmla="*/ 0 w 2569882"/>
+              <a:gd name="connsiteY0" fmla="*/ 141202 h 141202"/>
+              <a:gd name="connsiteX1" fmla="*/ 1340732 w 2569882"/>
+              <a:gd name="connsiteY1" fmla="*/ 166 h 141202"/>
+              <a:gd name="connsiteX2" fmla="*/ 2569882 w 2569882"/>
+              <a:gd name="connsiteY2" fmla="*/ 126261 h 141202"/>
+              <a:gd name="connsiteX0" fmla="*/ 0 w 2483642"/>
+              <a:gd name="connsiteY0" fmla="*/ 474195 h 474195"/>
+              <a:gd name="connsiteX1" fmla="*/ 1340732 w 2483642"/>
+              <a:gd name="connsiteY1" fmla="*/ 333159 h 474195"/>
+              <a:gd name="connsiteX2" fmla="*/ 2483642 w 2483642"/>
+              <a:gd name="connsiteY2" fmla="*/ 0 h 474195"/>
+            </a:gdLst>
+            <a:ahLst/>
+            <a:cxnLst>
+              <a:cxn ang="0">
+                <a:pos x="connsiteX0" y="connsiteY0"/>
+              </a:cxn>
+              <a:cxn ang="0">
+                <a:pos x="connsiteX1" y="connsiteY1"/>
+              </a:cxn>
+              <a:cxn ang="0">
+                <a:pos x="connsiteX2" y="connsiteY2"/>
+              </a:cxn>
+            </a:cxnLst>
+            <a:rect l="l" t="t" r="r" b="b"/>
+            <a:pathLst>
+              <a:path w="2483642" h="474195">
+                <a:moveTo>
+                  <a:pt x="0" y="474195"/>
+                </a:moveTo>
+                <a:cubicBezTo>
+                  <a:pt x="458195" y="400734"/>
+                  <a:pt x="912418" y="329082"/>
+                  <a:pt x="1340732" y="333159"/>
+                </a:cubicBezTo>
+                <a:cubicBezTo>
+                  <a:pt x="1769046" y="337236"/>
+                  <a:pt x="2483642" y="0"/>
+                  <a:pt x="2483642" y="0"/>
+                </a:cubicBezTo>
+              </a:path>
+            </a:pathLst>
+          </a:custGeom>
+          <a:ln w="9525" cmpd="sng">
+            <a:solidFill>
+              <a:schemeClr val="tx1"/>
+            </a:solidFill>
+            <a:headEnd type="oval"/>
+            <a:tailEnd type="stealth" w="sm" len="sm"/>
+          </a:ln>
+        </p:spPr>
+        <p:style>
+          <a:lnRef idx="2">
+            <a:schemeClr val="accent1"/>
+          </a:lnRef>
+          <a:fillRef idx="0">
+            <a:schemeClr val="accent1"/>
+          </a:fillRef>
+          <a:effectRef idx="1">
+            <a:schemeClr val="accent1"/>
+          </a:effectRef>
+          <a:fontRef idx="minor">
+            <a:schemeClr val="tx1"/>
+          </a:fontRef>
+        </p:style>
+        <p:txBody>
+          <a:bodyPr rtlCol="0" anchor="ctr"/>
+          <a:lstStyle/>
+          <a:p>
+            <a:pPr algn="ctr"/>
+            <a:endParaRPr lang="fr-FR"/>
+          </a:p>
+        </p:txBody>
+      </p:sp>
+      <p:sp>
+        <p:nvSpPr>
+          <p:cNvPr id="189" name="ZoneTexte 188"/>
+          <p:cNvSpPr txBox="1"/>
+          <p:nvPr/>
+        </p:nvSpPr>
+        <p:spPr>
+          <a:xfrm>
+            <a:off x="5636517" y="3775078"/>
+            <a:ext cx="1583082" cy="246221"/>
+          </a:xfrm>
+          <a:prstGeom prst="rect">
+            <a:avLst/>
+          </a:prstGeom>
+          <a:noFill/>
+        </p:spPr>
+        <p:txBody>
+          <a:bodyPr wrap="square" rtlCol="0">
+            <a:spAutoFit/>
+          </a:bodyPr>
+          <a:lstStyle/>
+          <a:p>
+            <a:pPr algn="ctr"/>
+            <a:r>
+              <a:rPr lang="fr-FR" sz="1000" dirty="0" err="1" smtClean="0">
+                <a:latin typeface="Seravek Light"/>
+                <a:cs typeface="Seravek Light"/>
+              </a:rPr>
+              <a:t>Configured</a:t>
+            </a:r>
+            <a:r>
+              <a:rPr lang="fr-FR" sz="1000" dirty="0" smtClean="0">
+                <a:latin typeface="Seravek Light"/>
+                <a:cs typeface="Seravek Light"/>
+              </a:rPr>
+              <a:t> </a:t>
+            </a:r>
+            <a:r>
+              <a:rPr lang="fr-FR" sz="1000" dirty="0" err="1" smtClean="0">
+                <a:latin typeface="Seravek Light"/>
+                <a:cs typeface="Seravek Light"/>
+              </a:rPr>
+              <a:t>DSLs</a:t>
+            </a:r>
+            <a:endParaRPr lang="fr-FR" sz="1000" dirty="0" smtClean="0">
+              <a:latin typeface="Seravek"/>
+              <a:cs typeface="Seravek"/>
+            </a:endParaRPr>
+          </a:p>
+        </p:txBody>
+      </p:sp>
+      <p:cxnSp>
+        <p:nvCxnSpPr>
+          <p:cNvPr id="4" name="Connecteur droit avec flèche 3"/>
+          <p:cNvCxnSpPr/>
+          <p:nvPr/>
+        </p:nvCxnSpPr>
+        <p:spPr>
+          <a:xfrm flipV="1">
+            <a:off x="2768386" y="3284449"/>
+            <a:ext cx="3016439" cy="5997"/>
+          </a:xfrm>
+          <a:prstGeom prst="straightConnector1">
+            <a:avLst/>
+          </a:prstGeom>
+          <a:ln w="9525" cmpd="sng">
+            <a:solidFill>
+              <a:srgbClr val="FF0000"/>
+            </a:solidFill>
+            <a:prstDash val="dash"/>
+            <a:tailEnd type="stealth" w="lg" len="lg"/>
+          </a:ln>
+          <a:effectLst/>
+        </p:spPr>
+        <p:style>
+          <a:lnRef idx="2">
+            <a:schemeClr val="accent1"/>
+          </a:lnRef>
+          <a:fillRef idx="0">
+            <a:schemeClr val="accent1"/>
+          </a:fillRef>
+          <a:effectRef idx="1">
+            <a:schemeClr val="accent1"/>
+          </a:effectRef>
+          <a:fontRef idx="minor">
+            <a:schemeClr val="tx1"/>
+          </a:fontRef>
+        </p:style>
+      </p:cxnSp>
+      <p:sp>
+        <p:nvSpPr>
+          <p:cNvPr id="5" name="ZoneTexte 4"/>
+          <p:cNvSpPr txBox="1"/>
+          <p:nvPr/>
+        </p:nvSpPr>
+        <p:spPr>
+          <a:xfrm>
+            <a:off x="3422827" y="3022552"/>
+            <a:ext cx="1761853" cy="276999"/>
+          </a:xfrm>
+          <a:prstGeom prst="rect">
+            <a:avLst/>
+          </a:prstGeom>
+          <a:noFill/>
+        </p:spPr>
+        <p:txBody>
+          <a:bodyPr wrap="square" rtlCol="0">
+            <a:spAutoFit/>
+          </a:bodyPr>
+          <a:lstStyle/>
+          <a:p>
+            <a:pPr algn="ctr"/>
+            <a:r>
+              <a:rPr lang="fr-FR" sz="1200" dirty="0" err="1" smtClean="0">
+                <a:solidFill>
+                  <a:srgbClr val="FF0000"/>
+                </a:solidFill>
+                <a:latin typeface="Seravek"/>
+                <a:cs typeface="Seravek"/>
+              </a:rPr>
+              <a:t>SubsetOf</a:t>
+            </a:r>
+            <a:endParaRPr lang="fr-FR" sz="1200" dirty="0">
+              <a:solidFill>
+                <a:srgbClr val="FF0000"/>
+              </a:solidFill>
+              <a:latin typeface="Seravek"/>
+              <a:cs typeface="Seravek"/>
+            </a:endParaRPr>
+          </a:p>
+        </p:txBody>
+      </p:sp>
+      <p:sp>
+        <p:nvSpPr>
+          <p:cNvPr id="190" name="Forme libre 189"/>
+          <p:cNvSpPr/>
+          <p:nvPr/>
+        </p:nvSpPr>
+        <p:spPr>
+          <a:xfrm rot="329513">
+            <a:off x="7157171" y="1202548"/>
+            <a:ext cx="463986" cy="464104"/>
+          </a:xfrm>
+          <a:custGeom>
+            <a:avLst/>
+            <a:gdLst>
+              <a:gd name="connsiteX0" fmla="*/ 0 w 691999"/>
+              <a:gd name="connsiteY0" fmla="*/ 359055 h 915956"/>
+              <a:gd name="connsiteX1" fmla="*/ 455877 w 691999"/>
+              <a:gd name="connsiteY1" fmla="*/ 839 h 915956"/>
+              <a:gd name="connsiteX2" fmla="*/ 691956 w 691999"/>
+              <a:gd name="connsiteY2" fmla="*/ 448609 h 915956"/>
+              <a:gd name="connsiteX3" fmla="*/ 439595 w 691999"/>
+              <a:gd name="connsiteY3" fmla="*/ 912661 h 915956"/>
+              <a:gd name="connsiteX4" fmla="*/ 32562 w 691999"/>
+              <a:gd name="connsiteY4" fmla="*/ 668423 h 915956"/>
+              <a:gd name="connsiteX0" fmla="*/ 1 w 692000"/>
+              <a:gd name="connsiteY0" fmla="*/ 359055 h 915956"/>
+              <a:gd name="connsiteX1" fmla="*/ 455878 w 692000"/>
+              <a:gd name="connsiteY1" fmla="*/ 839 h 915956"/>
+              <a:gd name="connsiteX2" fmla="*/ 691957 w 692000"/>
+              <a:gd name="connsiteY2" fmla="*/ 448609 h 915956"/>
+              <a:gd name="connsiteX3" fmla="*/ 439596 w 692000"/>
+              <a:gd name="connsiteY3" fmla="*/ 912661 h 915956"/>
+              <a:gd name="connsiteX4" fmla="*/ 0 w 692000"/>
+              <a:gd name="connsiteY4" fmla="*/ 668423 h 915956"/>
+              <a:gd name="connsiteX0" fmla="*/ 1 w 691995"/>
+              <a:gd name="connsiteY0" fmla="*/ 342848 h 899749"/>
+              <a:gd name="connsiteX1" fmla="*/ 423316 w 691995"/>
+              <a:gd name="connsiteY1" fmla="*/ 914 h 899749"/>
+              <a:gd name="connsiteX2" fmla="*/ 691957 w 691995"/>
+              <a:gd name="connsiteY2" fmla="*/ 432402 h 899749"/>
+              <a:gd name="connsiteX3" fmla="*/ 439596 w 691995"/>
+              <a:gd name="connsiteY3" fmla="*/ 896454 h 899749"/>
+              <a:gd name="connsiteX4" fmla="*/ 0 w 691995"/>
+              <a:gd name="connsiteY4" fmla="*/ 652216 h 899749"/>
+              <a:gd name="connsiteX0" fmla="*/ 1 w 692107"/>
+              <a:gd name="connsiteY0" fmla="*/ 262133 h 819034"/>
+              <a:gd name="connsiteX1" fmla="*/ 407035 w 692107"/>
+              <a:gd name="connsiteY1" fmla="*/ 1612 h 819034"/>
+              <a:gd name="connsiteX2" fmla="*/ 691957 w 692107"/>
+              <a:gd name="connsiteY2" fmla="*/ 351687 h 819034"/>
+              <a:gd name="connsiteX3" fmla="*/ 439596 w 692107"/>
+              <a:gd name="connsiteY3" fmla="*/ 815739 h 819034"/>
+              <a:gd name="connsiteX4" fmla="*/ 0 w 692107"/>
+              <a:gd name="connsiteY4" fmla="*/ 571501 h 819034"/>
+              <a:gd name="connsiteX0" fmla="*/ 1 w 691991"/>
+              <a:gd name="connsiteY0" fmla="*/ 262133 h 722888"/>
+              <a:gd name="connsiteX1" fmla="*/ 407035 w 691991"/>
+              <a:gd name="connsiteY1" fmla="*/ 1612 h 722888"/>
+              <a:gd name="connsiteX2" fmla="*/ 691957 w 691991"/>
+              <a:gd name="connsiteY2" fmla="*/ 351687 h 722888"/>
+              <a:gd name="connsiteX3" fmla="*/ 423314 w 691991"/>
+              <a:gd name="connsiteY3" fmla="*/ 718044 h 722888"/>
+              <a:gd name="connsiteX4" fmla="*/ 0 w 691991"/>
+              <a:gd name="connsiteY4" fmla="*/ 571501 h 722888"/>
+              <a:gd name="connsiteX0" fmla="*/ 1 w 691991"/>
+              <a:gd name="connsiteY0" fmla="*/ 262133 h 719541"/>
+              <a:gd name="connsiteX1" fmla="*/ 407035 w 691991"/>
+              <a:gd name="connsiteY1" fmla="*/ 1612 h 719541"/>
+              <a:gd name="connsiteX2" fmla="*/ 691957 w 691991"/>
+              <a:gd name="connsiteY2" fmla="*/ 351687 h 719541"/>
+              <a:gd name="connsiteX3" fmla="*/ 423314 w 691991"/>
+              <a:gd name="connsiteY3" fmla="*/ 718044 h 719541"/>
+              <a:gd name="connsiteX4" fmla="*/ 0 w 691991"/>
+              <a:gd name="connsiteY4" fmla="*/ 490089 h 719541"/>
+              <a:gd name="connsiteX0" fmla="*/ 1 w 691965"/>
+              <a:gd name="connsiteY0" fmla="*/ 262133 h 703357"/>
+              <a:gd name="connsiteX1" fmla="*/ 407035 w 691965"/>
+              <a:gd name="connsiteY1" fmla="*/ 1612 h 703357"/>
+              <a:gd name="connsiteX2" fmla="*/ 691957 w 691965"/>
+              <a:gd name="connsiteY2" fmla="*/ 351687 h 703357"/>
+              <a:gd name="connsiteX3" fmla="*/ 398892 w 691965"/>
+              <a:gd name="connsiteY3" fmla="*/ 701762 h 703357"/>
+              <a:gd name="connsiteX4" fmla="*/ 0 w 691965"/>
+              <a:gd name="connsiteY4" fmla="*/ 490089 h 703357"/>
+              <a:gd name="connsiteX0" fmla="*/ 1 w 691964"/>
+              <a:gd name="connsiteY0" fmla="*/ 230238 h 671462"/>
+              <a:gd name="connsiteX1" fmla="*/ 390754 w 691964"/>
+              <a:gd name="connsiteY1" fmla="*/ 2282 h 671462"/>
+              <a:gd name="connsiteX2" fmla="*/ 691957 w 691964"/>
+              <a:gd name="connsiteY2" fmla="*/ 319792 h 671462"/>
+              <a:gd name="connsiteX3" fmla="*/ 398892 w 691964"/>
+              <a:gd name="connsiteY3" fmla="*/ 669867 h 671462"/>
+              <a:gd name="connsiteX4" fmla="*/ 0 w 691964"/>
+              <a:gd name="connsiteY4" fmla="*/ 458194 h 671462"/>
+              <a:gd name="connsiteX0" fmla="*/ 1 w 691964"/>
+              <a:gd name="connsiteY0" fmla="*/ 230238 h 639135"/>
+              <a:gd name="connsiteX1" fmla="*/ 390754 w 691964"/>
+              <a:gd name="connsiteY1" fmla="*/ 2282 h 639135"/>
+              <a:gd name="connsiteX2" fmla="*/ 691957 w 691964"/>
+              <a:gd name="connsiteY2" fmla="*/ 319792 h 639135"/>
+              <a:gd name="connsiteX3" fmla="*/ 382611 w 691964"/>
+              <a:gd name="connsiteY3" fmla="*/ 637302 h 639135"/>
+              <a:gd name="connsiteX4" fmla="*/ 0 w 691964"/>
+              <a:gd name="connsiteY4" fmla="*/ 458194 h 639135"/>
+            </a:gdLst>
+            <a:ahLst/>
+            <a:cxnLst>
+              <a:cxn ang="0">
+                <a:pos x="connsiteX0" y="connsiteY0"/>
+              </a:cxn>
+              <a:cxn ang="0">
+                <a:pos x="connsiteX1" y="connsiteY1"/>
+              </a:cxn>
+              <a:cxn ang="0">
+                <a:pos x="connsiteX2" y="connsiteY2"/>
+              </a:cxn>
+              <a:cxn ang="0">
+                <a:pos x="connsiteX3" y="connsiteY3"/>
+              </a:cxn>
+              <a:cxn ang="0">
+                <a:pos x="connsiteX4" y="connsiteY4"/>
+              </a:cxn>
+            </a:cxnLst>
+            <a:rect l="l" t="t" r="r" b="b"/>
+            <a:pathLst>
+              <a:path w="691964" h="639135">
+                <a:moveTo>
+                  <a:pt x="1" y="230238"/>
+                </a:moveTo>
+                <a:cubicBezTo>
+                  <a:pt x="170276" y="43667"/>
+                  <a:pt x="275428" y="-12644"/>
+                  <a:pt x="390754" y="2282"/>
+                </a:cubicBezTo>
+                <a:cubicBezTo>
+                  <a:pt x="506080" y="17208"/>
+                  <a:pt x="693314" y="213955"/>
+                  <a:pt x="691957" y="319792"/>
+                </a:cubicBezTo>
+                <a:cubicBezTo>
+                  <a:pt x="690600" y="425629"/>
+                  <a:pt x="497937" y="614235"/>
+                  <a:pt x="382611" y="637302"/>
+                </a:cubicBezTo>
+                <a:cubicBezTo>
+                  <a:pt x="267285" y="660369"/>
+                  <a:pt x="0" y="458194"/>
+                  <a:pt x="0" y="458194"/>
+                </a:cubicBezTo>
+              </a:path>
+            </a:pathLst>
+          </a:custGeom>
+          <a:ln w="9525" cmpd="sng">
+            <a:solidFill>
+              <a:srgbClr val="000000"/>
+            </a:solidFill>
+            <a:headEnd type="oval" w="sm" len="sm"/>
+            <a:tailEnd type="stealth" w="sm" len="sm"/>
+          </a:ln>
+          <a:effectLst/>
+        </p:spPr>
+        <p:style>
+          <a:lnRef idx="2">
+            <a:schemeClr val="accent1"/>
+          </a:lnRef>
+          <a:fillRef idx="0">
+            <a:schemeClr val="accent1"/>
+          </a:fillRef>
+          <a:effectRef idx="1">
+            <a:schemeClr val="accent1"/>
+          </a:effectRef>
+          <a:fontRef idx="minor">
+            <a:schemeClr val="tx1"/>
+          </a:fontRef>
+        </p:style>
+        <p:txBody>
+          <a:bodyPr rtlCol="0" anchor="ctr"/>
+          <a:lstStyle/>
+          <a:p>
+            <a:pPr algn="ctr"/>
+            <a:endParaRPr lang="fr-FR"/>
+          </a:p>
+        </p:txBody>
+      </p:sp>
+    </p:spTree>
+    <p:extLst>
+      <p:ext uri="{BB962C8B-B14F-4D97-AF65-F5344CB8AC3E}">
+        <p14:creationId xmlns:p14="http://schemas.microsoft.com/office/powerpoint/2010/main" val="6284747"/>
+      </p:ext>
+    </p:extLst>
+  </p:cSld>
+  <p:clrMapOvr>
+    <a:masterClrMapping/>
+  </p:clrMapOvr>
+</p:sld>
+</file>
+
 <file path=ppt/theme/theme1.xml><?xml version="1.0" encoding="utf-8"?>
 <a:theme xmlns:a="http://schemas.openxmlformats.org/drawingml/2006/main" name="Thème Office">
   <a:themeElements>
@@ -13822,4 +20615,265 @@
   </a:objectDefaults>
   <a:extraClrSchemeLst/>
 </a:theme>
+</file>
+
+<file path=ppt/theme/theme2.xml><?xml version="1.0" encoding="utf-8"?>
+<a:theme xmlns:a="http://schemas.openxmlformats.org/drawingml/2006/main" name="Thème Office">
+  <a:themeElements>
+    <a:clrScheme name="Bureau">
+      <a:dk1>
+        <a:sysClr val="windowText" lastClr="000000"/>
+      </a:dk1>
+      <a:lt1>
+        <a:sysClr val="window" lastClr="FFFFFF"/>
+      </a:lt1>
+      <a:dk2>
+        <a:srgbClr val="44546A"/>
+      </a:dk2>
+      <a:lt2>
+        <a:srgbClr val="E7E6E6"/>
+      </a:lt2>
+      <a:accent1>
+        <a:srgbClr val="4472C4"/>
+      </a:accent1>
+      <a:accent2>
+        <a:srgbClr val="ED7D31"/>
+      </a:accent2>
+      <a:accent3>
+        <a:srgbClr val="A5A5A5"/>
+      </a:accent3>
+      <a:accent4>
+        <a:srgbClr val="FFC000"/>
+      </a:accent4>
+      <a:accent5>
+        <a:srgbClr val="5B9BD5"/>
+      </a:accent5>
+      <a:accent6>
+        <a:srgbClr val="70AD47"/>
+      </a:accent6>
+      <a:hlink>
+        <a:srgbClr val="0563C1"/>
+      </a:hlink>
+      <a:folHlink>
+        <a:srgbClr val="954F72"/>
+      </a:folHlink>
+    </a:clrScheme>
+    <a:fontScheme name="Bureau">
+      <a:majorFont>
+        <a:latin typeface="Calibri Light" panose="020F0302020204030204"/>
+        <a:ea typeface=""/>
+        <a:cs typeface=""/>
+        <a:font script="Jpan" typeface="Yu Gothic Light"/>
+        <a:font script="Hang" typeface="맑은 고딕"/>
+        <a:font script="Hans" typeface="DengXian Light"/>
+        <a:font script="Hant" typeface="新細明體"/>
+        <a:font script="Arab" typeface="Times New Roman"/>
+        <a:font script="Hebr" typeface="Times New Roman"/>
+        <a:font script="Thai" typeface="Angsana New"/>
+        <a:font script="Ethi" typeface="Nyala"/>
+        <a:font script="Beng" typeface="Vrinda"/>
+        <a:font script="Gujr" typeface="Shruti"/>
+        <a:font script="Khmr" typeface="MoolBoran"/>
+        <a:font script="Knda" typeface="Tunga"/>
+        <a:font script="Guru" typeface="Raavi"/>
+        <a:font script="Cans" typeface="Euphemia"/>
+        <a:font script="Cher" typeface="Plantagenet Cherokee"/>
+        <a:font script="Yiii" typeface="Microsoft Yi Baiti"/>
+        <a:font script="Tibt" typeface="Microsoft Himalaya"/>
+        <a:font script="Thaa" typeface="MV Boli"/>
+        <a:font script="Deva" typeface="Mangal"/>
+        <a:font script="Telu" typeface="Gautami"/>
+        <a:font script="Taml" typeface="Latha"/>
+        <a:font script="Syrc" typeface="Estrangelo Edessa"/>
+        <a:font script="Orya" typeface="Kalinga"/>
+        <a:font script="Mlym" typeface="Kartika"/>
+        <a:font script="Laoo" typeface="DokChampa"/>
+        <a:font script="Sinh" typeface="Iskoola Pota"/>
+        <a:font script="Mong" typeface="Mongolian Baiti"/>
+        <a:font script="Viet" typeface="Times New Roman"/>
+        <a:font script="Uigh" typeface="Microsoft Uighur"/>
+        <a:font script="Geor" typeface="Sylfaen"/>
+      </a:majorFont>
+      <a:minorFont>
+        <a:latin typeface="Calibri" panose="020F0502020204030204"/>
+        <a:ea typeface=""/>
+        <a:cs typeface=""/>
+        <a:font script="Jpan" typeface="Yu Gothic"/>
+        <a:font script="Hang" typeface="맑은 고딕"/>
+        <a:font script="Hans" typeface="DengXian"/>
+        <a:font script="Hant" typeface="新細明體"/>
+        <a:font script="Arab" typeface="Arial"/>
+        <a:font script="Hebr" typeface="Arial"/>
+        <a:font script="Thai" typeface="Cordia New"/>
+        <a:font script="Ethi" typeface="Nyala"/>
+        <a:font script="Beng" typeface="Vrinda"/>
+        <a:font script="Gujr" typeface="Shruti"/>
+        <a:font script="Khmr" typeface="DaunPenh"/>
+        <a:font script="Knda" typeface="Tunga"/>
+        <a:font script="Guru" typeface="Raavi"/>
+        <a:font script="Cans" typeface="Euphemia"/>
+        <a:font script="Cher" typeface="Plantagenet Cherokee"/>
+        <a:font script="Yiii" typeface="Microsoft Yi Baiti"/>
+        <a:font script="Tibt" typeface="Microsoft Himalaya"/>
+        <a:font script="Thaa" typeface="MV Boli"/>
+        <a:font script="Deva" typeface="Mangal"/>
+        <a:font script="Telu" typeface="Gautami"/>
+        <a:font script="Taml" typeface="Latha"/>
+        <a:font script="Syrc" typeface="Estrangelo Edessa"/>
+        <a:font script="Orya" typeface="Kalinga"/>
+        <a:font script="Mlym" typeface="Kartika"/>
+        <a:font script="Laoo" typeface="DokChampa"/>
+        <a:font script="Sinh" typeface="Iskoola Pota"/>
+        <a:font script="Mong" typeface="Mongolian Baiti"/>
+        <a:font script="Viet" typeface="Arial"/>
+        <a:font script="Uigh" typeface="Microsoft Uighur"/>
+        <a:font script="Geor" typeface="Sylfaen"/>
+      </a:minorFont>
+    </a:fontScheme>
+    <a:fmtScheme name="Bureau">
+      <a:fillStyleLst>
+        <a:solidFill>
+          <a:schemeClr val="phClr"/>
+        </a:solidFill>
+        <a:gradFill rotWithShape="1">
+          <a:gsLst>
+            <a:gs pos="0">
+              <a:schemeClr val="phClr">
+                <a:lumMod val="110000"/>
+                <a:satMod val="105000"/>
+                <a:tint val="67000"/>
+              </a:schemeClr>
+            </a:gs>
+            <a:gs pos="50000">
+              <a:schemeClr val="phClr">
+                <a:lumMod val="105000"/>
+                <a:satMod val="103000"/>
+                <a:tint val="73000"/>
+              </a:schemeClr>
+            </a:gs>
+            <a:gs pos="100000">
+              <a:schemeClr val="phClr">
+                <a:lumMod val="105000"/>
+                <a:satMod val="109000"/>
+                <a:tint val="81000"/>
+              </a:schemeClr>
+            </a:gs>
+          </a:gsLst>
+          <a:lin ang="5400000" scaled="0"/>
+        </a:gradFill>
+        <a:gradFill rotWithShape="1">
+          <a:gsLst>
+            <a:gs pos="0">
+              <a:schemeClr val="phClr">
+                <a:satMod val="103000"/>
+                <a:lumMod val="102000"/>
+                <a:tint val="94000"/>
+              </a:schemeClr>
+            </a:gs>
+            <a:gs pos="50000">
+              <a:schemeClr val="phClr">
+                <a:satMod val="110000"/>
+                <a:lumMod val="100000"/>
+                <a:shade val="100000"/>
+              </a:schemeClr>
+            </a:gs>
+            <a:gs pos="100000">
+              <a:schemeClr val="phClr">
+                <a:lumMod val="99000"/>
+                <a:satMod val="120000"/>
+                <a:shade val="78000"/>
+              </a:schemeClr>
+            </a:gs>
+          </a:gsLst>
+          <a:lin ang="5400000" scaled="0"/>
+        </a:gradFill>
+      </a:fillStyleLst>
+      <a:lnStyleLst>
+        <a:ln w="6350" cap="flat" cmpd="sng" algn="ctr">
+          <a:solidFill>
+            <a:schemeClr val="phClr"/>
+          </a:solidFill>
+          <a:prstDash val="solid"/>
+          <a:miter lim="800000"/>
+        </a:ln>
+        <a:ln w="12700" cap="flat" cmpd="sng" algn="ctr">
+          <a:solidFill>
+            <a:schemeClr val="phClr"/>
+          </a:solidFill>
+          <a:prstDash val="solid"/>
+          <a:miter lim="800000"/>
+        </a:ln>
+        <a:ln w="19050" cap="flat" cmpd="sng" algn="ctr">
+          <a:solidFill>
+            <a:schemeClr val="phClr"/>
+          </a:solidFill>
+          <a:prstDash val="solid"/>
+          <a:miter lim="800000"/>
+        </a:ln>
+      </a:lnStyleLst>
+      <a:effectStyleLst>
+        <a:effectStyle>
+          <a:effectLst/>
+        </a:effectStyle>
+        <a:effectStyle>
+          <a:effectLst/>
+        </a:effectStyle>
+        <a:effectStyle>
+          <a:effectLst>
+            <a:outerShdw blurRad="57150" dist="19050" dir="5400000" algn="ctr" rotWithShape="0">
+              <a:srgbClr val="000000">
+                <a:alpha val="63000"/>
+              </a:srgbClr>
+            </a:outerShdw>
+          </a:effectLst>
+        </a:effectStyle>
+      </a:effectStyleLst>
+      <a:bgFillStyleLst>
+        <a:solidFill>
+          <a:schemeClr val="phClr"/>
+        </a:solidFill>
+        <a:solidFill>
+          <a:schemeClr val="phClr">
+            <a:tint val="95000"/>
+            <a:satMod val="170000"/>
+          </a:schemeClr>
+        </a:solidFill>
+        <a:gradFill rotWithShape="1">
+          <a:gsLst>
+            <a:gs pos="0">
+              <a:schemeClr val="phClr">
+                <a:tint val="93000"/>
+                <a:satMod val="150000"/>
+                <a:shade val="98000"/>
+                <a:lumMod val="102000"/>
+              </a:schemeClr>
+            </a:gs>
+            <a:gs pos="50000">
+              <a:schemeClr val="phClr">
+                <a:tint val="98000"/>
+                <a:satMod val="130000"/>
+                <a:shade val="90000"/>
+                <a:lumMod val="103000"/>
+              </a:schemeClr>
+            </a:gs>
+            <a:gs pos="100000">
+              <a:schemeClr val="phClr">
+                <a:shade val="63000"/>
+                <a:satMod val="120000"/>
+              </a:schemeClr>
+            </a:gs>
+          </a:gsLst>
+          <a:lin ang="5400000" scaled="0"/>
+        </a:gradFill>
+      </a:bgFillStyleLst>
+    </a:fmtScheme>
+  </a:themeElements>
+  <a:objectDefaults/>
+  <a:extraClrSchemeLst/>
+  <a:extLst>
+    <a:ext uri="{05A4C25C-085E-4340-85A3-A5531E510DB2}">
+      <thm15:themeFamily xmlns:thm15="http://schemas.microsoft.com/office/thememl/2012/main" name="Office Theme" id="{62F939B6-93AF-4DB8-9C6B-D6C7DFDC589F}" vid="{4A3C46E8-61CC-4603-A589-7422A47A8E4A}"/>
+    </a:ext>
+  </a:extLst>
+</a:theme>
 </file>